--- a/presentation/MIE2024-DataIM-Masterclass.pptx
+++ b/presentation/MIE2024-DataIM-Masterclass.pptx
@@ -49777,15 +49777,6 @@
 </file>
 
 <file path=customXml/item1.xml><?xml version="1.0" encoding="utf-8"?>
-<?mso-contentType ?>
-<FormTemplates xmlns="http://schemas.microsoft.com/sharepoint/v3/contenttype/forms">
-  <Display>DocumentLibraryForm</Display>
-  <Edit>DocumentLibraryForm</Edit>
-  <New>DocumentLibraryForm</New>
-</FormTemplates>
-</file>
-
-<file path=customXml/item2.xml><?xml version="1.0" encoding="utf-8"?>
 <ct:contentTypeSchema xmlns:ct="http://schemas.microsoft.com/office/2006/metadata/contentType" xmlns:ma="http://schemas.microsoft.com/office/2006/metadata/properties/metaAttributes" ct:_="" ma:_="" ma:contentTypeName="Document" ma:contentTypeID="0x0101007F0237082AB0944A9FC216E2DA5620D5" ma:contentTypeVersion="18" ma:contentTypeDescription="Een nieuw document maken." ma:contentTypeScope="" ma:versionID="4f1caa9287d9488e20316eb0fee938e9">
   <xsd:schema xmlns:xsd="http://www.w3.org/2001/XMLSchema" xmlns:xs="http://www.w3.org/2001/XMLSchema" xmlns:p="http://schemas.microsoft.com/office/2006/metadata/properties" xmlns:ns2="9c5a206d-b938-4884-b132-8a290c966188" xmlns:ns3="9b1463cd-8617-4935-ac0c-8d0310cc0c27" targetNamespace="http://schemas.microsoft.com/office/2006/metadata/properties" ma:root="true" ma:fieldsID="aaa2e803268428d24b688eb9cf6a5a07" ns2:_="" ns3:_="">
     <xsd:import namespace="9c5a206d-b938-4884-b132-8a290c966188"/>
@@ -50040,7 +50031,7 @@
 </ct:contentTypeSchema>
 </file>
 
-<file path=customXml/item3.xml><?xml version="1.0" encoding="utf-8"?>
+<file path=customXml/item2.xml><?xml version="1.0" encoding="utf-8"?>
 <p:properties xmlns:p="http://schemas.microsoft.com/office/2006/metadata/properties" xmlns:xsi="http://www.w3.org/2001/XMLSchema-instance" xmlns:pc="http://schemas.microsoft.com/office/infopath/2007/PartnerControls">
   <documentManagement>
     <lcf76f155ced4ddcb4097134ff3c332f xmlns="9c5a206d-b938-4884-b132-8a290c966188">
@@ -50051,15 +50042,16 @@
 </p:properties>
 </file>
 
-<file path=customXml/itemProps1.xml><?xml version="1.0" encoding="utf-8"?>
-<ds:datastoreItem xmlns:ds="http://schemas.openxmlformats.org/officeDocument/2006/customXml" ds:itemID="{BA48266C-CCCF-48F1-80D3-1F408859C50D}">
-  <ds:schemaRefs>
-    <ds:schemaRef ds:uri="http://schemas.microsoft.com/sharepoint/v3/contenttype/forms"/>
-  </ds:schemaRefs>
-</ds:datastoreItem>
+<file path=customXml/item3.xml><?xml version="1.0" encoding="utf-8"?>
+<?mso-contentType ?>
+<FormTemplates xmlns="http://schemas.microsoft.com/sharepoint/v3/contenttype/forms">
+  <Display>DocumentLibraryForm</Display>
+  <Edit>DocumentLibraryForm</Edit>
+  <New>DocumentLibraryForm</New>
+</FormTemplates>
 </file>
 
-<file path=customXml/itemProps2.xml><?xml version="1.0" encoding="utf-8"?>
+<file path=customXml/itemProps1.xml><?xml version="1.0" encoding="utf-8"?>
 <ds:datastoreItem xmlns:ds="http://schemas.openxmlformats.org/officeDocument/2006/customXml" ds:itemID="{B71804E9-FB14-4B03-AE64-B68AF3220F70}">
   <ds:schemaRefs>
     <ds:schemaRef ds:uri="http://schemas.microsoft.com/office/2006/metadata/contentType"/>
@@ -50078,7 +50070,7 @@
 </ds:datastoreItem>
 </file>
 
-<file path=customXml/itemProps3.xml><?xml version="1.0" encoding="utf-8"?>
+<file path=customXml/itemProps2.xml><?xml version="1.0" encoding="utf-8"?>
 <ds:datastoreItem xmlns:ds="http://schemas.openxmlformats.org/officeDocument/2006/customXml" ds:itemID="{14998129-EF39-4E22-9AD7-F42BFEDA1730}">
   <ds:schemaRefs>
     <ds:schemaRef ds:uri="http://schemas.microsoft.com/office/2006/documentManagement/types"/>
@@ -50093,4 +50085,12 @@
     <ds:schemaRef ds:uri="9c5a206d-b938-4884-b132-8a290c966188"/>
   </ds:schemaRefs>
 </ds:datastoreItem>
+</file>
+
+<file path=customXml/itemProps3.xml><?xml version="1.0" encoding="utf-8"?>
+<ds:datastoreItem xmlns:ds="http://schemas.openxmlformats.org/officeDocument/2006/customXml" ds:itemID="{BA48266C-CCCF-48F1-80D3-1F408859C50D}">
+  <ds:schemaRefs>
+    <ds:schemaRef ds:uri="http://schemas.microsoft.com/sharepoint/v3/contenttype/forms"/>
+  </ds:schemaRefs>
+</ds:datastoreItem>
 </file>
--- a/presentation/MIE2024-DataIM-Masterclass.pptx
+++ b/presentation/MIE2024-DataIM-Masterclass.pptx
@@ -14576,6 +14576,362 @@
   <p:cSld>
     <p:spTree>
       <p:nvGrpSpPr>
+        <p:cNvPr id="1" name="">
+          <a:extLst>
+            <a:ext uri="{FF2B5EF4-FFF2-40B4-BE49-F238E27FC236}">
+              <a16:creationId xmlns:a16="http://schemas.microsoft.com/office/drawing/2014/main" id="{C7D9C81A-4BE2-28E6-0425-7C560992E1BD}"/>
+            </a:ext>
+          </a:extLst>
+        </p:cNvPr>
+        <p:cNvGrpSpPr/>
+        <p:nvPr/>
+      </p:nvGrpSpPr>
+      <p:grpSpPr>
+        <a:xfrm>
+          <a:off x="0" y="0"/>
+          <a:ext cx="0" cy="0"/>
+          <a:chOff x="0" y="0"/>
+          <a:chExt cx="0" cy="0"/>
+        </a:xfrm>
+      </p:grpSpPr>
+      <p:sp>
+        <p:nvSpPr>
+          <p:cNvPr id="2" name="Tijdelijke aanduiding voor dia-afbeelding 1">
+            <a:extLst>
+              <a:ext uri="{FF2B5EF4-FFF2-40B4-BE49-F238E27FC236}">
+                <a16:creationId xmlns:a16="http://schemas.microsoft.com/office/drawing/2014/main" id="{12A24989-15CB-6C0A-B849-DA2FA0B2B79A}"/>
+              </a:ext>
+            </a:extLst>
+          </p:cNvPr>
+          <p:cNvSpPr>
+            <a:spLocks noGrp="1" noRot="1" noChangeAspect="1"/>
+          </p:cNvSpPr>
+          <p:nvPr>
+            <p:ph type="sldImg"/>
+          </p:nvPr>
+        </p:nvSpPr>
+        <p:spPr/>
+      </p:sp>
+      <p:sp>
+        <p:nvSpPr>
+          <p:cNvPr id="3" name="Tijdelijke aanduiding voor notities 2">
+            <a:extLst>
+              <a:ext uri="{FF2B5EF4-FFF2-40B4-BE49-F238E27FC236}">
+                <a16:creationId xmlns:a16="http://schemas.microsoft.com/office/drawing/2014/main" id="{90E1E686-F4EA-A728-5FAE-EFA356F940CC}"/>
+              </a:ext>
+            </a:extLst>
+          </p:cNvPr>
+          <p:cNvSpPr>
+            <a:spLocks noGrp="1"/>
+          </p:cNvSpPr>
+          <p:nvPr>
+            <p:ph type="body" idx="1"/>
+          </p:nvPr>
+        </p:nvSpPr>
+        <p:spPr/>
+        <p:txBody>
+          <a:bodyPr/>
+          <a:lstStyle/>
+          <a:p>
+            <a:endParaRPr lang="nl-NL" dirty="0"/>
+          </a:p>
+        </p:txBody>
+      </p:sp>
+      <p:sp>
+        <p:nvSpPr>
+          <p:cNvPr id="4" name="Tijdelijke aanduiding voor dianummer 3">
+            <a:extLst>
+              <a:ext uri="{FF2B5EF4-FFF2-40B4-BE49-F238E27FC236}">
+                <a16:creationId xmlns:a16="http://schemas.microsoft.com/office/drawing/2014/main" id="{EBA02B2F-B42D-3A87-0930-EFC5ABEA7B3B}"/>
+              </a:ext>
+            </a:extLst>
+          </p:cNvPr>
+          <p:cNvSpPr>
+            <a:spLocks noGrp="1"/>
+          </p:cNvSpPr>
+          <p:nvPr>
+            <p:ph type="sldNum" sz="quarter" idx="5"/>
+          </p:nvPr>
+        </p:nvSpPr>
+        <p:spPr/>
+        <p:txBody>
+          <a:bodyPr/>
+          <a:lstStyle/>
+          <a:p>
+            <a:fld id="{623201EE-611C-429E-B6C7-DF3E08DC77B3}" type="slidenum">
+              <a:rPr lang="nl-NL" smtClean="0"/>
+              <a:t>16</a:t>
+            </a:fld>
+            <a:endParaRPr lang="nl-NL"/>
+          </a:p>
+        </p:txBody>
+      </p:sp>
+    </p:spTree>
+    <p:extLst>
+      <p:ext uri="{BB962C8B-B14F-4D97-AF65-F5344CB8AC3E}">
+        <p14:creationId xmlns:p14="http://schemas.microsoft.com/office/powerpoint/2010/main" val="1948071790"/>
+      </p:ext>
+    </p:extLst>
+  </p:cSld>
+  <p:clrMapOvr>
+    <a:masterClrMapping/>
+  </p:clrMapOvr>
+</p:notes>
+</file>
+
+<file path=ppt/notesSlides/notesSlide11.xml><?xml version="1.0" encoding="utf-8"?>
+<p:notes xmlns:a="http://schemas.openxmlformats.org/drawingml/2006/main" xmlns:r="http://schemas.openxmlformats.org/officeDocument/2006/relationships" xmlns:p="http://schemas.openxmlformats.org/presentationml/2006/main">
+  <p:cSld>
+    <p:spTree>
+      <p:nvGrpSpPr>
+        <p:cNvPr id="1" name=""/>
+        <p:cNvGrpSpPr/>
+        <p:nvPr/>
+      </p:nvGrpSpPr>
+      <p:grpSpPr>
+        <a:xfrm>
+          <a:off x="0" y="0"/>
+          <a:ext cx="0" cy="0"/>
+          <a:chOff x="0" y="0"/>
+          <a:chExt cx="0" cy="0"/>
+        </a:xfrm>
+      </p:grpSpPr>
+      <p:sp>
+        <p:nvSpPr>
+          <p:cNvPr id="2" name="Tijdelijke aanduiding voor dia-afbeelding 1"/>
+          <p:cNvSpPr>
+            <a:spLocks noGrp="1" noRot="1" noChangeAspect="1"/>
+          </p:cNvSpPr>
+          <p:nvPr>
+            <p:ph type="sldImg"/>
+          </p:nvPr>
+        </p:nvSpPr>
+        <p:spPr/>
+      </p:sp>
+      <p:sp>
+        <p:nvSpPr>
+          <p:cNvPr id="3" name="Tijdelijke aanduiding voor notities 2"/>
+          <p:cNvSpPr>
+            <a:spLocks noGrp="1"/>
+          </p:cNvSpPr>
+          <p:nvPr>
+            <p:ph type="body" idx="1"/>
+          </p:nvPr>
+        </p:nvSpPr>
+        <p:spPr/>
+        <p:txBody>
+          <a:bodyPr/>
+          <a:lstStyle/>
+          <a:p>
+            <a:r>
+              <a:rPr lang="nl-NL" dirty="0"/>
+              <a:t>Deze benchmark toont het verschil tussen </a:t>
+            </a:r>
+            <a:r>
+              <a:rPr lang="nl-NL" dirty="0" err="1"/>
+              <a:t>data.table</a:t>
+            </a:r>
+            <a:r>
+              <a:rPr lang="nl-NL" dirty="0"/>
+              <a:t> en </a:t>
+            </a:r>
+            <a:r>
+              <a:rPr lang="nl-NL" dirty="0" err="1"/>
+              <a:t>dplyr</a:t>
+            </a:r>
+            <a:r>
+              <a:rPr lang="nl-NL" dirty="0"/>
+              <a:t> qua performance bij het </a:t>
+            </a:r>
+            <a:r>
+              <a:rPr lang="nl-NL" b="0" dirty="0"/>
+              <a:t>berekenen van groepsgemiddelden (</a:t>
+            </a:r>
+            <a:r>
+              <a:rPr lang="nl-NL" b="0" dirty="0" err="1"/>
+              <a:t>by-group</a:t>
+            </a:r>
+            <a:r>
+              <a:rPr lang="nl-NL" b="0" dirty="0"/>
+              <a:t>)</a:t>
+            </a:r>
+          </a:p>
+          <a:p>
+            <a:endParaRPr lang="nl-NL" dirty="0"/>
+          </a:p>
+          <a:p>
+            <a:r>
+              <a:rPr lang="nl-NL" dirty="0"/>
+              <a:t>In het </a:t>
+            </a:r>
+            <a:r>
+              <a:rPr lang="nl-NL" b="1" dirty="0"/>
+              <a:t>MIE2024</a:t>
+            </a:r>
+            <a:r>
+              <a:rPr lang="nl-NL" dirty="0"/>
+              <a:t> R-package staat de code van deze benchmark: </a:t>
+            </a:r>
+          </a:p>
+          <a:p>
+            <a:endParaRPr lang="nl-NL" dirty="0"/>
+          </a:p>
+          <a:p>
+            <a:r>
+              <a:rPr lang="nl-NL" dirty="0"/>
+              <a:t># Eenvoudig uitvoeren van de benchmark kan via de ‘</a:t>
+            </a:r>
+            <a:r>
+              <a:rPr lang="nl-NL" dirty="0" err="1"/>
+              <a:t>example</a:t>
+            </a:r>
+            <a:r>
+              <a:rPr lang="nl-NL" dirty="0"/>
+              <a:t>’ functie: </a:t>
+            </a:r>
+          </a:p>
+          <a:p>
+            <a:r>
+              <a:rPr lang="nl-NL" dirty="0" err="1">
+                <a:latin typeface="Courier New" panose="02070309020205020404" pitchFamily="49" charset="0"/>
+                <a:cs typeface="Courier New" panose="02070309020205020404" pitchFamily="49" charset="0"/>
+              </a:rPr>
+              <a:t>devtools</a:t>
+            </a:r>
+            <a:r>
+              <a:rPr lang="nl-NL" dirty="0">
+                <a:latin typeface="Courier New" panose="02070309020205020404" pitchFamily="49" charset="0"/>
+                <a:cs typeface="Courier New" panose="02070309020205020404" pitchFamily="49" charset="0"/>
+              </a:rPr>
+              <a:t>::</a:t>
+            </a:r>
+            <a:r>
+              <a:rPr lang="nl-NL" dirty="0" err="1">
+                <a:latin typeface="Courier New" panose="02070309020205020404" pitchFamily="49" charset="0"/>
+                <a:cs typeface="Courier New" panose="02070309020205020404" pitchFamily="49" charset="0"/>
+              </a:rPr>
+              <a:t>load_all</a:t>
+            </a:r>
+            <a:r>
+              <a:rPr lang="nl-NL" dirty="0">
+                <a:latin typeface="Courier New" panose="02070309020205020404" pitchFamily="49" charset="0"/>
+                <a:cs typeface="Courier New" panose="02070309020205020404" pitchFamily="49" charset="0"/>
+              </a:rPr>
+              <a:t>()</a:t>
+            </a:r>
+          </a:p>
+          <a:p>
+            <a:r>
+              <a:rPr lang="nl-NL" b="1" dirty="0" err="1">
+                <a:latin typeface="Courier New" panose="02070309020205020404" pitchFamily="49" charset="0"/>
+                <a:cs typeface="Courier New" panose="02070309020205020404" pitchFamily="49" charset="0"/>
+              </a:rPr>
+              <a:t>exampleBenchmarkGroupMeans</a:t>
+            </a:r>
+            <a:r>
+              <a:rPr lang="nl-NL" b="1" dirty="0">
+                <a:latin typeface="Courier New" panose="02070309020205020404" pitchFamily="49" charset="0"/>
+                <a:cs typeface="Courier New" panose="02070309020205020404" pitchFamily="49" charset="0"/>
+              </a:rPr>
+              <a:t>()</a:t>
+            </a:r>
+          </a:p>
+          <a:p>
+            <a:endParaRPr lang="nl-NL" dirty="0"/>
+          </a:p>
+          <a:p>
+            <a:r>
+              <a:rPr lang="nl-NL" dirty="0"/>
+              <a:t># Bekijk de broncode van de benchmark in: </a:t>
+            </a:r>
+          </a:p>
+          <a:p>
+            <a:r>
+              <a:rPr lang="nl-NL" b="1" dirty="0" err="1">
+                <a:latin typeface="Courier New" panose="02070309020205020404" pitchFamily="49" charset="0"/>
+                <a:cs typeface="Courier New" panose="02070309020205020404" pitchFamily="49" charset="0"/>
+              </a:rPr>
+              <a:t>examples</a:t>
+            </a:r>
+            <a:r>
+              <a:rPr lang="nl-NL" b="1" dirty="0">
+                <a:latin typeface="Courier New" panose="02070309020205020404" pitchFamily="49" charset="0"/>
+                <a:cs typeface="Courier New" panose="02070309020205020404" pitchFamily="49" charset="0"/>
+              </a:rPr>
+              <a:t>/</a:t>
+            </a:r>
+            <a:r>
+              <a:rPr lang="nl-NL" b="1" dirty="0" err="1">
+                <a:latin typeface="Courier New" panose="02070309020205020404" pitchFamily="49" charset="0"/>
+                <a:cs typeface="Courier New" panose="02070309020205020404" pitchFamily="49" charset="0"/>
+              </a:rPr>
+              <a:t>dh</a:t>
+            </a:r>
+            <a:r>
+              <a:rPr lang="nl-NL" b="1" dirty="0">
+                <a:latin typeface="Courier New" panose="02070309020205020404" pitchFamily="49" charset="0"/>
+                <a:cs typeface="Courier New" panose="02070309020205020404" pitchFamily="49" charset="0"/>
+              </a:rPr>
+              <a:t>/</a:t>
+            </a:r>
+            <a:r>
+              <a:rPr lang="nl-NL" b="1" dirty="0" err="1">
+                <a:latin typeface="Courier New" panose="02070309020205020404" pitchFamily="49" charset="0"/>
+                <a:cs typeface="Courier New" panose="02070309020205020404" pitchFamily="49" charset="0"/>
+              </a:rPr>
+              <a:t>dh.benchmark.groupmeans.R</a:t>
+            </a:r>
+            <a:endParaRPr lang="nl-NL" b="1" dirty="0">
+              <a:latin typeface="Courier New" panose="02070309020205020404" pitchFamily="49" charset="0"/>
+              <a:cs typeface="Courier New" panose="02070309020205020404" pitchFamily="49" charset="0"/>
+            </a:endParaRPr>
+          </a:p>
+          <a:p>
+            <a:endParaRPr lang="nl-NL" dirty="0"/>
+          </a:p>
+        </p:txBody>
+      </p:sp>
+      <p:sp>
+        <p:nvSpPr>
+          <p:cNvPr id="4" name="Tijdelijke aanduiding voor dianummer 3"/>
+          <p:cNvSpPr>
+            <a:spLocks noGrp="1"/>
+          </p:cNvSpPr>
+          <p:nvPr>
+            <p:ph type="sldNum" sz="quarter" idx="5"/>
+          </p:nvPr>
+        </p:nvSpPr>
+        <p:spPr/>
+        <p:txBody>
+          <a:bodyPr/>
+          <a:lstStyle/>
+          <a:p>
+            <a:fld id="{623201EE-611C-429E-B6C7-DF3E08DC77B3}" type="slidenum">
+              <a:rPr lang="nl-NL" smtClean="0"/>
+              <a:t>17</a:t>
+            </a:fld>
+            <a:endParaRPr lang="nl-NL"/>
+          </a:p>
+        </p:txBody>
+      </p:sp>
+    </p:spTree>
+    <p:extLst>
+      <p:ext uri="{BB962C8B-B14F-4D97-AF65-F5344CB8AC3E}">
+        <p14:creationId xmlns:p14="http://schemas.microsoft.com/office/powerpoint/2010/main" val="3061408276"/>
+      </p:ext>
+    </p:extLst>
+  </p:cSld>
+  <p:clrMapOvr>
+    <a:masterClrMapping/>
+  </p:clrMapOvr>
+</p:notes>
+</file>
+
+<file path=ppt/notesSlides/notesSlide12.xml><?xml version="1.0" encoding="utf-8"?>
+<p:notes xmlns:a="http://schemas.openxmlformats.org/drawingml/2006/main" xmlns:r="http://schemas.openxmlformats.org/officeDocument/2006/relationships" xmlns:p="http://schemas.openxmlformats.org/presentationml/2006/main">
+  <p:cSld>
+    <p:spTree>
+      <p:nvGrpSpPr>
         <p:cNvPr id="1" name=""/>
         <p:cNvGrpSpPr/>
         <p:nvPr/>
@@ -14655,7 +15011,7 @@
 </p:notes>
 </file>
 
-<file path=ppt/notesSlides/notesSlide11.xml><?xml version="1.0" encoding="utf-8"?>
+<file path=ppt/notesSlides/notesSlide13.xml><?xml version="1.0" encoding="utf-8"?>
 <p:notes xmlns:a="http://schemas.openxmlformats.org/drawingml/2006/main" xmlns:r="http://schemas.openxmlformats.org/officeDocument/2006/relationships" xmlns:p="http://schemas.openxmlformats.org/presentationml/2006/main">
   <p:cSld>
     <p:spTree>
@@ -14822,7 +15178,7 @@
 </p:notes>
 </file>
 
-<file path=ppt/notesSlides/notesSlide12.xml><?xml version="1.0" encoding="utf-8"?>
+<file path=ppt/notesSlides/notesSlide14.xml><?xml version="1.0" encoding="utf-8"?>
 <p:notes xmlns:a="http://schemas.openxmlformats.org/drawingml/2006/main" xmlns:r="http://schemas.openxmlformats.org/officeDocument/2006/relationships" xmlns:p="http://schemas.openxmlformats.org/presentationml/2006/main">
   <p:cSld>
     <p:spTree>
@@ -14884,22 +15240,6 @@
           <a:bodyPr/>
           <a:lstStyle/>
           <a:p>
-            <a:r>
-              <a:rPr lang="nl-NL" dirty="0"/>
-              <a:t>\</a:t>
-            </a:r>
-            <a:r>
-              <a:rPr lang="nl-NL" dirty="0" err="1"/>
-              <a:t>examples</a:t>
-            </a:r>
-            <a:r>
-              <a:rPr lang="nl-NL" dirty="0"/>
-              <a:t>\</a:t>
-            </a:r>
-            <a:r>
-              <a:rPr lang="nl-NL" dirty="0" err="1"/>
-              <a:t>charting</a:t>
-            </a:r>
             <a:endParaRPr lang="nl-NL" dirty="0"/>
           </a:p>
         </p:txBody>
@@ -14946,7 +15286,7 @@
 </p:notes>
 </file>
 
-<file path=ppt/notesSlides/notesSlide13.xml><?xml version="1.0" encoding="utf-8"?>
+<file path=ppt/notesSlides/notesSlide15.xml><?xml version="1.0" encoding="utf-8"?>
 <p:notes xmlns:a="http://schemas.openxmlformats.org/drawingml/2006/main" xmlns:r="http://schemas.openxmlformats.org/officeDocument/2006/relationships" xmlns:p="http://schemas.openxmlformats.org/presentationml/2006/main">
   <p:cSld>
     <p:spTree>
@@ -15008,7 +15348,84 @@
           <a:bodyPr/>
           <a:lstStyle/>
           <a:p>
+            <a:r>
+              <a:rPr lang="nl-NL" dirty="0"/>
+              <a:t>Voer de volgende stappen uit vanuit het MIE2024 package om bovenstaande te repliceren: </a:t>
+            </a:r>
+          </a:p>
+          <a:p>
             <a:endParaRPr lang="nl-NL" dirty="0"/>
+          </a:p>
+          <a:p>
+            <a:r>
+              <a:rPr lang="nl-NL" b="1"/>
+              <a:t># Uitvoeren van het voorbeeld: </a:t>
+            </a:r>
+          </a:p>
+          <a:p>
+            <a:r>
+              <a:rPr lang="nl-NL"/>
+              <a:t>devtools</a:t>
+            </a:r>
+            <a:r>
+              <a:rPr lang="nl-NL" dirty="0"/>
+              <a:t>::</a:t>
+            </a:r>
+            <a:r>
+              <a:rPr lang="nl-NL" dirty="0" err="1"/>
+              <a:t>load_all</a:t>
+            </a:r>
+            <a:r>
+              <a:rPr lang="nl-NL" dirty="0"/>
+              <a:t>()</a:t>
+            </a:r>
+          </a:p>
+          <a:p>
+            <a:r>
+              <a:rPr lang="nl-NL" dirty="0" err="1"/>
+              <a:t>exampleBarcharts</a:t>
+            </a:r>
+            <a:r>
+              <a:rPr lang="nl-NL" dirty="0"/>
+              <a:t>()</a:t>
+            </a:r>
+          </a:p>
+          <a:p>
+            <a:endParaRPr lang="nl-NL" dirty="0"/>
+          </a:p>
+          <a:p>
+            <a:r>
+              <a:rPr lang="nl-NL" b="1" dirty="0"/>
+              <a:t># Bekijken van de broncode</a:t>
+            </a:r>
+          </a:p>
+          <a:p>
+            <a:r>
+              <a:rPr lang="nl-NL" dirty="0" err="1"/>
+              <a:t>devtools</a:t>
+            </a:r>
+            <a:r>
+              <a:rPr lang="nl-NL" dirty="0"/>
+              <a:t>::</a:t>
+            </a:r>
+            <a:r>
+              <a:rPr lang="nl-NL" dirty="0" err="1"/>
+              <a:t>load_all</a:t>
+            </a:r>
+            <a:r>
+              <a:rPr lang="nl-NL" dirty="0"/>
+              <a:t>()</a:t>
+            </a:r>
+          </a:p>
+          <a:p>
+            <a:r>
+              <a:rPr lang="nl-NL" dirty="0" err="1"/>
+              <a:t>exampleBarcharts</a:t>
+            </a:r>
+            <a:r>
+              <a:rPr lang="nl-NL" dirty="0"/>
+              <a:t>(type = “view”)</a:t>
+            </a:r>
           </a:p>
         </p:txBody>
       </p:sp>
@@ -15054,7 +15471,7 @@
 </p:notes>
 </file>
 
-<file path=ppt/notesSlides/notesSlide14.xml><?xml version="1.0" encoding="utf-8"?>
+<file path=ppt/notesSlides/notesSlide16.xml><?xml version="1.0" encoding="utf-8"?>
 <p:notes xmlns:a="http://schemas.openxmlformats.org/drawingml/2006/main" xmlns:r="http://schemas.openxmlformats.org/officeDocument/2006/relationships" xmlns:p="http://schemas.openxmlformats.org/presentationml/2006/main">
   <p:cSld>
     <p:spTree>
@@ -15116,6 +15533,86 @@
           <a:bodyPr/>
           <a:lstStyle/>
           <a:p>
+            <a:r>
+              <a:rPr lang="nl-NL" dirty="0"/>
+              <a:t>Voer de volgende stappen uit vanuit het MIE2024 package om bovenstaande te repliceren: </a:t>
+            </a:r>
+          </a:p>
+          <a:p>
+            <a:endParaRPr lang="nl-NL" dirty="0"/>
+          </a:p>
+          <a:p>
+            <a:r>
+              <a:rPr lang="nl-NL" b="1" dirty="0"/>
+              <a:t># Uitvoeren van het voorbeeld: </a:t>
+            </a:r>
+          </a:p>
+          <a:p>
+            <a:r>
+              <a:rPr lang="nl-NL" dirty="0" err="1"/>
+              <a:t>devtools</a:t>
+            </a:r>
+            <a:r>
+              <a:rPr lang="nl-NL" dirty="0"/>
+              <a:t>::</a:t>
+            </a:r>
+            <a:r>
+              <a:rPr lang="nl-NL" dirty="0" err="1"/>
+              <a:t>load_all</a:t>
+            </a:r>
+            <a:r>
+              <a:rPr lang="nl-NL" dirty="0"/>
+              <a:t>()</a:t>
+            </a:r>
+          </a:p>
+          <a:p>
+            <a:r>
+              <a:rPr lang="nl-NL" dirty="0" err="1"/>
+              <a:t>examplePiecharts</a:t>
+            </a:r>
+            <a:r>
+              <a:rPr lang="nl-NL" dirty="0"/>
+              <a:t>()</a:t>
+            </a:r>
+          </a:p>
+          <a:p>
+            <a:endParaRPr lang="nl-NL" dirty="0"/>
+          </a:p>
+          <a:p>
+            <a:r>
+              <a:rPr lang="nl-NL" b="1" dirty="0"/>
+              <a:t># Bekijken van de broncode</a:t>
+            </a:r>
+          </a:p>
+          <a:p>
+            <a:r>
+              <a:rPr lang="nl-NL" dirty="0" err="1"/>
+              <a:t>devtools</a:t>
+            </a:r>
+            <a:r>
+              <a:rPr lang="nl-NL" dirty="0"/>
+              <a:t>::</a:t>
+            </a:r>
+            <a:r>
+              <a:rPr lang="nl-NL" dirty="0" err="1"/>
+              <a:t>load_all</a:t>
+            </a:r>
+            <a:r>
+              <a:rPr lang="nl-NL" dirty="0"/>
+              <a:t>()</a:t>
+            </a:r>
+          </a:p>
+          <a:p>
+            <a:r>
+              <a:rPr lang="nl-NL" dirty="0" err="1"/>
+              <a:t>examplePiecharts</a:t>
+            </a:r>
+            <a:r>
+              <a:rPr lang="nl-NL" dirty="0"/>
+              <a:t>(type = “view”)</a:t>
+            </a:r>
+          </a:p>
+          <a:p>
             <a:endParaRPr lang="nl-NL" dirty="0"/>
           </a:p>
         </p:txBody>
@@ -15162,7 +15659,7 @@
 </p:notes>
 </file>
 
-<file path=ppt/notesSlides/notesSlide15.xml><?xml version="1.0" encoding="utf-8"?>
+<file path=ppt/notesSlides/notesSlide17.xml><?xml version="1.0" encoding="utf-8"?>
 <p:notes xmlns:a="http://schemas.openxmlformats.org/drawingml/2006/main" xmlns:r="http://schemas.openxmlformats.org/officeDocument/2006/relationships" xmlns:p="http://schemas.openxmlformats.org/presentationml/2006/main">
   <p:cSld>
     <p:spTree>
@@ -15249,7 +15746,7 @@
 </p:notes>
 </file>
 
-<file path=ppt/notesSlides/notesSlide16.xml><?xml version="1.0" encoding="utf-8"?>
+<file path=ppt/notesSlides/notesSlide18.xml><?xml version="1.0" encoding="utf-8"?>
 <p:notes xmlns:a="http://schemas.openxmlformats.org/drawingml/2006/main" xmlns:r="http://schemas.openxmlformats.org/officeDocument/2006/relationships" xmlns:p="http://schemas.openxmlformats.org/presentationml/2006/main">
   <p:cSld>
     <p:spTree>
@@ -15333,7 +15830,7 @@
 </p:notes>
 </file>
 
-<file path=ppt/notesSlides/notesSlide17.xml><?xml version="1.0" encoding="utf-8"?>
+<file path=ppt/notesSlides/notesSlide19.xml><?xml version="1.0" encoding="utf-8"?>
 <p:notes xmlns:a="http://schemas.openxmlformats.org/drawingml/2006/main" xmlns:r="http://schemas.openxmlformats.org/officeDocument/2006/relationships" xmlns:p="http://schemas.openxmlformats.org/presentationml/2006/main">
   <p:cSld>
     <p:spTree>
@@ -15408,174 +15905,6 @@
     <p:extLst>
       <p:ext uri="{BB962C8B-B14F-4D97-AF65-F5344CB8AC3E}">
         <p14:creationId xmlns:p14="http://schemas.microsoft.com/office/powerpoint/2010/main" val="939296092"/>
-      </p:ext>
-    </p:extLst>
-  </p:cSld>
-  <p:clrMapOvr>
-    <a:masterClrMapping/>
-  </p:clrMapOvr>
-</p:notes>
-</file>
-
-<file path=ppt/notesSlides/notesSlide18.xml><?xml version="1.0" encoding="utf-8"?>
-<p:notes xmlns:a="http://schemas.openxmlformats.org/drawingml/2006/main" xmlns:r="http://schemas.openxmlformats.org/officeDocument/2006/relationships" xmlns:p="http://schemas.openxmlformats.org/presentationml/2006/main">
-  <p:cSld>
-    <p:spTree>
-      <p:nvGrpSpPr>
-        <p:cNvPr id="1" name=""/>
-        <p:cNvGrpSpPr/>
-        <p:nvPr/>
-      </p:nvGrpSpPr>
-      <p:grpSpPr>
-        <a:xfrm>
-          <a:off x="0" y="0"/>
-          <a:ext cx="0" cy="0"/>
-          <a:chOff x="0" y="0"/>
-          <a:chExt cx="0" cy="0"/>
-        </a:xfrm>
-      </p:grpSpPr>
-      <p:sp>
-        <p:nvSpPr>
-          <p:cNvPr id="2" name="Tijdelijke aanduiding voor dia-afbeelding 1"/>
-          <p:cNvSpPr>
-            <a:spLocks noGrp="1" noRot="1" noChangeAspect="1"/>
-          </p:cNvSpPr>
-          <p:nvPr>
-            <p:ph type="sldImg"/>
-          </p:nvPr>
-        </p:nvSpPr>
-        <p:spPr/>
-      </p:sp>
-      <p:sp>
-        <p:nvSpPr>
-          <p:cNvPr id="3" name="Tijdelijke aanduiding voor notities 2"/>
-          <p:cNvSpPr>
-            <a:spLocks noGrp="1"/>
-          </p:cNvSpPr>
-          <p:nvPr>
-            <p:ph type="body" idx="1"/>
-          </p:nvPr>
-        </p:nvSpPr>
-        <p:spPr/>
-        <p:txBody>
-          <a:bodyPr/>
-          <a:lstStyle/>
-          <a:p>
-            <a:endParaRPr lang="nl-NL" dirty="0"/>
-          </a:p>
-        </p:txBody>
-      </p:sp>
-      <p:sp>
-        <p:nvSpPr>
-          <p:cNvPr id="4" name="Tijdelijke aanduiding voor dianummer 3"/>
-          <p:cNvSpPr>
-            <a:spLocks noGrp="1"/>
-          </p:cNvSpPr>
-          <p:nvPr>
-            <p:ph type="sldNum" sz="quarter" idx="5"/>
-          </p:nvPr>
-        </p:nvSpPr>
-        <p:spPr/>
-        <p:txBody>
-          <a:bodyPr/>
-          <a:lstStyle/>
-          <a:p>
-            <a:fld id="{623201EE-611C-429E-B6C7-DF3E08DC77B3}" type="slidenum">
-              <a:rPr lang="nl-NL" smtClean="0"/>
-              <a:t>27</a:t>
-            </a:fld>
-            <a:endParaRPr lang="nl-NL"/>
-          </a:p>
-        </p:txBody>
-      </p:sp>
-    </p:spTree>
-    <p:extLst>
-      <p:ext uri="{BB962C8B-B14F-4D97-AF65-F5344CB8AC3E}">
-        <p14:creationId xmlns:p14="http://schemas.microsoft.com/office/powerpoint/2010/main" val="2184755180"/>
-      </p:ext>
-    </p:extLst>
-  </p:cSld>
-  <p:clrMapOvr>
-    <a:masterClrMapping/>
-  </p:clrMapOvr>
-</p:notes>
-</file>
-
-<file path=ppt/notesSlides/notesSlide19.xml><?xml version="1.0" encoding="utf-8"?>
-<p:notes xmlns:a="http://schemas.openxmlformats.org/drawingml/2006/main" xmlns:r="http://schemas.openxmlformats.org/officeDocument/2006/relationships" xmlns:p="http://schemas.openxmlformats.org/presentationml/2006/main">
-  <p:cSld>
-    <p:spTree>
-      <p:nvGrpSpPr>
-        <p:cNvPr id="1" name=""/>
-        <p:cNvGrpSpPr/>
-        <p:nvPr/>
-      </p:nvGrpSpPr>
-      <p:grpSpPr>
-        <a:xfrm>
-          <a:off x="0" y="0"/>
-          <a:ext cx="0" cy="0"/>
-          <a:chOff x="0" y="0"/>
-          <a:chExt cx="0" cy="0"/>
-        </a:xfrm>
-      </p:grpSpPr>
-      <p:sp>
-        <p:nvSpPr>
-          <p:cNvPr id="2" name="Tijdelijke aanduiding voor dia-afbeelding 1"/>
-          <p:cNvSpPr>
-            <a:spLocks noGrp="1" noRot="1" noChangeAspect="1"/>
-          </p:cNvSpPr>
-          <p:nvPr>
-            <p:ph type="sldImg"/>
-          </p:nvPr>
-        </p:nvSpPr>
-        <p:spPr/>
-      </p:sp>
-      <p:sp>
-        <p:nvSpPr>
-          <p:cNvPr id="3" name="Tijdelijke aanduiding voor notities 2"/>
-          <p:cNvSpPr>
-            <a:spLocks noGrp="1"/>
-          </p:cNvSpPr>
-          <p:nvPr>
-            <p:ph type="body" idx="1"/>
-          </p:nvPr>
-        </p:nvSpPr>
-        <p:spPr/>
-        <p:txBody>
-          <a:bodyPr/>
-          <a:lstStyle/>
-          <a:p>
-            <a:endParaRPr lang="nl-NL" dirty="0"/>
-          </a:p>
-        </p:txBody>
-      </p:sp>
-      <p:sp>
-        <p:nvSpPr>
-          <p:cNvPr id="4" name="Tijdelijke aanduiding voor dianummer 3"/>
-          <p:cNvSpPr>
-            <a:spLocks noGrp="1"/>
-          </p:cNvSpPr>
-          <p:nvPr>
-            <p:ph type="sldNum" sz="quarter" idx="5"/>
-          </p:nvPr>
-        </p:nvSpPr>
-        <p:spPr/>
-        <p:txBody>
-          <a:bodyPr/>
-          <a:lstStyle/>
-          <a:p>
-            <a:fld id="{623201EE-611C-429E-B6C7-DF3E08DC77B3}" type="slidenum">
-              <a:rPr lang="nl-NL" smtClean="0"/>
-              <a:t>28</a:t>
-            </a:fld>
-            <a:endParaRPr lang="nl-NL"/>
-          </a:p>
-        </p:txBody>
-      </p:sp>
-    </p:spTree>
-    <p:extLst>
-      <p:ext uri="{BB962C8B-B14F-4D97-AF65-F5344CB8AC3E}">
-        <p14:creationId xmlns:p14="http://schemas.microsoft.com/office/powerpoint/2010/main" val="2606081316"/>
       </p:ext>
     </p:extLst>
   </p:cSld>
@@ -15734,6 +16063,174 @@
           <a:p>
             <a:fld id="{623201EE-611C-429E-B6C7-DF3E08DC77B3}" type="slidenum">
               <a:rPr lang="nl-NL" smtClean="0"/>
+              <a:t>27</a:t>
+            </a:fld>
+            <a:endParaRPr lang="nl-NL"/>
+          </a:p>
+        </p:txBody>
+      </p:sp>
+    </p:spTree>
+    <p:extLst>
+      <p:ext uri="{BB962C8B-B14F-4D97-AF65-F5344CB8AC3E}">
+        <p14:creationId xmlns:p14="http://schemas.microsoft.com/office/powerpoint/2010/main" val="2184755180"/>
+      </p:ext>
+    </p:extLst>
+  </p:cSld>
+  <p:clrMapOvr>
+    <a:masterClrMapping/>
+  </p:clrMapOvr>
+</p:notes>
+</file>
+
+<file path=ppt/notesSlides/notesSlide21.xml><?xml version="1.0" encoding="utf-8"?>
+<p:notes xmlns:a="http://schemas.openxmlformats.org/drawingml/2006/main" xmlns:r="http://schemas.openxmlformats.org/officeDocument/2006/relationships" xmlns:p="http://schemas.openxmlformats.org/presentationml/2006/main">
+  <p:cSld>
+    <p:spTree>
+      <p:nvGrpSpPr>
+        <p:cNvPr id="1" name=""/>
+        <p:cNvGrpSpPr/>
+        <p:nvPr/>
+      </p:nvGrpSpPr>
+      <p:grpSpPr>
+        <a:xfrm>
+          <a:off x="0" y="0"/>
+          <a:ext cx="0" cy="0"/>
+          <a:chOff x="0" y="0"/>
+          <a:chExt cx="0" cy="0"/>
+        </a:xfrm>
+      </p:grpSpPr>
+      <p:sp>
+        <p:nvSpPr>
+          <p:cNvPr id="2" name="Tijdelijke aanduiding voor dia-afbeelding 1"/>
+          <p:cNvSpPr>
+            <a:spLocks noGrp="1" noRot="1" noChangeAspect="1"/>
+          </p:cNvSpPr>
+          <p:nvPr>
+            <p:ph type="sldImg"/>
+          </p:nvPr>
+        </p:nvSpPr>
+        <p:spPr/>
+      </p:sp>
+      <p:sp>
+        <p:nvSpPr>
+          <p:cNvPr id="3" name="Tijdelijke aanduiding voor notities 2"/>
+          <p:cNvSpPr>
+            <a:spLocks noGrp="1"/>
+          </p:cNvSpPr>
+          <p:nvPr>
+            <p:ph type="body" idx="1"/>
+          </p:nvPr>
+        </p:nvSpPr>
+        <p:spPr/>
+        <p:txBody>
+          <a:bodyPr/>
+          <a:lstStyle/>
+          <a:p>
+            <a:endParaRPr lang="nl-NL" dirty="0"/>
+          </a:p>
+        </p:txBody>
+      </p:sp>
+      <p:sp>
+        <p:nvSpPr>
+          <p:cNvPr id="4" name="Tijdelijke aanduiding voor dianummer 3"/>
+          <p:cNvSpPr>
+            <a:spLocks noGrp="1"/>
+          </p:cNvSpPr>
+          <p:nvPr>
+            <p:ph type="sldNum" sz="quarter" idx="5"/>
+          </p:nvPr>
+        </p:nvSpPr>
+        <p:spPr/>
+        <p:txBody>
+          <a:bodyPr/>
+          <a:lstStyle/>
+          <a:p>
+            <a:fld id="{623201EE-611C-429E-B6C7-DF3E08DC77B3}" type="slidenum">
+              <a:rPr lang="nl-NL" smtClean="0"/>
+              <a:t>28</a:t>
+            </a:fld>
+            <a:endParaRPr lang="nl-NL"/>
+          </a:p>
+        </p:txBody>
+      </p:sp>
+    </p:spTree>
+    <p:extLst>
+      <p:ext uri="{BB962C8B-B14F-4D97-AF65-F5344CB8AC3E}">
+        <p14:creationId xmlns:p14="http://schemas.microsoft.com/office/powerpoint/2010/main" val="2606081316"/>
+      </p:ext>
+    </p:extLst>
+  </p:cSld>
+  <p:clrMapOvr>
+    <a:masterClrMapping/>
+  </p:clrMapOvr>
+</p:notes>
+</file>
+
+<file path=ppt/notesSlides/notesSlide22.xml><?xml version="1.0" encoding="utf-8"?>
+<p:notes xmlns:a="http://schemas.openxmlformats.org/drawingml/2006/main" xmlns:r="http://schemas.openxmlformats.org/officeDocument/2006/relationships" xmlns:p="http://schemas.openxmlformats.org/presentationml/2006/main">
+  <p:cSld>
+    <p:spTree>
+      <p:nvGrpSpPr>
+        <p:cNvPr id="1" name=""/>
+        <p:cNvGrpSpPr/>
+        <p:nvPr/>
+      </p:nvGrpSpPr>
+      <p:grpSpPr>
+        <a:xfrm>
+          <a:off x="0" y="0"/>
+          <a:ext cx="0" cy="0"/>
+          <a:chOff x="0" y="0"/>
+          <a:chExt cx="0" cy="0"/>
+        </a:xfrm>
+      </p:grpSpPr>
+      <p:sp>
+        <p:nvSpPr>
+          <p:cNvPr id="2" name="Tijdelijke aanduiding voor dia-afbeelding 1"/>
+          <p:cNvSpPr>
+            <a:spLocks noGrp="1" noRot="1" noChangeAspect="1"/>
+          </p:cNvSpPr>
+          <p:nvPr>
+            <p:ph type="sldImg"/>
+          </p:nvPr>
+        </p:nvSpPr>
+        <p:spPr/>
+      </p:sp>
+      <p:sp>
+        <p:nvSpPr>
+          <p:cNvPr id="3" name="Tijdelijke aanduiding voor notities 2"/>
+          <p:cNvSpPr>
+            <a:spLocks noGrp="1"/>
+          </p:cNvSpPr>
+          <p:nvPr>
+            <p:ph type="body" idx="1"/>
+          </p:nvPr>
+        </p:nvSpPr>
+        <p:spPr/>
+        <p:txBody>
+          <a:bodyPr/>
+          <a:lstStyle/>
+          <a:p>
+            <a:endParaRPr lang="nl-NL" dirty="0"/>
+          </a:p>
+        </p:txBody>
+      </p:sp>
+      <p:sp>
+        <p:nvSpPr>
+          <p:cNvPr id="4" name="Tijdelijke aanduiding voor dianummer 3"/>
+          <p:cNvSpPr>
+            <a:spLocks noGrp="1"/>
+          </p:cNvSpPr>
+          <p:nvPr>
+            <p:ph type="sldNum" sz="quarter" idx="5"/>
+          </p:nvPr>
+        </p:nvSpPr>
+        <p:spPr/>
+        <p:txBody>
+          <a:bodyPr/>
+          <a:lstStyle/>
+          <a:p>
+            <a:fld id="{623201EE-611C-429E-B6C7-DF3E08DC77B3}" type="slidenum">
+              <a:rPr lang="nl-NL" smtClean="0"/>
               <a:t>29</a:t>
             </a:fld>
             <a:endParaRPr lang="nl-NL"/>
@@ -15753,7 +16250,7 @@
 </p:notes>
 </file>
 
-<file path=ppt/notesSlides/notesSlide21.xml><?xml version="1.0" encoding="utf-8"?>
+<file path=ppt/notesSlides/notesSlide23.xml><?xml version="1.0" encoding="utf-8"?>
 <p:notes xmlns:a="http://schemas.openxmlformats.org/drawingml/2006/main" xmlns:r="http://schemas.openxmlformats.org/officeDocument/2006/relationships" xmlns:p="http://schemas.openxmlformats.org/presentationml/2006/main">
   <p:cSld>
     <p:spTree>
@@ -15837,198 +16334,6 @@
 </p:notes>
 </file>
 
-<file path=ppt/notesSlides/notesSlide22.xml><?xml version="1.0" encoding="utf-8"?>
-<p:notes xmlns:a="http://schemas.openxmlformats.org/drawingml/2006/main" xmlns:r="http://schemas.openxmlformats.org/officeDocument/2006/relationships" xmlns:p="http://schemas.openxmlformats.org/presentationml/2006/main">
-  <p:cSld>
-    <p:spTree>
-      <p:nvGrpSpPr>
-        <p:cNvPr id="1" name=""/>
-        <p:cNvGrpSpPr/>
-        <p:nvPr/>
-      </p:nvGrpSpPr>
-      <p:grpSpPr>
-        <a:xfrm>
-          <a:off x="0" y="0"/>
-          <a:ext cx="0" cy="0"/>
-          <a:chOff x="0" y="0"/>
-          <a:chExt cx="0" cy="0"/>
-        </a:xfrm>
-      </p:grpSpPr>
-      <p:sp>
-        <p:nvSpPr>
-          <p:cNvPr id="2" name="Tijdelijke aanduiding voor dia-afbeelding 1"/>
-          <p:cNvSpPr>
-            <a:spLocks noGrp="1" noRot="1" noChangeAspect="1"/>
-          </p:cNvSpPr>
-          <p:nvPr>
-            <p:ph type="sldImg"/>
-          </p:nvPr>
-        </p:nvSpPr>
-        <p:spPr/>
-      </p:sp>
-      <p:sp>
-        <p:nvSpPr>
-          <p:cNvPr id="3" name="Tijdelijke aanduiding voor notities 2"/>
-          <p:cNvSpPr>
-            <a:spLocks noGrp="1"/>
-          </p:cNvSpPr>
-          <p:nvPr>
-            <p:ph type="body" idx="1"/>
-          </p:nvPr>
-        </p:nvSpPr>
-        <p:spPr/>
-        <p:txBody>
-          <a:bodyPr/>
-          <a:lstStyle/>
-          <a:p>
-            <a:r>
-              <a:rPr lang="nl-NL" dirty="0"/>
-              <a:t>Zie voorbeeld </a:t>
-            </a:r>
-            <a:r>
-              <a:rPr lang="nl-NL" b="1" dirty="0"/>
-              <a:t>example.ui.bootstrap.v2.content.R</a:t>
-            </a:r>
-            <a:r>
-              <a:rPr lang="nl-NL" b="0" dirty="0"/>
-              <a:t> uit het MIE2024 package. </a:t>
-            </a:r>
-            <a:endParaRPr lang="nl-NL" b="1" dirty="0"/>
-          </a:p>
-        </p:txBody>
-      </p:sp>
-      <p:sp>
-        <p:nvSpPr>
-          <p:cNvPr id="4" name="Tijdelijke aanduiding voor dianummer 3"/>
-          <p:cNvSpPr>
-            <a:spLocks noGrp="1"/>
-          </p:cNvSpPr>
-          <p:nvPr>
-            <p:ph type="sldNum" sz="quarter" idx="5"/>
-          </p:nvPr>
-        </p:nvSpPr>
-        <p:spPr/>
-        <p:txBody>
-          <a:bodyPr/>
-          <a:lstStyle/>
-          <a:p>
-            <a:fld id="{623201EE-611C-429E-B6C7-DF3E08DC77B3}" type="slidenum">
-              <a:rPr lang="nl-NL" smtClean="0"/>
-              <a:t>31</a:t>
-            </a:fld>
-            <a:endParaRPr lang="nl-NL"/>
-          </a:p>
-        </p:txBody>
-      </p:sp>
-    </p:spTree>
-    <p:extLst>
-      <p:ext uri="{BB962C8B-B14F-4D97-AF65-F5344CB8AC3E}">
-        <p14:creationId xmlns:p14="http://schemas.microsoft.com/office/powerpoint/2010/main" val="3054129440"/>
-      </p:ext>
-    </p:extLst>
-  </p:cSld>
-  <p:clrMapOvr>
-    <a:masterClrMapping/>
-  </p:clrMapOvr>
-</p:notes>
-</file>
-
-<file path=ppt/notesSlides/notesSlide23.xml><?xml version="1.0" encoding="utf-8"?>
-<p:notes xmlns:a="http://schemas.openxmlformats.org/drawingml/2006/main" xmlns:r="http://schemas.openxmlformats.org/officeDocument/2006/relationships" xmlns:p="http://schemas.openxmlformats.org/presentationml/2006/main">
-  <p:cSld>
-    <p:spTree>
-      <p:nvGrpSpPr>
-        <p:cNvPr id="1" name=""/>
-        <p:cNvGrpSpPr/>
-        <p:nvPr/>
-      </p:nvGrpSpPr>
-      <p:grpSpPr>
-        <a:xfrm>
-          <a:off x="0" y="0"/>
-          <a:ext cx="0" cy="0"/>
-          <a:chOff x="0" y="0"/>
-          <a:chExt cx="0" cy="0"/>
-        </a:xfrm>
-      </p:grpSpPr>
-      <p:sp>
-        <p:nvSpPr>
-          <p:cNvPr id="2" name="Tijdelijke aanduiding voor dia-afbeelding 1"/>
-          <p:cNvSpPr>
-            <a:spLocks noGrp="1" noRot="1" noChangeAspect="1"/>
-          </p:cNvSpPr>
-          <p:nvPr>
-            <p:ph type="sldImg"/>
-          </p:nvPr>
-        </p:nvSpPr>
-        <p:spPr/>
-      </p:sp>
-      <p:sp>
-        <p:nvSpPr>
-          <p:cNvPr id="3" name="Tijdelijke aanduiding voor notities 2"/>
-          <p:cNvSpPr>
-            <a:spLocks noGrp="1"/>
-          </p:cNvSpPr>
-          <p:nvPr>
-            <p:ph type="body" idx="1"/>
-          </p:nvPr>
-        </p:nvSpPr>
-        <p:spPr/>
-        <p:txBody>
-          <a:bodyPr/>
-          <a:lstStyle/>
-          <a:p>
-            <a:r>
-              <a:rPr lang="nl-NL" dirty="0"/>
-              <a:t>Zie </a:t>
-            </a:r>
-            <a:r>
-              <a:rPr lang="en-US" b="1" dirty="0" err="1"/>
-              <a:t>example.ui.input.elements.R</a:t>
-            </a:r>
-            <a:r>
-              <a:rPr lang="en-US" b="0" dirty="0"/>
-              <a:t> </a:t>
-            </a:r>
-            <a:endParaRPr lang="nl-NL" b="1" dirty="0"/>
-          </a:p>
-        </p:txBody>
-      </p:sp>
-      <p:sp>
-        <p:nvSpPr>
-          <p:cNvPr id="4" name="Tijdelijke aanduiding voor dianummer 3"/>
-          <p:cNvSpPr>
-            <a:spLocks noGrp="1"/>
-          </p:cNvSpPr>
-          <p:nvPr>
-            <p:ph type="sldNum" sz="quarter" idx="5"/>
-          </p:nvPr>
-        </p:nvSpPr>
-        <p:spPr/>
-        <p:txBody>
-          <a:bodyPr/>
-          <a:lstStyle/>
-          <a:p>
-            <a:fld id="{623201EE-611C-429E-B6C7-DF3E08DC77B3}" type="slidenum">
-              <a:rPr lang="nl-NL" smtClean="0"/>
-              <a:t>33</a:t>
-            </a:fld>
-            <a:endParaRPr lang="nl-NL"/>
-          </a:p>
-        </p:txBody>
-      </p:sp>
-    </p:spTree>
-    <p:extLst>
-      <p:ext uri="{BB962C8B-B14F-4D97-AF65-F5344CB8AC3E}">
-        <p14:creationId xmlns:p14="http://schemas.microsoft.com/office/powerpoint/2010/main" val="1685861536"/>
-      </p:ext>
-    </p:extLst>
-  </p:cSld>
-  <p:clrMapOvr>
-    <a:masterClrMapping/>
-  </p:clrMapOvr>
-</p:notes>
-</file>
-
 <file path=ppt/notesSlides/notesSlide24.xml><?xml version="1.0" encoding="utf-8"?>
 <p:notes xmlns:a="http://schemas.openxmlformats.org/drawingml/2006/main" xmlns:r="http://schemas.openxmlformats.org/officeDocument/2006/relationships" xmlns:p="http://schemas.openxmlformats.org/presentationml/2006/main">
   <p:cSld>
@@ -16075,6 +16380,198 @@
           <a:p>
             <a:r>
               <a:rPr lang="nl-NL" dirty="0"/>
+              <a:t>Zie voorbeeld </a:t>
+            </a:r>
+            <a:r>
+              <a:rPr lang="nl-NL" b="1" dirty="0"/>
+              <a:t>example.ui.bootstrap.v2.content.R</a:t>
+            </a:r>
+            <a:r>
+              <a:rPr lang="nl-NL" b="0" dirty="0"/>
+              <a:t> uit het MIE2024 package. </a:t>
+            </a:r>
+            <a:endParaRPr lang="nl-NL" b="1" dirty="0"/>
+          </a:p>
+        </p:txBody>
+      </p:sp>
+      <p:sp>
+        <p:nvSpPr>
+          <p:cNvPr id="4" name="Tijdelijke aanduiding voor dianummer 3"/>
+          <p:cNvSpPr>
+            <a:spLocks noGrp="1"/>
+          </p:cNvSpPr>
+          <p:nvPr>
+            <p:ph type="sldNum" sz="quarter" idx="5"/>
+          </p:nvPr>
+        </p:nvSpPr>
+        <p:spPr/>
+        <p:txBody>
+          <a:bodyPr/>
+          <a:lstStyle/>
+          <a:p>
+            <a:fld id="{623201EE-611C-429E-B6C7-DF3E08DC77B3}" type="slidenum">
+              <a:rPr lang="nl-NL" smtClean="0"/>
+              <a:t>31</a:t>
+            </a:fld>
+            <a:endParaRPr lang="nl-NL"/>
+          </a:p>
+        </p:txBody>
+      </p:sp>
+    </p:spTree>
+    <p:extLst>
+      <p:ext uri="{BB962C8B-B14F-4D97-AF65-F5344CB8AC3E}">
+        <p14:creationId xmlns:p14="http://schemas.microsoft.com/office/powerpoint/2010/main" val="3054129440"/>
+      </p:ext>
+    </p:extLst>
+  </p:cSld>
+  <p:clrMapOvr>
+    <a:masterClrMapping/>
+  </p:clrMapOvr>
+</p:notes>
+</file>
+
+<file path=ppt/notesSlides/notesSlide25.xml><?xml version="1.0" encoding="utf-8"?>
+<p:notes xmlns:a="http://schemas.openxmlformats.org/drawingml/2006/main" xmlns:r="http://schemas.openxmlformats.org/officeDocument/2006/relationships" xmlns:p="http://schemas.openxmlformats.org/presentationml/2006/main">
+  <p:cSld>
+    <p:spTree>
+      <p:nvGrpSpPr>
+        <p:cNvPr id="1" name=""/>
+        <p:cNvGrpSpPr/>
+        <p:nvPr/>
+      </p:nvGrpSpPr>
+      <p:grpSpPr>
+        <a:xfrm>
+          <a:off x="0" y="0"/>
+          <a:ext cx="0" cy="0"/>
+          <a:chOff x="0" y="0"/>
+          <a:chExt cx="0" cy="0"/>
+        </a:xfrm>
+      </p:grpSpPr>
+      <p:sp>
+        <p:nvSpPr>
+          <p:cNvPr id="2" name="Tijdelijke aanduiding voor dia-afbeelding 1"/>
+          <p:cNvSpPr>
+            <a:spLocks noGrp="1" noRot="1" noChangeAspect="1"/>
+          </p:cNvSpPr>
+          <p:nvPr>
+            <p:ph type="sldImg"/>
+          </p:nvPr>
+        </p:nvSpPr>
+        <p:spPr/>
+      </p:sp>
+      <p:sp>
+        <p:nvSpPr>
+          <p:cNvPr id="3" name="Tijdelijke aanduiding voor notities 2"/>
+          <p:cNvSpPr>
+            <a:spLocks noGrp="1"/>
+          </p:cNvSpPr>
+          <p:nvPr>
+            <p:ph type="body" idx="1"/>
+          </p:nvPr>
+        </p:nvSpPr>
+        <p:spPr/>
+        <p:txBody>
+          <a:bodyPr/>
+          <a:lstStyle/>
+          <a:p>
+            <a:r>
+              <a:rPr lang="nl-NL" dirty="0"/>
+              <a:t>Zie </a:t>
+            </a:r>
+            <a:r>
+              <a:rPr lang="en-US" b="1" dirty="0" err="1"/>
+              <a:t>example.ui.input.elements.R</a:t>
+            </a:r>
+            <a:r>
+              <a:rPr lang="en-US" b="0" dirty="0"/>
+              <a:t> </a:t>
+            </a:r>
+            <a:endParaRPr lang="nl-NL" b="1" dirty="0"/>
+          </a:p>
+        </p:txBody>
+      </p:sp>
+      <p:sp>
+        <p:nvSpPr>
+          <p:cNvPr id="4" name="Tijdelijke aanduiding voor dianummer 3"/>
+          <p:cNvSpPr>
+            <a:spLocks noGrp="1"/>
+          </p:cNvSpPr>
+          <p:nvPr>
+            <p:ph type="sldNum" sz="quarter" idx="5"/>
+          </p:nvPr>
+        </p:nvSpPr>
+        <p:spPr/>
+        <p:txBody>
+          <a:bodyPr/>
+          <a:lstStyle/>
+          <a:p>
+            <a:fld id="{623201EE-611C-429E-B6C7-DF3E08DC77B3}" type="slidenum">
+              <a:rPr lang="nl-NL" smtClean="0"/>
+              <a:t>33</a:t>
+            </a:fld>
+            <a:endParaRPr lang="nl-NL"/>
+          </a:p>
+        </p:txBody>
+      </p:sp>
+    </p:spTree>
+    <p:extLst>
+      <p:ext uri="{BB962C8B-B14F-4D97-AF65-F5344CB8AC3E}">
+        <p14:creationId xmlns:p14="http://schemas.microsoft.com/office/powerpoint/2010/main" val="1685861536"/>
+      </p:ext>
+    </p:extLst>
+  </p:cSld>
+  <p:clrMapOvr>
+    <a:masterClrMapping/>
+  </p:clrMapOvr>
+</p:notes>
+</file>
+
+<file path=ppt/notesSlides/notesSlide26.xml><?xml version="1.0" encoding="utf-8"?>
+<p:notes xmlns:a="http://schemas.openxmlformats.org/drawingml/2006/main" xmlns:r="http://schemas.openxmlformats.org/officeDocument/2006/relationships" xmlns:p="http://schemas.openxmlformats.org/presentationml/2006/main">
+  <p:cSld>
+    <p:spTree>
+      <p:nvGrpSpPr>
+        <p:cNvPr id="1" name=""/>
+        <p:cNvGrpSpPr/>
+        <p:nvPr/>
+      </p:nvGrpSpPr>
+      <p:grpSpPr>
+        <a:xfrm>
+          <a:off x="0" y="0"/>
+          <a:ext cx="0" cy="0"/>
+          <a:chOff x="0" y="0"/>
+          <a:chExt cx="0" cy="0"/>
+        </a:xfrm>
+      </p:grpSpPr>
+      <p:sp>
+        <p:nvSpPr>
+          <p:cNvPr id="2" name="Tijdelijke aanduiding voor dia-afbeelding 1"/>
+          <p:cNvSpPr>
+            <a:spLocks noGrp="1" noRot="1" noChangeAspect="1"/>
+          </p:cNvSpPr>
+          <p:nvPr>
+            <p:ph type="sldImg"/>
+          </p:nvPr>
+        </p:nvSpPr>
+        <p:spPr/>
+      </p:sp>
+      <p:sp>
+        <p:nvSpPr>
+          <p:cNvPr id="3" name="Tijdelijke aanduiding voor notities 2"/>
+          <p:cNvSpPr>
+            <a:spLocks noGrp="1"/>
+          </p:cNvSpPr>
+          <p:nvPr>
+            <p:ph type="body" idx="1"/>
+          </p:nvPr>
+        </p:nvSpPr>
+        <p:spPr/>
+        <p:txBody>
+          <a:bodyPr/>
+          <a:lstStyle/>
+          <a:p>
+            <a:r>
+              <a:rPr lang="nl-NL" dirty="0"/>
               <a:t>Zie </a:t>
             </a:r>
             <a:r>
@@ -16125,7 +16622,7 @@
 </p:notes>
 </file>
 
-<file path=ppt/notesSlides/notesSlide25.xml><?xml version="1.0" encoding="utf-8"?>
+<file path=ppt/notesSlides/notesSlide27.xml><?xml version="1.0" encoding="utf-8"?>
 <p:notes xmlns:a="http://schemas.openxmlformats.org/drawingml/2006/main" xmlns:r="http://schemas.openxmlformats.org/officeDocument/2006/relationships" xmlns:p="http://schemas.openxmlformats.org/presentationml/2006/main">
   <p:cSld>
     <p:spTree>
@@ -16209,7 +16706,7 @@
 </p:notes>
 </file>
 
-<file path=ppt/notesSlides/notesSlide26.xml><?xml version="1.0" encoding="utf-8"?>
+<file path=ppt/notesSlides/notesSlide28.xml><?xml version="1.0" encoding="utf-8"?>
 <p:notes xmlns:a="http://schemas.openxmlformats.org/drawingml/2006/main" xmlns:r="http://schemas.openxmlformats.org/officeDocument/2006/relationships" xmlns:p="http://schemas.openxmlformats.org/presentationml/2006/main">
   <p:cSld>
     <p:spTree>
@@ -16322,7 +16819,7 @@
 </p:notes>
 </file>
 
-<file path=ppt/notesSlides/notesSlide27.xml><?xml version="1.0" encoding="utf-8"?>
+<file path=ppt/notesSlides/notesSlide29.xml><?xml version="1.0" encoding="utf-8"?>
 <p:notes xmlns:a="http://schemas.openxmlformats.org/drawingml/2006/main" xmlns:r="http://schemas.openxmlformats.org/officeDocument/2006/relationships" xmlns:p="http://schemas.openxmlformats.org/presentationml/2006/main">
   <p:cSld>
     <p:spTree>
@@ -16406,7 +16903,91 @@
 </p:notes>
 </file>
 
-<file path=ppt/notesSlides/notesSlide28.xml><?xml version="1.0" encoding="utf-8"?>
+<file path=ppt/notesSlides/notesSlide3.xml><?xml version="1.0" encoding="utf-8"?>
+<p:notes xmlns:a="http://schemas.openxmlformats.org/drawingml/2006/main" xmlns:r="http://schemas.openxmlformats.org/officeDocument/2006/relationships" xmlns:p="http://schemas.openxmlformats.org/presentationml/2006/main">
+  <p:cSld>
+    <p:spTree>
+      <p:nvGrpSpPr>
+        <p:cNvPr id="1" name=""/>
+        <p:cNvGrpSpPr/>
+        <p:nvPr/>
+      </p:nvGrpSpPr>
+      <p:grpSpPr>
+        <a:xfrm>
+          <a:off x="0" y="0"/>
+          <a:ext cx="0" cy="0"/>
+          <a:chOff x="0" y="0"/>
+          <a:chExt cx="0" cy="0"/>
+        </a:xfrm>
+      </p:grpSpPr>
+      <p:sp>
+        <p:nvSpPr>
+          <p:cNvPr id="2" name="Tijdelijke aanduiding voor dia-afbeelding 1"/>
+          <p:cNvSpPr>
+            <a:spLocks noGrp="1" noRot="1" noChangeAspect="1"/>
+          </p:cNvSpPr>
+          <p:nvPr>
+            <p:ph type="sldImg"/>
+          </p:nvPr>
+        </p:nvSpPr>
+        <p:spPr/>
+      </p:sp>
+      <p:sp>
+        <p:nvSpPr>
+          <p:cNvPr id="3" name="Tijdelijke aanduiding voor notities 2"/>
+          <p:cNvSpPr>
+            <a:spLocks noGrp="1"/>
+          </p:cNvSpPr>
+          <p:nvPr>
+            <p:ph type="body" idx="1"/>
+          </p:nvPr>
+        </p:nvSpPr>
+        <p:spPr/>
+        <p:txBody>
+          <a:bodyPr/>
+          <a:lstStyle/>
+          <a:p>
+            <a:endParaRPr lang="nl-NL" dirty="0"/>
+          </a:p>
+        </p:txBody>
+      </p:sp>
+      <p:sp>
+        <p:nvSpPr>
+          <p:cNvPr id="4" name="Tijdelijke aanduiding voor dianummer 3"/>
+          <p:cNvSpPr>
+            <a:spLocks noGrp="1"/>
+          </p:cNvSpPr>
+          <p:nvPr>
+            <p:ph type="sldNum" sz="quarter" idx="5"/>
+          </p:nvPr>
+        </p:nvSpPr>
+        <p:spPr/>
+        <p:txBody>
+          <a:bodyPr/>
+          <a:lstStyle/>
+          <a:p>
+            <a:fld id="{623201EE-611C-429E-B6C7-DF3E08DC77B3}" type="slidenum">
+              <a:rPr lang="nl-NL" smtClean="0"/>
+              <a:t>6</a:t>
+            </a:fld>
+            <a:endParaRPr lang="nl-NL"/>
+          </a:p>
+        </p:txBody>
+      </p:sp>
+    </p:spTree>
+    <p:extLst>
+      <p:ext uri="{BB962C8B-B14F-4D97-AF65-F5344CB8AC3E}">
+        <p14:creationId xmlns:p14="http://schemas.microsoft.com/office/powerpoint/2010/main" val="4222670268"/>
+      </p:ext>
+    </p:extLst>
+  </p:cSld>
+  <p:clrMapOvr>
+    <a:masterClrMapping/>
+  </p:clrMapOvr>
+</p:notes>
+</file>
+
+<file path=ppt/notesSlides/notesSlide30.xml><?xml version="1.0" encoding="utf-8"?>
 <p:notes xmlns:a="http://schemas.openxmlformats.org/drawingml/2006/main" xmlns:r="http://schemas.openxmlformats.org/officeDocument/2006/relationships" xmlns:p="http://schemas.openxmlformats.org/presentationml/2006/main">
   <p:cSld>
     <p:spTree>
@@ -16514,7 +17095,7 @@
 </p:notes>
 </file>
 
-<file path=ppt/notesSlides/notesSlide29.xml><?xml version="1.0" encoding="utf-8"?>
+<file path=ppt/notesSlides/notesSlide31.xml><?xml version="1.0" encoding="utf-8"?>
 <p:notes xmlns:a="http://schemas.openxmlformats.org/drawingml/2006/main" xmlns:r="http://schemas.openxmlformats.org/officeDocument/2006/relationships" xmlns:p="http://schemas.openxmlformats.org/presentationml/2006/main">
   <p:cSld>
     <p:spTree>
@@ -16622,91 +17203,7 @@
 </p:notes>
 </file>
 
-<file path=ppt/notesSlides/notesSlide3.xml><?xml version="1.0" encoding="utf-8"?>
-<p:notes xmlns:a="http://schemas.openxmlformats.org/drawingml/2006/main" xmlns:r="http://schemas.openxmlformats.org/officeDocument/2006/relationships" xmlns:p="http://schemas.openxmlformats.org/presentationml/2006/main">
-  <p:cSld>
-    <p:spTree>
-      <p:nvGrpSpPr>
-        <p:cNvPr id="1" name=""/>
-        <p:cNvGrpSpPr/>
-        <p:nvPr/>
-      </p:nvGrpSpPr>
-      <p:grpSpPr>
-        <a:xfrm>
-          <a:off x="0" y="0"/>
-          <a:ext cx="0" cy="0"/>
-          <a:chOff x="0" y="0"/>
-          <a:chExt cx="0" cy="0"/>
-        </a:xfrm>
-      </p:grpSpPr>
-      <p:sp>
-        <p:nvSpPr>
-          <p:cNvPr id="2" name="Tijdelijke aanduiding voor dia-afbeelding 1"/>
-          <p:cNvSpPr>
-            <a:spLocks noGrp="1" noRot="1" noChangeAspect="1"/>
-          </p:cNvSpPr>
-          <p:nvPr>
-            <p:ph type="sldImg"/>
-          </p:nvPr>
-        </p:nvSpPr>
-        <p:spPr/>
-      </p:sp>
-      <p:sp>
-        <p:nvSpPr>
-          <p:cNvPr id="3" name="Tijdelijke aanduiding voor notities 2"/>
-          <p:cNvSpPr>
-            <a:spLocks noGrp="1"/>
-          </p:cNvSpPr>
-          <p:nvPr>
-            <p:ph type="body" idx="1"/>
-          </p:nvPr>
-        </p:nvSpPr>
-        <p:spPr/>
-        <p:txBody>
-          <a:bodyPr/>
-          <a:lstStyle/>
-          <a:p>
-            <a:endParaRPr lang="nl-NL" dirty="0"/>
-          </a:p>
-        </p:txBody>
-      </p:sp>
-      <p:sp>
-        <p:nvSpPr>
-          <p:cNvPr id="4" name="Tijdelijke aanduiding voor dianummer 3"/>
-          <p:cNvSpPr>
-            <a:spLocks noGrp="1"/>
-          </p:cNvSpPr>
-          <p:nvPr>
-            <p:ph type="sldNum" sz="quarter" idx="5"/>
-          </p:nvPr>
-        </p:nvSpPr>
-        <p:spPr/>
-        <p:txBody>
-          <a:bodyPr/>
-          <a:lstStyle/>
-          <a:p>
-            <a:fld id="{623201EE-611C-429E-B6C7-DF3E08DC77B3}" type="slidenum">
-              <a:rPr lang="nl-NL" smtClean="0"/>
-              <a:t>6</a:t>
-            </a:fld>
-            <a:endParaRPr lang="nl-NL"/>
-          </a:p>
-        </p:txBody>
-      </p:sp>
-    </p:spTree>
-    <p:extLst>
-      <p:ext uri="{BB962C8B-B14F-4D97-AF65-F5344CB8AC3E}">
-        <p14:creationId xmlns:p14="http://schemas.microsoft.com/office/powerpoint/2010/main" val="4222670268"/>
-      </p:ext>
-    </p:extLst>
-  </p:cSld>
-  <p:clrMapOvr>
-    <a:masterClrMapping/>
-  </p:clrMapOvr>
-</p:notes>
-</file>
-
-<file path=ppt/notesSlides/notesSlide30.xml><?xml version="1.0" encoding="utf-8"?>
+<file path=ppt/notesSlides/notesSlide32.xml><?xml version="1.0" encoding="utf-8"?>
 <p:notes xmlns:a="http://schemas.openxmlformats.org/drawingml/2006/main" xmlns:r="http://schemas.openxmlformats.org/officeDocument/2006/relationships" xmlns:p="http://schemas.openxmlformats.org/presentationml/2006/main">
   <p:cSld>
     <p:spTree>
@@ -16814,7 +17311,7 @@
 </p:notes>
 </file>
 
-<file path=ppt/notesSlides/notesSlide31.xml><?xml version="1.0" encoding="utf-8"?>
+<file path=ppt/notesSlides/notesSlide33.xml><?xml version="1.0" encoding="utf-8"?>
 <p:notes xmlns:a="http://schemas.openxmlformats.org/drawingml/2006/main" xmlns:r="http://schemas.openxmlformats.org/officeDocument/2006/relationships" xmlns:p="http://schemas.openxmlformats.org/presentationml/2006/main">
   <p:cSld>
     <p:spTree>
@@ -17496,13 +17993,7 @@
   <p:cSld>
     <p:spTree>
       <p:nvGrpSpPr>
-        <p:cNvPr id="1" name="">
-          <a:extLst>
-            <a:ext uri="{FF2B5EF4-FFF2-40B4-BE49-F238E27FC236}">
-              <a16:creationId xmlns:a16="http://schemas.microsoft.com/office/drawing/2014/main" id="{C7D9C81A-4BE2-28E6-0425-7C560992E1BD}"/>
-            </a:ext>
-          </a:extLst>
-        </p:cNvPr>
+        <p:cNvPr id="1" name=""/>
         <p:cNvGrpSpPr/>
         <p:nvPr/>
       </p:nvGrpSpPr>
@@ -17516,13 +18007,7 @@
       </p:grpSpPr>
       <p:sp>
         <p:nvSpPr>
-          <p:cNvPr id="2" name="Tijdelijke aanduiding voor dia-afbeelding 1">
-            <a:extLst>
-              <a:ext uri="{FF2B5EF4-FFF2-40B4-BE49-F238E27FC236}">
-                <a16:creationId xmlns:a16="http://schemas.microsoft.com/office/drawing/2014/main" id="{12A24989-15CB-6C0A-B849-DA2FA0B2B79A}"/>
-              </a:ext>
-            </a:extLst>
-          </p:cNvPr>
+          <p:cNvPr id="2" name="Tijdelijke aanduiding voor dia-afbeelding 1"/>
           <p:cNvSpPr>
             <a:spLocks noGrp="1" noRot="1" noChangeAspect="1"/>
           </p:cNvSpPr>
@@ -17534,13 +18019,7 @@
       </p:sp>
       <p:sp>
         <p:nvSpPr>
-          <p:cNvPr id="3" name="Tijdelijke aanduiding voor notities 2">
-            <a:extLst>
-              <a:ext uri="{FF2B5EF4-FFF2-40B4-BE49-F238E27FC236}">
-                <a16:creationId xmlns:a16="http://schemas.microsoft.com/office/drawing/2014/main" id="{90E1E686-F4EA-A728-5FAE-EFA356F940CC}"/>
-              </a:ext>
-            </a:extLst>
-          </p:cNvPr>
+          <p:cNvPr id="3" name="Tijdelijke aanduiding voor notities 2"/>
           <p:cNvSpPr>
             <a:spLocks noGrp="1"/>
           </p:cNvSpPr>
@@ -17553,19 +18032,179 @@
           <a:bodyPr/>
           <a:lstStyle/>
           <a:p>
+            <a:r>
+              <a:rPr lang="nl-NL" dirty="0"/>
+              <a:t>Deze benchmark toont het verschil tussen </a:t>
+            </a:r>
+            <a:r>
+              <a:rPr lang="nl-NL" dirty="0" err="1"/>
+              <a:t>data.table</a:t>
+            </a:r>
+            <a:r>
+              <a:rPr lang="nl-NL" dirty="0"/>
+              <a:t> en </a:t>
+            </a:r>
+            <a:r>
+              <a:rPr lang="nl-NL" dirty="0" err="1"/>
+              <a:t>dplyr</a:t>
+            </a:r>
+            <a:r>
+              <a:rPr lang="nl-NL" dirty="0"/>
+              <a:t> qua performance bij het </a:t>
+            </a:r>
+            <a:r>
+              <a:rPr lang="nl-NL" b="1" dirty="0" err="1"/>
+              <a:t>subsetten</a:t>
+            </a:r>
+            <a:r>
+              <a:rPr lang="nl-NL" b="0" dirty="0"/>
+              <a:t> en daarna </a:t>
+            </a:r>
+            <a:r>
+              <a:rPr lang="nl-NL" b="1" dirty="0"/>
+              <a:t>samenvatten</a:t>
+            </a:r>
+            <a:r>
+              <a:rPr lang="nl-NL" b="0" dirty="0"/>
+              <a:t> van een dataset. </a:t>
+            </a:r>
             <a:endParaRPr lang="nl-NL" dirty="0"/>
+          </a:p>
+          <a:p>
+            <a:endParaRPr lang="nl-NL" dirty="0"/>
+          </a:p>
+          <a:p>
+            <a:r>
+              <a:rPr lang="nl-NL" dirty="0"/>
+              <a:t>In het </a:t>
+            </a:r>
+            <a:r>
+              <a:rPr lang="nl-NL" b="1" dirty="0"/>
+              <a:t>MIE2024</a:t>
+            </a:r>
+            <a:r>
+              <a:rPr lang="nl-NL" dirty="0"/>
+              <a:t> R-package staat de code van deze benchmark: </a:t>
+            </a:r>
+          </a:p>
+          <a:p>
+            <a:endParaRPr lang="nl-NL" dirty="0"/>
+          </a:p>
+          <a:p>
+            <a:r>
+              <a:rPr lang="nl-NL" dirty="0"/>
+              <a:t># Eenvoudig uitvoeren van de benchmark kan via de ‘</a:t>
+            </a:r>
+            <a:r>
+              <a:rPr lang="nl-NL" dirty="0" err="1"/>
+              <a:t>example</a:t>
+            </a:r>
+            <a:r>
+              <a:rPr lang="nl-NL" dirty="0"/>
+              <a:t>’ functie: </a:t>
+            </a:r>
+          </a:p>
+          <a:p>
+            <a:r>
+              <a:rPr lang="nl-NL" dirty="0" err="1">
+                <a:latin typeface="Courier New" panose="02070309020205020404" pitchFamily="49" charset="0"/>
+                <a:cs typeface="Courier New" panose="02070309020205020404" pitchFamily="49" charset="0"/>
+              </a:rPr>
+              <a:t>devtools</a:t>
+            </a:r>
+            <a:r>
+              <a:rPr lang="nl-NL" dirty="0">
+                <a:latin typeface="Courier New" panose="02070309020205020404" pitchFamily="49" charset="0"/>
+                <a:cs typeface="Courier New" panose="02070309020205020404" pitchFamily="49" charset="0"/>
+              </a:rPr>
+              <a:t>::</a:t>
+            </a:r>
+            <a:r>
+              <a:rPr lang="nl-NL" dirty="0" err="1">
+                <a:latin typeface="Courier New" panose="02070309020205020404" pitchFamily="49" charset="0"/>
+                <a:cs typeface="Courier New" panose="02070309020205020404" pitchFamily="49" charset="0"/>
+              </a:rPr>
+              <a:t>load_all</a:t>
+            </a:r>
+            <a:r>
+              <a:rPr lang="nl-NL" dirty="0">
+                <a:latin typeface="Courier New" panose="02070309020205020404" pitchFamily="49" charset="0"/>
+                <a:cs typeface="Courier New" panose="02070309020205020404" pitchFamily="49" charset="0"/>
+              </a:rPr>
+              <a:t>()</a:t>
+            </a:r>
+          </a:p>
+          <a:p>
+            <a:r>
+              <a:rPr lang="nl-NL" dirty="0" err="1">
+                <a:latin typeface="Courier New" panose="02070309020205020404" pitchFamily="49" charset="0"/>
+                <a:cs typeface="Courier New" panose="02070309020205020404" pitchFamily="49" charset="0"/>
+              </a:rPr>
+              <a:t>exampleBenchmarkSubsetting</a:t>
+            </a:r>
+            <a:r>
+              <a:rPr lang="nl-NL" dirty="0">
+                <a:latin typeface="Courier New" panose="02070309020205020404" pitchFamily="49" charset="0"/>
+                <a:cs typeface="Courier New" panose="02070309020205020404" pitchFamily="49" charset="0"/>
+              </a:rPr>
+              <a:t>()</a:t>
+            </a:r>
+          </a:p>
+          <a:p>
+            <a:endParaRPr lang="nl-NL" dirty="0"/>
+          </a:p>
+          <a:p>
+            <a:r>
+              <a:rPr lang="nl-NL" dirty="0"/>
+              <a:t># Bekijk de broncode van de benchmark in: </a:t>
+            </a:r>
+          </a:p>
+          <a:p>
+            <a:r>
+              <a:rPr lang="nl-NL" dirty="0" err="1">
+                <a:latin typeface="Courier New" panose="02070309020205020404" pitchFamily="49" charset="0"/>
+                <a:cs typeface="Courier New" panose="02070309020205020404" pitchFamily="49" charset="0"/>
+              </a:rPr>
+              <a:t>examples</a:t>
+            </a:r>
+            <a:r>
+              <a:rPr lang="nl-NL" dirty="0">
+                <a:latin typeface="Courier New" panose="02070309020205020404" pitchFamily="49" charset="0"/>
+                <a:cs typeface="Courier New" panose="02070309020205020404" pitchFamily="49" charset="0"/>
+              </a:rPr>
+              <a:t>/</a:t>
+            </a:r>
+            <a:r>
+              <a:rPr lang="nl-NL" dirty="0" err="1">
+                <a:latin typeface="Courier New" panose="02070309020205020404" pitchFamily="49" charset="0"/>
+                <a:cs typeface="Courier New" panose="02070309020205020404" pitchFamily="49" charset="0"/>
+              </a:rPr>
+              <a:t>dh</a:t>
+            </a:r>
+            <a:r>
+              <a:rPr lang="nl-NL" dirty="0">
+                <a:latin typeface="Courier New" panose="02070309020205020404" pitchFamily="49" charset="0"/>
+                <a:cs typeface="Courier New" panose="02070309020205020404" pitchFamily="49" charset="0"/>
+              </a:rPr>
+              <a:t>/</a:t>
+            </a:r>
+            <a:r>
+              <a:rPr lang="nl-NL" dirty="0" err="1">
+                <a:latin typeface="Courier New" panose="02070309020205020404" pitchFamily="49" charset="0"/>
+                <a:cs typeface="Courier New" panose="02070309020205020404" pitchFamily="49" charset="0"/>
+              </a:rPr>
+              <a:t>dh.benchmark.subsetting.R</a:t>
+            </a:r>
+            <a:endParaRPr lang="nl-NL" dirty="0">
+              <a:latin typeface="Courier New" panose="02070309020205020404" pitchFamily="49" charset="0"/>
+              <a:cs typeface="Courier New" panose="02070309020205020404" pitchFamily="49" charset="0"/>
+            </a:endParaRPr>
           </a:p>
         </p:txBody>
       </p:sp>
       <p:sp>
         <p:nvSpPr>
-          <p:cNvPr id="4" name="Tijdelijke aanduiding voor dianummer 3">
-            <a:extLst>
-              <a:ext uri="{FF2B5EF4-FFF2-40B4-BE49-F238E27FC236}">
-                <a16:creationId xmlns:a16="http://schemas.microsoft.com/office/drawing/2014/main" id="{EBA02B2F-B42D-3A87-0930-EFC5ABEA7B3B}"/>
-              </a:ext>
-            </a:extLst>
-          </p:cNvPr>
+          <p:cNvPr id="4" name="Tijdelijke aanduiding voor dianummer 3"/>
           <p:cNvSpPr>
             <a:spLocks noGrp="1"/>
           </p:cNvSpPr>
@@ -17580,7 +18219,7 @@
           <a:p>
             <a:fld id="{623201EE-611C-429E-B6C7-DF3E08DC77B3}" type="slidenum">
               <a:rPr lang="nl-NL" smtClean="0"/>
-              <a:t>16</a:t>
+              <a:t>15</a:t>
             </a:fld>
             <a:endParaRPr lang="nl-NL"/>
           </a:p>
@@ -17589,7 +18228,7 @@
     </p:spTree>
     <p:extLst>
       <p:ext uri="{BB962C8B-B14F-4D97-AF65-F5344CB8AC3E}">
-        <p14:creationId xmlns:p14="http://schemas.microsoft.com/office/powerpoint/2010/main" val="1948071790"/>
+        <p14:creationId xmlns:p14="http://schemas.microsoft.com/office/powerpoint/2010/main" val="1546786791"/>
       </p:ext>
     </p:extLst>
   </p:cSld>
@@ -21785,7 +22424,7 @@
     <p:bg>
       <p:bgPr>
         <a:blipFill dpi="0" rotWithShape="1">
-          <a:blip r:embed="rId2">
+          <a:blip r:embed="rId3">
             <a:lum/>
           </a:blip>
           <a:srcRect/>
@@ -21870,7 +22509,7 @@
           <p:nvPr/>
         </p:nvPicPr>
         <p:blipFill>
-          <a:blip r:embed="rId3"/>
+          <a:blip r:embed="rId4"/>
           <a:stretch>
             <a:fillRect/>
           </a:stretch>
@@ -22087,7 +22726,7 @@
     <p:bg>
       <p:bgPr>
         <a:blipFill dpi="0" rotWithShape="1">
-          <a:blip r:embed="rId2">
+          <a:blip r:embed="rId3">
             <a:lum/>
           </a:blip>
           <a:srcRect/>
@@ -22172,7 +22811,7 @@
           <p:nvPr/>
         </p:nvPicPr>
         <p:blipFill>
-          <a:blip r:embed="rId3"/>
+          <a:blip r:embed="rId4"/>
           <a:stretch>
             <a:fillRect/>
           </a:stretch>
@@ -46073,7 +46712,7 @@
         <p:spPr>
           <a:xfrm>
             <a:off x="3186259" y="1324398"/>
-            <a:ext cx="8434239" cy="1938992"/>
+            <a:ext cx="8827941" cy="2677656"/>
           </a:xfrm>
           <a:prstGeom prst="rect">
             <a:avLst/>
@@ -46196,7 +46835,7 @@
                   <a:schemeClr val="bg1"/>
                 </a:solidFill>
               </a:rPr>
-              <a:t> at GitHub</a:t>
+              <a:t> at GitHub. </a:t>
             </a:r>
           </a:p>
           <a:p>
@@ -46207,20 +46846,171 @@
             </a:endParaRPr>
           </a:p>
           <a:p>
-            <a:endParaRPr lang="nl-NL" sz="2400" dirty="0">
+            <a:r>
+              <a:rPr lang="nl-NL" sz="2400" b="1" dirty="0">
+                <a:solidFill>
+                  <a:schemeClr val="bg1"/>
+                </a:solidFill>
+              </a:rPr>
+              <a:t>Link: </a:t>
+            </a:r>
+            <a:r>
+              <a:rPr lang="nl-NL" sz="2400" b="1" dirty="0">
+                <a:solidFill>
+                  <a:schemeClr val="bg1"/>
+                </a:solidFill>
+                <a:hlinkClick r:id="rId4"/>
+              </a:rPr>
+              <a:t>https://github.com/DataIMLabs/MIE2024</a:t>
+            </a:r>
+            <a:endParaRPr lang="nl-NL" sz="2400" b="1" dirty="0">
               <a:solidFill>
                 <a:schemeClr val="bg1"/>
               </a:solidFill>
             </a:endParaRPr>
           </a:p>
           <a:p>
-            <a:r>
-              <a:rPr lang="nl-NL" sz="2400" b="1" dirty="0">
-                <a:solidFill>
-                  <a:schemeClr val="bg1"/>
-                </a:solidFill>
-              </a:rPr>
-              <a:t>https://github.com/DataIMLabs/MIE2024</a:t>
+            <a:endParaRPr lang="nl-NL" sz="2400" b="1" dirty="0">
+              <a:solidFill>
+                <a:schemeClr val="bg1"/>
+              </a:solidFill>
+            </a:endParaRPr>
+          </a:p>
+          <a:p>
+            <a:endParaRPr lang="nl-NL" sz="2400" b="1" dirty="0">
+              <a:solidFill>
+                <a:schemeClr val="bg1"/>
+              </a:solidFill>
+            </a:endParaRPr>
+          </a:p>
+          <a:p>
+            <a:r>
+              <a:rPr lang="nl-NL" sz="2400" dirty="0" err="1">
+                <a:solidFill>
+                  <a:schemeClr val="bg1"/>
+                </a:solidFill>
+              </a:rPr>
+              <a:t>Detailed</a:t>
+            </a:r>
+            <a:r>
+              <a:rPr lang="nl-NL" sz="2400" dirty="0">
+                <a:solidFill>
+                  <a:schemeClr val="bg1"/>
+                </a:solidFill>
+              </a:rPr>
+              <a:t> </a:t>
+            </a:r>
+            <a:r>
+              <a:rPr lang="nl-NL" sz="2400" dirty="0" err="1">
+                <a:solidFill>
+                  <a:schemeClr val="bg1"/>
+                </a:solidFill>
+              </a:rPr>
+              <a:t>instructions</a:t>
+            </a:r>
+            <a:r>
+              <a:rPr lang="nl-NL" sz="2400" dirty="0">
+                <a:solidFill>
+                  <a:schemeClr val="bg1"/>
+                </a:solidFill>
+              </a:rPr>
+              <a:t> on </a:t>
+            </a:r>
+            <a:r>
+              <a:rPr lang="nl-NL" sz="2400" dirty="0" err="1">
+                <a:solidFill>
+                  <a:schemeClr val="bg1"/>
+                </a:solidFill>
+              </a:rPr>
+              <a:t>how</a:t>
+            </a:r>
+            <a:r>
+              <a:rPr lang="nl-NL" sz="2400" dirty="0">
+                <a:solidFill>
+                  <a:schemeClr val="bg1"/>
+                </a:solidFill>
+              </a:rPr>
+              <a:t> </a:t>
+            </a:r>
+            <a:r>
+              <a:rPr lang="nl-NL" sz="2400" dirty="0" err="1">
+                <a:solidFill>
+                  <a:schemeClr val="bg1"/>
+                </a:solidFill>
+              </a:rPr>
+              <a:t>to</a:t>
+            </a:r>
+            <a:r>
+              <a:rPr lang="nl-NL" sz="2400" dirty="0">
+                <a:solidFill>
+                  <a:schemeClr val="bg1"/>
+                </a:solidFill>
+              </a:rPr>
+              <a:t> </a:t>
+            </a:r>
+            <a:r>
+              <a:rPr lang="nl-NL" sz="2400" dirty="0" err="1">
+                <a:solidFill>
+                  <a:schemeClr val="bg1"/>
+                </a:solidFill>
+              </a:rPr>
+              <a:t>use</a:t>
+            </a:r>
+            <a:r>
+              <a:rPr lang="nl-NL" sz="2400" dirty="0">
+                <a:solidFill>
+                  <a:schemeClr val="bg1"/>
+                </a:solidFill>
+              </a:rPr>
+              <a:t> </a:t>
+            </a:r>
+            <a:r>
+              <a:rPr lang="nl-NL" sz="2400" dirty="0" err="1">
+                <a:solidFill>
+                  <a:schemeClr val="bg1"/>
+                </a:solidFill>
+              </a:rPr>
+              <a:t>this</a:t>
+            </a:r>
+            <a:r>
+              <a:rPr lang="nl-NL" sz="2400" dirty="0">
+                <a:solidFill>
+                  <a:schemeClr val="bg1"/>
+                </a:solidFill>
+              </a:rPr>
+              <a:t> package are </a:t>
+            </a:r>
+            <a:r>
+              <a:rPr lang="nl-NL" sz="2400" dirty="0" err="1">
+                <a:solidFill>
+                  <a:schemeClr val="bg1"/>
+                </a:solidFill>
+              </a:rPr>
+              <a:t>provided</a:t>
+            </a:r>
+            <a:r>
+              <a:rPr lang="nl-NL" sz="2400" dirty="0">
+                <a:solidFill>
+                  <a:schemeClr val="bg1"/>
+                </a:solidFill>
+              </a:rPr>
+              <a:t> </a:t>
+            </a:r>
+            <a:r>
+              <a:rPr lang="nl-NL" sz="2400" dirty="0" err="1">
+                <a:solidFill>
+                  <a:schemeClr val="bg1"/>
+                </a:solidFill>
+              </a:rPr>
+              <a:t>there</a:t>
+            </a:r>
+            <a:r>
+              <a:rPr lang="nl-NL" sz="2400" dirty="0">
+                <a:solidFill>
+                  <a:schemeClr val="bg1"/>
+                </a:solidFill>
+              </a:rPr>
+              <a:t>. </a:t>
             </a:r>
           </a:p>
         </p:txBody>
@@ -49777,6 +50567,26 @@
 </file>
 
 <file path=customXml/item1.xml><?xml version="1.0" encoding="utf-8"?>
+<p:properties xmlns:p="http://schemas.microsoft.com/office/2006/metadata/properties" xmlns:xsi="http://www.w3.org/2001/XMLSchema-instance" xmlns:pc="http://schemas.microsoft.com/office/infopath/2007/PartnerControls">
+  <documentManagement>
+    <lcf76f155ced4ddcb4097134ff3c332f xmlns="9c5a206d-b938-4884-b132-8a290c966188">
+      <Terms xmlns="http://schemas.microsoft.com/office/infopath/2007/PartnerControls"/>
+    </lcf76f155ced4ddcb4097134ff3c332f>
+    <TaxCatchAll xmlns="9b1463cd-8617-4935-ac0c-8d0310cc0c27" xsi:nil="true"/>
+  </documentManagement>
+</p:properties>
+</file>
+
+<file path=customXml/item2.xml><?xml version="1.0" encoding="utf-8"?>
+<?mso-contentType ?>
+<FormTemplates xmlns="http://schemas.microsoft.com/sharepoint/v3/contenttype/forms">
+  <Display>DocumentLibraryForm</Display>
+  <Edit>DocumentLibraryForm</Edit>
+  <New>DocumentLibraryForm</New>
+</FormTemplates>
+</file>
+
+<file path=customXml/item3.xml><?xml version="1.0" encoding="utf-8"?>
 <ct:contentTypeSchema xmlns:ct="http://schemas.microsoft.com/office/2006/metadata/contentType" xmlns:ma="http://schemas.microsoft.com/office/2006/metadata/properties/metaAttributes" ct:_="" ma:_="" ma:contentTypeName="Document" ma:contentTypeID="0x0101007F0237082AB0944A9FC216E2DA5620D5" ma:contentTypeVersion="18" ma:contentTypeDescription="Een nieuw document maken." ma:contentTypeScope="" ma:versionID="4f1caa9287d9488e20316eb0fee938e9">
   <xsd:schema xmlns:xsd="http://www.w3.org/2001/XMLSchema" xmlns:xs="http://www.w3.org/2001/XMLSchema" xmlns:p="http://schemas.microsoft.com/office/2006/metadata/properties" xmlns:ns2="9c5a206d-b938-4884-b132-8a290c966188" xmlns:ns3="9b1463cd-8617-4935-ac0c-8d0310cc0c27" targetNamespace="http://schemas.microsoft.com/office/2006/metadata/properties" ma:root="true" ma:fieldsID="aaa2e803268428d24b688eb9cf6a5a07" ns2:_="" ns3:_="">
     <xsd:import namespace="9c5a206d-b938-4884-b132-8a290c966188"/>
@@ -50031,27 +50841,32 @@
 </ct:contentTypeSchema>
 </file>
 
-<file path=customXml/item2.xml><?xml version="1.0" encoding="utf-8"?>
-<p:properties xmlns:p="http://schemas.microsoft.com/office/2006/metadata/properties" xmlns:xsi="http://www.w3.org/2001/XMLSchema-instance" xmlns:pc="http://schemas.microsoft.com/office/infopath/2007/PartnerControls">
-  <documentManagement>
-    <lcf76f155ced4ddcb4097134ff3c332f xmlns="9c5a206d-b938-4884-b132-8a290c966188">
-      <Terms xmlns="http://schemas.microsoft.com/office/infopath/2007/PartnerControls"/>
-    </lcf76f155ced4ddcb4097134ff3c332f>
-    <TaxCatchAll xmlns="9b1463cd-8617-4935-ac0c-8d0310cc0c27" xsi:nil="true"/>
-  </documentManagement>
-</p:properties>
+<file path=customXml/itemProps1.xml><?xml version="1.0" encoding="utf-8"?>
+<ds:datastoreItem xmlns:ds="http://schemas.openxmlformats.org/officeDocument/2006/customXml" ds:itemID="{14998129-EF39-4E22-9AD7-F42BFEDA1730}">
+  <ds:schemaRefs>
+    <ds:schemaRef ds:uri="http://schemas.microsoft.com/office/2006/documentManagement/types"/>
+    <ds:schemaRef ds:uri="http://purl.org/dc/terms/"/>
+    <ds:schemaRef ds:uri="http://www.w3.org/XML/1998/namespace"/>
+    <ds:schemaRef ds:uri="http://schemas.microsoft.com/office/2006/metadata/properties"/>
+    <ds:schemaRef ds:uri="http://purl.org/dc/elements/1.1/"/>
+    <ds:schemaRef ds:uri="9b1463cd-8617-4935-ac0c-8d0310cc0c27"/>
+    <ds:schemaRef ds:uri="http://purl.org/dc/dcmitype/"/>
+    <ds:schemaRef ds:uri="http://schemas.microsoft.com/office/infopath/2007/PartnerControls"/>
+    <ds:schemaRef ds:uri="http://schemas.openxmlformats.org/package/2006/metadata/core-properties"/>
+    <ds:schemaRef ds:uri="9c5a206d-b938-4884-b132-8a290c966188"/>
+  </ds:schemaRefs>
+</ds:datastoreItem>
 </file>
 
-<file path=customXml/item3.xml><?xml version="1.0" encoding="utf-8"?>
-<?mso-contentType ?>
-<FormTemplates xmlns="http://schemas.microsoft.com/sharepoint/v3/contenttype/forms">
-  <Display>DocumentLibraryForm</Display>
-  <Edit>DocumentLibraryForm</Edit>
-  <New>DocumentLibraryForm</New>
-</FormTemplates>
+<file path=customXml/itemProps2.xml><?xml version="1.0" encoding="utf-8"?>
+<ds:datastoreItem xmlns:ds="http://schemas.openxmlformats.org/officeDocument/2006/customXml" ds:itemID="{BA48266C-CCCF-48F1-80D3-1F408859C50D}">
+  <ds:schemaRefs>
+    <ds:schemaRef ds:uri="http://schemas.microsoft.com/sharepoint/v3/contenttype/forms"/>
+  </ds:schemaRefs>
+</ds:datastoreItem>
 </file>
 
-<file path=customXml/itemProps1.xml><?xml version="1.0" encoding="utf-8"?>
+<file path=customXml/itemProps3.xml><?xml version="1.0" encoding="utf-8"?>
 <ds:datastoreItem xmlns:ds="http://schemas.openxmlformats.org/officeDocument/2006/customXml" ds:itemID="{B71804E9-FB14-4B03-AE64-B68AF3220F70}">
   <ds:schemaRefs>
     <ds:schemaRef ds:uri="http://schemas.microsoft.com/office/2006/metadata/contentType"/>
@@ -50068,29 +50883,4 @@
     <ds:schemaRef ds:uri="http://schemas.microsoft.com/internal/obd"/>
   </ds:schemaRefs>
 </ds:datastoreItem>
-</file>
-
-<file path=customXml/itemProps2.xml><?xml version="1.0" encoding="utf-8"?>
-<ds:datastoreItem xmlns:ds="http://schemas.openxmlformats.org/officeDocument/2006/customXml" ds:itemID="{14998129-EF39-4E22-9AD7-F42BFEDA1730}">
-  <ds:schemaRefs>
-    <ds:schemaRef ds:uri="http://schemas.microsoft.com/office/2006/documentManagement/types"/>
-    <ds:schemaRef ds:uri="http://purl.org/dc/terms/"/>
-    <ds:schemaRef ds:uri="http://www.w3.org/XML/1998/namespace"/>
-    <ds:schemaRef ds:uri="http://schemas.microsoft.com/office/2006/metadata/properties"/>
-    <ds:schemaRef ds:uri="http://purl.org/dc/elements/1.1/"/>
-    <ds:schemaRef ds:uri="9b1463cd-8617-4935-ac0c-8d0310cc0c27"/>
-    <ds:schemaRef ds:uri="http://purl.org/dc/dcmitype/"/>
-    <ds:schemaRef ds:uri="http://schemas.microsoft.com/office/infopath/2007/PartnerControls"/>
-    <ds:schemaRef ds:uri="http://schemas.openxmlformats.org/package/2006/metadata/core-properties"/>
-    <ds:schemaRef ds:uri="9c5a206d-b938-4884-b132-8a290c966188"/>
-  </ds:schemaRefs>
-</ds:datastoreItem>
-</file>
-
-<file path=customXml/itemProps3.xml><?xml version="1.0" encoding="utf-8"?>
-<ds:datastoreItem xmlns:ds="http://schemas.openxmlformats.org/officeDocument/2006/customXml" ds:itemID="{BA48266C-CCCF-48F1-80D3-1F408859C50D}">
-  <ds:schemaRefs>
-    <ds:schemaRef ds:uri="http://schemas.microsoft.com/sharepoint/v3/contenttype/forms"/>
-  </ds:schemaRefs>
-</ds:datastoreItem>
 </file>
--- a/presentation/MIE2024-DataIM-Masterclass.pptx
+++ b/presentation/MIE2024-DataIM-Masterclass.pptx
@@ -15705,7 +15705,7 @@
           <a:p>
             <a:r>
               <a:rPr lang="nl-NL" dirty="0"/>
-              <a:t>Disclaimer: deze sessie is veel te kort om uitgebreid in te gaan op alle details. </a:t>
+              <a:t>Disclaimer: deze sessie is veel te kort om uitgebreid in te gaan op alle details. Zie het package voor een meer uitgebreide omschrijving</a:t>
             </a:r>
           </a:p>
         </p:txBody>
@@ -50567,17 +50567,6 @@
 </file>
 
 <file path=customXml/item1.xml><?xml version="1.0" encoding="utf-8"?>
-<p:properties xmlns:p="http://schemas.microsoft.com/office/2006/metadata/properties" xmlns:xsi="http://www.w3.org/2001/XMLSchema-instance" xmlns:pc="http://schemas.microsoft.com/office/infopath/2007/PartnerControls">
-  <documentManagement>
-    <lcf76f155ced4ddcb4097134ff3c332f xmlns="9c5a206d-b938-4884-b132-8a290c966188">
-      <Terms xmlns="http://schemas.microsoft.com/office/infopath/2007/PartnerControls"/>
-    </lcf76f155ced4ddcb4097134ff3c332f>
-    <TaxCatchAll xmlns="9b1463cd-8617-4935-ac0c-8d0310cc0c27" xsi:nil="true"/>
-  </documentManagement>
-</p:properties>
-</file>
-
-<file path=customXml/item2.xml><?xml version="1.0" encoding="utf-8"?>
 <?mso-contentType ?>
 <FormTemplates xmlns="http://schemas.microsoft.com/sharepoint/v3/contenttype/forms">
   <Display>DocumentLibraryForm</Display>
@@ -50586,7 +50575,7 @@
 </FormTemplates>
 </file>
 
-<file path=customXml/item3.xml><?xml version="1.0" encoding="utf-8"?>
+<file path=customXml/item2.xml><?xml version="1.0" encoding="utf-8"?>
 <ct:contentTypeSchema xmlns:ct="http://schemas.microsoft.com/office/2006/metadata/contentType" xmlns:ma="http://schemas.microsoft.com/office/2006/metadata/properties/metaAttributes" ct:_="" ma:_="" ma:contentTypeName="Document" ma:contentTypeID="0x0101007F0237082AB0944A9FC216E2DA5620D5" ma:contentTypeVersion="18" ma:contentTypeDescription="Een nieuw document maken." ma:contentTypeScope="" ma:versionID="4f1caa9287d9488e20316eb0fee938e9">
   <xsd:schema xmlns:xsd="http://www.w3.org/2001/XMLSchema" xmlns:xs="http://www.w3.org/2001/XMLSchema" xmlns:p="http://schemas.microsoft.com/office/2006/metadata/properties" xmlns:ns2="9c5a206d-b938-4884-b132-8a290c966188" xmlns:ns3="9b1463cd-8617-4935-ac0c-8d0310cc0c27" targetNamespace="http://schemas.microsoft.com/office/2006/metadata/properties" ma:root="true" ma:fieldsID="aaa2e803268428d24b688eb9cf6a5a07" ns2:_="" ns3:_="">
     <xsd:import namespace="9c5a206d-b938-4884-b132-8a290c966188"/>
@@ -50841,24 +50830,18 @@
 </ct:contentTypeSchema>
 </file>
 
-<file path=customXml/itemProps1.xml><?xml version="1.0" encoding="utf-8"?>
-<ds:datastoreItem xmlns:ds="http://schemas.openxmlformats.org/officeDocument/2006/customXml" ds:itemID="{14998129-EF39-4E22-9AD7-F42BFEDA1730}">
-  <ds:schemaRefs>
-    <ds:schemaRef ds:uri="http://schemas.microsoft.com/office/2006/documentManagement/types"/>
-    <ds:schemaRef ds:uri="http://purl.org/dc/terms/"/>
-    <ds:schemaRef ds:uri="http://www.w3.org/XML/1998/namespace"/>
-    <ds:schemaRef ds:uri="http://schemas.microsoft.com/office/2006/metadata/properties"/>
-    <ds:schemaRef ds:uri="http://purl.org/dc/elements/1.1/"/>
-    <ds:schemaRef ds:uri="9b1463cd-8617-4935-ac0c-8d0310cc0c27"/>
-    <ds:schemaRef ds:uri="http://purl.org/dc/dcmitype/"/>
-    <ds:schemaRef ds:uri="http://schemas.microsoft.com/office/infopath/2007/PartnerControls"/>
-    <ds:schemaRef ds:uri="http://schemas.openxmlformats.org/package/2006/metadata/core-properties"/>
-    <ds:schemaRef ds:uri="9c5a206d-b938-4884-b132-8a290c966188"/>
-  </ds:schemaRefs>
-</ds:datastoreItem>
+<file path=customXml/item3.xml><?xml version="1.0" encoding="utf-8"?>
+<p:properties xmlns:p="http://schemas.microsoft.com/office/2006/metadata/properties" xmlns:xsi="http://www.w3.org/2001/XMLSchema-instance" xmlns:pc="http://schemas.microsoft.com/office/infopath/2007/PartnerControls">
+  <documentManagement>
+    <lcf76f155ced4ddcb4097134ff3c332f xmlns="9c5a206d-b938-4884-b132-8a290c966188">
+      <Terms xmlns="http://schemas.microsoft.com/office/infopath/2007/PartnerControls"/>
+    </lcf76f155ced4ddcb4097134ff3c332f>
+    <TaxCatchAll xmlns="9b1463cd-8617-4935-ac0c-8d0310cc0c27" xsi:nil="true"/>
+  </documentManagement>
+</p:properties>
 </file>
 
-<file path=customXml/itemProps2.xml><?xml version="1.0" encoding="utf-8"?>
+<file path=customXml/itemProps1.xml><?xml version="1.0" encoding="utf-8"?>
 <ds:datastoreItem xmlns:ds="http://schemas.openxmlformats.org/officeDocument/2006/customXml" ds:itemID="{BA48266C-CCCF-48F1-80D3-1F408859C50D}">
   <ds:schemaRefs>
     <ds:schemaRef ds:uri="http://schemas.microsoft.com/sharepoint/v3/contenttype/forms"/>
@@ -50866,7 +50849,7 @@
 </ds:datastoreItem>
 </file>
 
-<file path=customXml/itemProps3.xml><?xml version="1.0" encoding="utf-8"?>
+<file path=customXml/itemProps2.xml><?xml version="1.0" encoding="utf-8"?>
 <ds:datastoreItem xmlns:ds="http://schemas.openxmlformats.org/officeDocument/2006/customXml" ds:itemID="{B71804E9-FB14-4B03-AE64-B68AF3220F70}">
   <ds:schemaRefs>
     <ds:schemaRef ds:uri="http://schemas.microsoft.com/office/2006/metadata/contentType"/>
@@ -50883,4 +50866,21 @@
     <ds:schemaRef ds:uri="http://schemas.microsoft.com/internal/obd"/>
   </ds:schemaRefs>
 </ds:datastoreItem>
+</file>
+
+<file path=customXml/itemProps3.xml><?xml version="1.0" encoding="utf-8"?>
+<ds:datastoreItem xmlns:ds="http://schemas.openxmlformats.org/officeDocument/2006/customXml" ds:itemID="{14998129-EF39-4E22-9AD7-F42BFEDA1730}">
+  <ds:schemaRefs>
+    <ds:schemaRef ds:uri="http://schemas.microsoft.com/office/2006/documentManagement/types"/>
+    <ds:schemaRef ds:uri="http://purl.org/dc/terms/"/>
+    <ds:schemaRef ds:uri="http://www.w3.org/XML/1998/namespace"/>
+    <ds:schemaRef ds:uri="http://schemas.microsoft.com/office/2006/metadata/properties"/>
+    <ds:schemaRef ds:uri="http://purl.org/dc/elements/1.1/"/>
+    <ds:schemaRef ds:uri="9b1463cd-8617-4935-ac0c-8d0310cc0c27"/>
+    <ds:schemaRef ds:uri="http://purl.org/dc/dcmitype/"/>
+    <ds:schemaRef ds:uri="http://schemas.microsoft.com/office/infopath/2007/PartnerControls"/>
+    <ds:schemaRef ds:uri="http://schemas.openxmlformats.org/package/2006/metadata/core-properties"/>
+    <ds:schemaRef ds:uri="9c5a206d-b938-4884-b132-8a290c966188"/>
+  </ds:schemaRefs>
+</ds:datastoreItem>
 </file>
--- a/presentation/MIE2024-DataIM-Masterclass.pptx
+++ b/presentation/MIE2024-DataIM-Masterclass.pptx
@@ -5,7 +5,7 @@
     <p:sldMasterId id="2147483651" r:id="rId4"/>
   </p:sldMasterIdLst>
   <p:notesMasterIdLst>
-    <p:notesMasterId r:id="rId53"/>
+    <p:notesMasterId r:id="rId49"/>
   </p:notesMasterIdLst>
   <p:sldIdLst>
     <p:sldId id="257" r:id="rId5"/>
@@ -46,16 +46,12 @@
     <p:sldId id="305" r:id="rId40"/>
     <p:sldId id="288" r:id="rId41"/>
     <p:sldId id="315" r:id="rId42"/>
-    <p:sldId id="313" r:id="rId43"/>
-    <p:sldId id="314" r:id="rId44"/>
-    <p:sldId id="293" r:id="rId45"/>
-    <p:sldId id="273" r:id="rId46"/>
-    <p:sldId id="281" r:id="rId47"/>
-    <p:sldId id="267" r:id="rId48"/>
-    <p:sldId id="266" r:id="rId49"/>
-    <p:sldId id="268" r:id="rId50"/>
-    <p:sldId id="258" r:id="rId51"/>
-    <p:sldId id="259" r:id="rId52"/>
+    <p:sldId id="314" r:id="rId43"/>
+    <p:sldId id="293" r:id="rId44"/>
+    <p:sldId id="273" r:id="rId45"/>
+    <p:sldId id="267" r:id="rId46"/>
+    <p:sldId id="266" r:id="rId47"/>
+    <p:sldId id="268" r:id="rId48"/>
   </p:sldIdLst>
   <p:sldSz cx="12192000" cy="6858000"/>
   <p:notesSz cx="6858000" cy="9144000"/>
@@ -227,11 +223,6 @@
             <p14:sldId id="315"/>
           </p14:sldIdLst>
         </p14:section>
-        <p14:section name="5. Case study 1: using a template" id="{06603C0C-5687-428D-8010-D58F6B0DF700}">
-          <p14:sldIdLst>
-            <p14:sldId id="313"/>
-          </p14:sldIdLst>
-        </p14:section>
         <p14:section name="6. Case study 2. Text mining" id="{E2959D9C-1674-44FB-A326-1C1EB9E64583}">
           <p14:sldIdLst>
             <p14:sldId id="314"/>
@@ -245,7 +236,6 @@
         <p14:section name="Appendix 1. Toolkit" id="{140C5AF1-9C13-4B5F-977F-B85B81A50ACE}">
           <p14:sldIdLst>
             <p14:sldId id="273"/>
-            <p14:sldId id="281"/>
           </p14:sldIdLst>
         </p14:section>
         <p14:section name="4. R and Shiny in production" id="{DF56F766-B511-4984-9667-AEF420E90964}">
@@ -256,10 +246,7 @@
           </p14:sldIdLst>
         </p14:section>
         <p14:section name="Untitled Section" id="{4CF59649-4DBA-4BCE-954A-8FDED2F21914}">
-          <p14:sldIdLst>
-            <p14:sldId id="258"/>
-            <p14:sldId id="259"/>
-          </p14:sldIdLst>
+          <p14:sldIdLst/>
         </p14:section>
       </p14:sectionLst>
     </p:ext>
@@ -8250,7 +8237,7 @@
       </dsp:nvSpPr>
       <dsp:spPr>
         <a:xfrm>
-          <a:off x="2884" y="604951"/>
+          <a:off x="2884" y="859846"/>
           <a:ext cx="1776593" cy="820800"/>
         </a:xfrm>
         <a:prstGeom prst="roundRect">
@@ -8328,7 +8315,7 @@
         </a:p>
       </dsp:txBody>
       <dsp:txXfrm>
-        <a:off x="2884" y="604951"/>
+        <a:off x="2884" y="859846"/>
         <a:ext cx="1776593" cy="547200"/>
       </dsp:txXfrm>
     </dsp:sp>
@@ -8339,7 +8326,7 @@
       </dsp:nvSpPr>
       <dsp:spPr>
         <a:xfrm>
-          <a:off x="100568" y="1275753"/>
+          <a:off x="100568" y="1530648"/>
           <a:ext cx="2308985" cy="1548295"/>
         </a:xfrm>
         <a:prstGeom prst="roundRect">
@@ -8427,7 +8414,7 @@
         </a:p>
       </dsp:txBody>
       <dsp:txXfrm>
-        <a:off x="145916" y="1321101"/>
+        <a:off x="145916" y="1575996"/>
         <a:ext cx="2218289" cy="1457599"/>
       </dsp:txXfrm>
     </dsp:sp>
@@ -8438,7 +8425,7 @@
       </dsp:nvSpPr>
       <dsp:spPr>
         <a:xfrm>
-          <a:off x="2115351" y="657390"/>
+          <a:off x="2115351" y="912285"/>
           <a:ext cx="712053" cy="442320"/>
         </a:xfrm>
         <a:prstGeom prst="rightArrow">
@@ -8497,7 +8484,7 @@
         </a:p>
       </dsp:txBody>
       <dsp:txXfrm>
-        <a:off x="2115351" y="745854"/>
+        <a:off x="2115351" y="1000749"/>
         <a:ext cx="579357" cy="265392"/>
       </dsp:txXfrm>
     </dsp:sp>
@@ -8508,7 +8495,7 @@
       </dsp:nvSpPr>
       <dsp:spPr>
         <a:xfrm>
-          <a:off x="3122974" y="604951"/>
+          <a:off x="3122974" y="859846"/>
           <a:ext cx="1776593" cy="820800"/>
         </a:xfrm>
         <a:prstGeom prst="roundRect">
@@ -8586,7 +8573,7 @@
         </a:p>
       </dsp:txBody>
       <dsp:txXfrm>
-        <a:off x="3122974" y="604951"/>
+        <a:off x="3122974" y="859846"/>
         <a:ext cx="1776593" cy="547200"/>
       </dsp:txXfrm>
     </dsp:sp>
@@ -8597,7 +8584,7 @@
       </dsp:nvSpPr>
       <dsp:spPr>
         <a:xfrm>
-          <a:off x="3273263" y="1275753"/>
+          <a:off x="3273263" y="1530648"/>
           <a:ext cx="2203775" cy="1548295"/>
         </a:xfrm>
         <a:prstGeom prst="roundRect">
@@ -8682,7 +8669,7 @@
         </a:p>
       </dsp:txBody>
       <dsp:txXfrm>
-        <a:off x="3318611" y="1321101"/>
+        <a:off x="3318611" y="1575996"/>
         <a:ext cx="2113079" cy="1457599"/>
       </dsp:txXfrm>
     </dsp:sp>
@@ -8693,7 +8680,7 @@
       </dsp:nvSpPr>
       <dsp:spPr>
         <a:xfrm rot="21571533">
-          <a:off x="5222278" y="644529"/>
+          <a:off x="5222278" y="899424"/>
           <a:ext cx="684195" cy="442320"/>
         </a:xfrm>
         <a:prstGeom prst="rightArrow">
@@ -8752,7 +8739,7 @@
         </a:p>
       </dsp:txBody>
       <dsp:txXfrm>
-        <a:off x="5222280" y="733542"/>
+        <a:off x="5222280" y="988437"/>
         <a:ext cx="551499" cy="265392"/>
       </dsp:txXfrm>
     </dsp:sp>
@@ -8763,7 +8750,7 @@
       </dsp:nvSpPr>
       <dsp:spPr>
         <a:xfrm>
-          <a:off x="6190459" y="579549"/>
+          <a:off x="6190459" y="834444"/>
           <a:ext cx="1776593" cy="820800"/>
         </a:xfrm>
         <a:prstGeom prst="roundRect">
@@ -8832,7 +8819,7 @@
         </a:p>
       </dsp:txBody>
       <dsp:txXfrm>
-        <a:off x="6190459" y="579549"/>
+        <a:off x="6190459" y="834444"/>
         <a:ext cx="1776593" cy="547200"/>
       </dsp:txXfrm>
     </dsp:sp>
@@ -8843,7 +8830,7 @@
       </dsp:nvSpPr>
       <dsp:spPr>
         <a:xfrm>
-          <a:off x="6441739" y="1199547"/>
+          <a:off x="6441739" y="1454442"/>
           <a:ext cx="2001794" cy="1649902"/>
         </a:xfrm>
         <a:prstGeom prst="roundRect">
@@ -8949,7 +8936,7 @@
         </a:p>
       </dsp:txBody>
       <dsp:txXfrm>
-        <a:off x="6490063" y="1247871"/>
+        <a:off x="6490063" y="1502766"/>
         <a:ext cx="1905146" cy="1553254"/>
       </dsp:txXfrm>
     </dsp:sp>
@@ -15358,13 +15345,13 @@
           </a:p>
           <a:p>
             <a:r>
-              <a:rPr lang="nl-NL" b="1"/>
+              <a:rPr lang="nl-NL" b="1" dirty="0"/>
               <a:t># Uitvoeren van het voorbeeld: </a:t>
             </a:r>
           </a:p>
           <a:p>
             <a:r>
-              <a:rPr lang="nl-NL"/>
+              <a:rPr lang="nl-NL" dirty="0" err="1"/>
               <a:t>devtools</a:t>
             </a:r>
             <a:r>
@@ -16476,17 +16463,82 @@
           <a:p>
             <a:r>
               <a:rPr lang="nl-NL" dirty="0"/>
-              <a:t>Zie </a:t>
-            </a:r>
-            <a:r>
-              <a:rPr lang="en-US" b="1" dirty="0" err="1"/>
-              <a:t>example.ui.input.elements.R</a:t>
-            </a:r>
-            <a:r>
-              <a:rPr lang="en-US" b="0" dirty="0"/>
-              <a:t> </a:t>
-            </a:r>
-            <a:endParaRPr lang="nl-NL" b="1" dirty="0"/>
+              <a:t>Voer de volgende stappen uit vanuit het MIE2024 package om bovenstaande te repliceren: </a:t>
+            </a:r>
+          </a:p>
+          <a:p>
+            <a:endParaRPr lang="nl-NL" dirty="0"/>
+          </a:p>
+          <a:p>
+            <a:r>
+              <a:rPr lang="nl-NL" b="1" dirty="0"/>
+              <a:t># Uitvoeren van het voorbeeld: </a:t>
+            </a:r>
+          </a:p>
+          <a:p>
+            <a:r>
+              <a:rPr lang="nl-NL" dirty="0" err="1"/>
+              <a:t>devtools</a:t>
+            </a:r>
+            <a:r>
+              <a:rPr lang="nl-NL" dirty="0"/>
+              <a:t>::</a:t>
+            </a:r>
+            <a:r>
+              <a:rPr lang="nl-NL" dirty="0" err="1"/>
+              <a:t>load_all</a:t>
+            </a:r>
+            <a:r>
+              <a:rPr lang="nl-NL" dirty="0"/>
+              <a:t>()</a:t>
+            </a:r>
+          </a:p>
+          <a:p>
+            <a:r>
+              <a:rPr lang="nl-NL" dirty="0" err="1"/>
+              <a:t>exampleShinyCatMoneyHappy</a:t>
+            </a:r>
+            <a:r>
+              <a:rPr lang="nl-NL" dirty="0"/>
+              <a:t>()</a:t>
+            </a:r>
+          </a:p>
+          <a:p>
+            <a:endParaRPr lang="nl-NL" dirty="0"/>
+          </a:p>
+          <a:p>
+            <a:r>
+              <a:rPr lang="nl-NL" b="1" dirty="0"/>
+              <a:t># Bekijken van de broncode</a:t>
+            </a:r>
+          </a:p>
+          <a:p>
+            <a:r>
+              <a:rPr lang="nl-NL" dirty="0" err="1"/>
+              <a:t>devtools</a:t>
+            </a:r>
+            <a:r>
+              <a:rPr lang="nl-NL" dirty="0"/>
+              <a:t>::</a:t>
+            </a:r>
+            <a:r>
+              <a:rPr lang="nl-NL" dirty="0" err="1"/>
+              <a:t>load_all</a:t>
+            </a:r>
+            <a:r>
+              <a:rPr lang="nl-NL" dirty="0"/>
+              <a:t>()</a:t>
+            </a:r>
+          </a:p>
+          <a:p>
+            <a:r>
+              <a:rPr lang="nl-NL" dirty="0" err="1"/>
+              <a:t>exampleShinyCatMoneyHappy</a:t>
+            </a:r>
+            <a:r>
+              <a:rPr lang="nl-NL" dirty="0"/>
+              <a:t>(type = “view”)</a:t>
+            </a:r>
           </a:p>
         </p:txBody>
       </p:sp>
@@ -16572,17 +16624,82 @@
           <a:p>
             <a:r>
               <a:rPr lang="nl-NL" dirty="0"/>
-              <a:t>Zie </a:t>
-            </a:r>
-            <a:r>
-              <a:rPr lang="en-US" b="1" dirty="0" err="1"/>
-              <a:t>example.ui.input.elements.R</a:t>
-            </a:r>
-            <a:r>
-              <a:rPr lang="en-US" b="0" dirty="0"/>
-              <a:t> </a:t>
-            </a:r>
-            <a:endParaRPr lang="nl-NL" b="1" dirty="0"/>
+              <a:t>Voer de volgende stappen uit vanuit het MIE2024 package om bovenstaande te repliceren: </a:t>
+            </a:r>
+          </a:p>
+          <a:p>
+            <a:endParaRPr lang="nl-NL" dirty="0"/>
+          </a:p>
+          <a:p>
+            <a:r>
+              <a:rPr lang="nl-NL" b="1" dirty="0"/>
+              <a:t># Uitvoeren van het voorbeeld: </a:t>
+            </a:r>
+          </a:p>
+          <a:p>
+            <a:r>
+              <a:rPr lang="nl-NL" dirty="0" err="1"/>
+              <a:t>devtools</a:t>
+            </a:r>
+            <a:r>
+              <a:rPr lang="nl-NL" dirty="0"/>
+              <a:t>::</a:t>
+            </a:r>
+            <a:r>
+              <a:rPr lang="nl-NL" dirty="0" err="1"/>
+              <a:t>load_all</a:t>
+            </a:r>
+            <a:r>
+              <a:rPr lang="nl-NL" dirty="0"/>
+              <a:t>()</a:t>
+            </a:r>
+          </a:p>
+          <a:p>
+            <a:r>
+              <a:rPr lang="nl-NL" dirty="0" err="1"/>
+              <a:t>exampleShinyCatMoneyHappy</a:t>
+            </a:r>
+            <a:r>
+              <a:rPr lang="nl-NL" dirty="0"/>
+              <a:t>()</a:t>
+            </a:r>
+          </a:p>
+          <a:p>
+            <a:endParaRPr lang="nl-NL" dirty="0"/>
+          </a:p>
+          <a:p>
+            <a:r>
+              <a:rPr lang="nl-NL" b="1" dirty="0"/>
+              <a:t># Bekijken van de broncode</a:t>
+            </a:r>
+          </a:p>
+          <a:p>
+            <a:r>
+              <a:rPr lang="nl-NL" dirty="0" err="1"/>
+              <a:t>devtools</a:t>
+            </a:r>
+            <a:r>
+              <a:rPr lang="nl-NL" dirty="0"/>
+              <a:t>::</a:t>
+            </a:r>
+            <a:r>
+              <a:rPr lang="nl-NL" dirty="0" err="1"/>
+              <a:t>load_all</a:t>
+            </a:r>
+            <a:r>
+              <a:rPr lang="nl-NL" dirty="0"/>
+              <a:t>()</a:t>
+            </a:r>
+          </a:p>
+          <a:p>
+            <a:r>
+              <a:rPr lang="nl-NL" dirty="0" err="1"/>
+              <a:t>exampleShinyCatMoneyHappy</a:t>
+            </a:r>
+            <a:r>
+              <a:rPr lang="nl-NL" dirty="0"/>
+              <a:t>(type = “view”)</a:t>
+            </a:r>
           </a:p>
         </p:txBody>
       </p:sp>
@@ -16750,36 +16867,84 @@
           <a:bodyPr/>
           <a:lstStyle/>
           <a:p>
-            <a:pPr marL="0" marR="0" lvl="0" indent="0" algn="l" defTabSz="914400" rtl="0" eaLnBrk="1" fontAlgn="auto" latinLnBrk="0" hangingPunct="1">
-              <a:lnSpc>
-                <a:spcPct val="100000"/>
-              </a:lnSpc>
-              <a:spcBef>
-                <a:spcPts val="0"/>
-              </a:spcBef>
-              <a:spcAft>
-                <a:spcPts val="0"/>
-              </a:spcAft>
-              <a:buClrTx/>
-              <a:buSzTx/>
-              <a:buFontTx/>
-              <a:buNone/>
-              <a:tabLst/>
-              <a:defRPr/>
-            </a:pPr>
             <a:r>
               <a:rPr lang="nl-NL" dirty="0"/>
-              <a:t>Zie voorbeeld </a:t>
-            </a:r>
+              <a:t>Voer de volgende stappen uit vanuit het MIE2024 package om bovenstaande te repliceren: </a:t>
+            </a:r>
+          </a:p>
+          <a:p>
+            <a:endParaRPr lang="nl-NL" dirty="0"/>
+          </a:p>
+          <a:p>
             <a:r>
               <a:rPr lang="nl-NL" b="1" dirty="0"/>
-              <a:t>example.ui.bootstrap.v3.reactivity.R </a:t>
-            </a:r>
-            <a:r>
-              <a:rPr lang="nl-NL" b="0" dirty="0"/>
-              <a:t>uit het MIE2024 package. </a:t>
-            </a:r>
-            <a:endParaRPr lang="nl-NL" b="1" dirty="0"/>
+              <a:t># Uitvoeren van het voorbeeld: </a:t>
+            </a:r>
+          </a:p>
+          <a:p>
+            <a:r>
+              <a:rPr lang="nl-NL" dirty="0" err="1"/>
+              <a:t>devtools</a:t>
+            </a:r>
+            <a:r>
+              <a:rPr lang="nl-NL" dirty="0"/>
+              <a:t>::</a:t>
+            </a:r>
+            <a:r>
+              <a:rPr lang="nl-NL" dirty="0" err="1"/>
+              <a:t>load_all</a:t>
+            </a:r>
+            <a:r>
+              <a:rPr lang="nl-NL" dirty="0"/>
+              <a:t>()</a:t>
+            </a:r>
+          </a:p>
+          <a:p>
+            <a:r>
+              <a:rPr lang="nl-NL" dirty="0" err="1"/>
+              <a:t>exampleShinyCatMoneyHappy</a:t>
+            </a:r>
+            <a:r>
+              <a:rPr lang="nl-NL" dirty="0"/>
+              <a:t>()</a:t>
+            </a:r>
+          </a:p>
+          <a:p>
+            <a:endParaRPr lang="nl-NL" dirty="0"/>
+          </a:p>
+          <a:p>
+            <a:r>
+              <a:rPr lang="nl-NL" b="1" dirty="0"/>
+              <a:t># Bekijken van de broncode</a:t>
+            </a:r>
+          </a:p>
+          <a:p>
+            <a:r>
+              <a:rPr lang="nl-NL" dirty="0" err="1"/>
+              <a:t>devtools</a:t>
+            </a:r>
+            <a:r>
+              <a:rPr lang="nl-NL" dirty="0"/>
+              <a:t>::</a:t>
+            </a:r>
+            <a:r>
+              <a:rPr lang="nl-NL" dirty="0" err="1"/>
+              <a:t>load_all</a:t>
+            </a:r>
+            <a:r>
+              <a:rPr lang="nl-NL" dirty="0"/>
+              <a:t>()</a:t>
+            </a:r>
+          </a:p>
+          <a:p>
+            <a:r>
+              <a:rPr lang="nl-NL" dirty="0" err="1"/>
+              <a:t>exampleShinyCatMoneyHappy</a:t>
+            </a:r>
+            <a:r>
+              <a:rPr lang="nl-NL" dirty="0"/>
+              <a:t>(type = “view”)</a:t>
+            </a:r>
           </a:p>
         </p:txBody>
       </p:sp>
@@ -17103,114 +17268,6 @@
         <p:cNvPr id="1" name="">
           <a:extLst>
             <a:ext uri="{FF2B5EF4-FFF2-40B4-BE49-F238E27FC236}">
-              <a16:creationId xmlns:a16="http://schemas.microsoft.com/office/drawing/2014/main" id="{B1DC0603-6E64-A1FA-9E81-63CC004A0E2B}"/>
-            </a:ext>
-          </a:extLst>
-        </p:cNvPr>
-        <p:cNvGrpSpPr/>
-        <p:nvPr/>
-      </p:nvGrpSpPr>
-      <p:grpSpPr>
-        <a:xfrm>
-          <a:off x="0" y="0"/>
-          <a:ext cx="0" cy="0"/>
-          <a:chOff x="0" y="0"/>
-          <a:chExt cx="0" cy="0"/>
-        </a:xfrm>
-      </p:grpSpPr>
-      <p:sp>
-        <p:nvSpPr>
-          <p:cNvPr id="2" name="Tijdelijke aanduiding voor dia-afbeelding 1">
-            <a:extLst>
-              <a:ext uri="{FF2B5EF4-FFF2-40B4-BE49-F238E27FC236}">
-                <a16:creationId xmlns:a16="http://schemas.microsoft.com/office/drawing/2014/main" id="{3D6BFBA3-B457-7732-0423-76A863C3110F}"/>
-              </a:ext>
-            </a:extLst>
-          </p:cNvPr>
-          <p:cNvSpPr>
-            <a:spLocks noGrp="1" noRot="1" noChangeAspect="1"/>
-          </p:cNvSpPr>
-          <p:nvPr>
-            <p:ph type="sldImg"/>
-          </p:nvPr>
-        </p:nvSpPr>
-        <p:spPr/>
-      </p:sp>
-      <p:sp>
-        <p:nvSpPr>
-          <p:cNvPr id="3" name="Tijdelijke aanduiding voor notities 2">
-            <a:extLst>
-              <a:ext uri="{FF2B5EF4-FFF2-40B4-BE49-F238E27FC236}">
-                <a16:creationId xmlns:a16="http://schemas.microsoft.com/office/drawing/2014/main" id="{811ED65F-E39E-DF39-E844-E9E0FB3A4437}"/>
-              </a:ext>
-            </a:extLst>
-          </p:cNvPr>
-          <p:cNvSpPr>
-            <a:spLocks noGrp="1"/>
-          </p:cNvSpPr>
-          <p:nvPr>
-            <p:ph type="body" idx="1"/>
-          </p:nvPr>
-        </p:nvSpPr>
-        <p:spPr/>
-        <p:txBody>
-          <a:bodyPr/>
-          <a:lstStyle/>
-          <a:p>
-            <a:endParaRPr lang="nl-NL" dirty="0"/>
-          </a:p>
-        </p:txBody>
-      </p:sp>
-      <p:sp>
-        <p:nvSpPr>
-          <p:cNvPr id="4" name="Tijdelijke aanduiding voor dianummer 3">
-            <a:extLst>
-              <a:ext uri="{FF2B5EF4-FFF2-40B4-BE49-F238E27FC236}">
-                <a16:creationId xmlns:a16="http://schemas.microsoft.com/office/drawing/2014/main" id="{747EBE8D-8648-EDD3-F562-B1E4033BA751}"/>
-              </a:ext>
-            </a:extLst>
-          </p:cNvPr>
-          <p:cNvSpPr>
-            <a:spLocks noGrp="1"/>
-          </p:cNvSpPr>
-          <p:nvPr>
-            <p:ph type="sldNum" sz="quarter" idx="5"/>
-          </p:nvPr>
-        </p:nvSpPr>
-        <p:spPr/>
-        <p:txBody>
-          <a:bodyPr/>
-          <a:lstStyle/>
-          <a:p>
-            <a:fld id="{623201EE-611C-429E-B6C7-DF3E08DC77B3}" type="slidenum">
-              <a:rPr lang="nl-NL" smtClean="0"/>
-              <a:t>39</a:t>
-            </a:fld>
-            <a:endParaRPr lang="nl-NL"/>
-          </a:p>
-        </p:txBody>
-      </p:sp>
-    </p:spTree>
-    <p:extLst>
-      <p:ext uri="{BB962C8B-B14F-4D97-AF65-F5344CB8AC3E}">
-        <p14:creationId xmlns:p14="http://schemas.microsoft.com/office/powerpoint/2010/main" val="3647276557"/>
-      </p:ext>
-    </p:extLst>
-  </p:cSld>
-  <p:clrMapOvr>
-    <a:masterClrMapping/>
-  </p:clrMapOvr>
-</p:notes>
-</file>
-
-<file path=ppt/notesSlides/notesSlide32.xml><?xml version="1.0" encoding="utf-8"?>
-<p:notes xmlns:a="http://schemas.openxmlformats.org/drawingml/2006/main" xmlns:r="http://schemas.openxmlformats.org/officeDocument/2006/relationships" xmlns:p="http://schemas.openxmlformats.org/presentationml/2006/main">
-  <p:cSld>
-    <p:spTree>
-      <p:nvGrpSpPr>
-        <p:cNvPr id="1" name="">
-          <a:extLst>
-            <a:ext uri="{FF2B5EF4-FFF2-40B4-BE49-F238E27FC236}">
               <a16:creationId xmlns:a16="http://schemas.microsoft.com/office/drawing/2014/main" id="{E7AE5554-63B9-67F1-16E0-7521D481BE8C}"/>
             </a:ext>
           </a:extLst>
@@ -17265,7 +17322,27 @@
           <a:bodyPr/>
           <a:lstStyle/>
           <a:p>
+            <a:r>
+              <a:rPr lang="nl-NL" dirty="0"/>
+              <a:t>DataIM heeft een pipeline om open antwoorden geautomatiseerd te classificeren. Dit kan geïntegreerd worden in een </a:t>
+            </a:r>
+            <a:r>
+              <a:rPr lang="nl-NL" dirty="0" err="1"/>
+              <a:t>Shiny</a:t>
+            </a:r>
+            <a:r>
+              <a:rPr lang="nl-NL" dirty="0"/>
+              <a:t> dashboard (via een module), of als losse dienst / service worden aangeboden. </a:t>
+            </a:r>
+          </a:p>
+          <a:p>
             <a:endParaRPr lang="nl-NL" dirty="0"/>
+          </a:p>
+          <a:p>
+            <a:r>
+              <a:rPr lang="nl-NL" dirty="0"/>
+              <a:t>Interesse? Neem contact op met David Macro (david@dataim.nl) of Gijs van Blokland (gijs@dataim.nl) </a:t>
+            </a:r>
           </a:p>
         </p:txBody>
       </p:sp>
@@ -17292,7 +17369,7 @@
           <a:p>
             <a:fld id="{623201EE-611C-429E-B6C7-DF3E08DC77B3}" type="slidenum">
               <a:rPr lang="nl-NL" smtClean="0"/>
-              <a:t>40</a:t>
+              <a:t>39</a:t>
             </a:fld>
             <a:endParaRPr lang="nl-NL"/>
           </a:p>
@@ -17311,7 +17388,7 @@
 </p:notes>
 </file>
 
-<file path=ppt/notesSlides/notesSlide33.xml><?xml version="1.0" encoding="utf-8"?>
+<file path=ppt/notesSlides/notesSlide32.xml><?xml version="1.0" encoding="utf-8"?>
 <p:notes xmlns:a="http://schemas.openxmlformats.org/drawingml/2006/main" xmlns:r="http://schemas.openxmlformats.org/officeDocument/2006/relationships" xmlns:p="http://schemas.openxmlformats.org/presentationml/2006/main">
   <p:cSld>
     <p:spTree>
@@ -17376,7 +17453,7 @@
           <a:p>
             <a:fld id="{623201EE-611C-429E-B6C7-DF3E08DC77B3}" type="slidenum">
               <a:rPr lang="nl-NL" smtClean="0"/>
-              <a:t>41</a:t>
+              <a:t>40</a:t>
             </a:fld>
             <a:endParaRPr lang="nl-NL"/>
           </a:p>
@@ -37762,7 +37839,7 @@
         <p:cNvPr id="1" name="">
           <a:extLst>
             <a:ext uri="{FF2B5EF4-FFF2-40B4-BE49-F238E27FC236}">
-              <a16:creationId xmlns:a16="http://schemas.microsoft.com/office/drawing/2014/main" id="{55DEC619-B030-94B6-F964-61103948E92F}"/>
+              <a16:creationId xmlns:a16="http://schemas.microsoft.com/office/drawing/2014/main" id="{0101020E-9B2C-B419-168A-463402F596E1}"/>
             </a:ext>
           </a:extLst>
         </p:cNvPr>
@@ -37782,7 +37859,7 @@
           <p:cNvPr id="8" name="Tijdelijke aanduiding voor inhoud 2">
             <a:extLst>
               <a:ext uri="{FF2B5EF4-FFF2-40B4-BE49-F238E27FC236}">
-                <a16:creationId xmlns:a16="http://schemas.microsoft.com/office/drawing/2014/main" id="{B2CE590D-E137-124E-D507-E570405B942F}"/>
+                <a16:creationId xmlns:a16="http://schemas.microsoft.com/office/drawing/2014/main" id="{20B6EC70-3A7D-C774-C209-04A01AEA6271}"/>
               </a:ext>
             </a:extLst>
           </p:cNvPr>
@@ -37991,7 +38068,7 @@
           <p:cNvPr id="2" name="TextBox 1">
             <a:extLst>
               <a:ext uri="{FF2B5EF4-FFF2-40B4-BE49-F238E27FC236}">
-                <a16:creationId xmlns:a16="http://schemas.microsoft.com/office/drawing/2014/main" id="{8174D192-C5D6-8E3F-D1D8-90008CF13853}"/>
+                <a16:creationId xmlns:a16="http://schemas.microsoft.com/office/drawing/2014/main" id="{0208BDD3-ED39-0A6E-BD50-C4A7B187C110}"/>
               </a:ext>
             </a:extLst>
           </p:cNvPr>
@@ -38036,217 +38113,75 @@
                   <a:schemeClr val="bg1"/>
                 </a:solidFill>
               </a:rPr>
-              <a:t> 1. Using a template</a:t>
+              <a:t>: </a:t>
+            </a:r>
+            <a:r>
+              <a:rPr lang="nl-NL" sz="4000" b="1" dirty="0" err="1">
+                <a:solidFill>
+                  <a:schemeClr val="bg1"/>
+                </a:solidFill>
+              </a:rPr>
+              <a:t>Text</a:t>
+            </a:r>
+            <a:r>
+              <a:rPr lang="nl-NL" sz="4000" b="1" dirty="0">
+                <a:solidFill>
+                  <a:schemeClr val="bg1"/>
+                </a:solidFill>
+              </a:rPr>
+              <a:t> </a:t>
+            </a:r>
+            <a:r>
+              <a:rPr lang="nl-NL" sz="4000" b="1" dirty="0" err="1">
+                <a:solidFill>
+                  <a:schemeClr val="bg1"/>
+                </a:solidFill>
+              </a:rPr>
+              <a:t>mining</a:t>
+            </a:r>
+            <a:r>
+              <a:rPr lang="nl-NL" sz="4000" b="1" dirty="0">
+                <a:solidFill>
+                  <a:schemeClr val="bg1"/>
+                </a:solidFill>
+              </a:rPr>
+              <a:t> </a:t>
             </a:r>
           </a:p>
         </p:txBody>
       </p:sp>
-      <p:sp>
-        <p:nvSpPr>
-          <p:cNvPr id="3" name="TextBox 2">
+      <p:graphicFrame>
+        <p:nvGraphicFramePr>
+          <p:cNvPr id="5" name="Diagram 4">
             <a:extLst>
               <a:ext uri="{FF2B5EF4-FFF2-40B4-BE49-F238E27FC236}">
-                <a16:creationId xmlns:a16="http://schemas.microsoft.com/office/drawing/2014/main" id="{6B614767-494E-8BCB-EE61-D2AD6FB8DDE5}"/>
+                <a16:creationId xmlns:a16="http://schemas.microsoft.com/office/drawing/2014/main" id="{D0A08545-2A99-2EDD-D26B-34ED3E3662F9}"/>
               </a:ext>
             </a:extLst>
           </p:cNvPr>
-          <p:cNvSpPr txBox="1"/>
-          <p:nvPr/>
-        </p:nvSpPr>
-        <p:spPr>
-          <a:xfrm>
-            <a:off x="3216633" y="1324398"/>
-            <a:ext cx="8691513" cy="3416320"/>
-          </a:xfrm>
-          <a:prstGeom prst="rect">
-            <a:avLst/>
-          </a:prstGeom>
-          <a:noFill/>
-        </p:spPr>
-        <p:txBody>
-          <a:bodyPr wrap="square" rtlCol="0">
-            <a:spAutoFit/>
-          </a:bodyPr>
-          <a:lstStyle/>
-          <a:p>
-            <a:pPr marL="342900" indent="-342900">
-              <a:buFont typeface="Arial" panose="020B0604020202020204" pitchFamily="34" charset="0"/>
-              <a:buChar char="•"/>
-            </a:pPr>
-            <a:r>
-              <a:rPr lang="nl-NL" sz="2400" dirty="0" err="1">
-                <a:solidFill>
-                  <a:schemeClr val="bg1"/>
-                </a:solidFill>
-              </a:rPr>
-              <a:t>Standardize</a:t>
-            </a:r>
-            <a:r>
-              <a:rPr lang="nl-NL" sz="2400" dirty="0">
-                <a:solidFill>
-                  <a:schemeClr val="bg1"/>
-                </a:solidFill>
-              </a:rPr>
-              <a:t> </a:t>
-            </a:r>
-            <a:r>
-              <a:rPr lang="nl-NL" sz="2400" dirty="0" err="1">
-                <a:solidFill>
-                  <a:schemeClr val="bg1"/>
-                </a:solidFill>
-              </a:rPr>
-              <a:t>components</a:t>
-            </a:r>
-            <a:endParaRPr lang="nl-NL" sz="2400" dirty="0">
-              <a:solidFill>
-                <a:schemeClr val="bg1"/>
-              </a:solidFill>
-            </a:endParaRPr>
-          </a:p>
-          <a:p>
-            <a:pPr marL="342900" indent="-342900">
-              <a:buFont typeface="Arial" panose="020B0604020202020204" pitchFamily="34" charset="0"/>
-              <a:buChar char="•"/>
-            </a:pPr>
-            <a:endParaRPr lang="nl-NL" sz="2400" dirty="0">
-              <a:solidFill>
-                <a:schemeClr val="bg1"/>
-              </a:solidFill>
-            </a:endParaRPr>
-          </a:p>
-          <a:p>
-            <a:pPr marL="342900" indent="-342900">
-              <a:buFont typeface="Arial" panose="020B0604020202020204" pitchFamily="34" charset="0"/>
-              <a:buChar char="•"/>
-            </a:pPr>
-            <a:r>
-              <a:rPr lang="nl-NL" sz="2400" dirty="0">
-                <a:solidFill>
-                  <a:schemeClr val="bg1"/>
-                </a:solidFill>
-              </a:rPr>
-              <a:t>Taylor </a:t>
-            </a:r>
-            <a:r>
-              <a:rPr lang="nl-NL" sz="2400" dirty="0" err="1">
-                <a:solidFill>
-                  <a:schemeClr val="bg1"/>
-                </a:solidFill>
-              </a:rPr>
-              <a:t>to</a:t>
-            </a:r>
-            <a:r>
-              <a:rPr lang="nl-NL" sz="2400" dirty="0">
-                <a:solidFill>
-                  <a:schemeClr val="bg1"/>
-                </a:solidFill>
-              </a:rPr>
-              <a:t> SPSS dataset </a:t>
-            </a:r>
-          </a:p>
-          <a:p>
-            <a:pPr marL="342900" indent="-342900">
-              <a:buFont typeface="Arial" panose="020B0604020202020204" pitchFamily="34" charset="0"/>
-              <a:buChar char="•"/>
-            </a:pPr>
-            <a:endParaRPr lang="nl-NL" sz="2400" dirty="0">
-              <a:solidFill>
-                <a:schemeClr val="bg1"/>
-              </a:solidFill>
-            </a:endParaRPr>
-          </a:p>
-          <a:p>
-            <a:pPr marL="800100" lvl="1" indent="-342900">
-              <a:buFont typeface="Arial" panose="020B0604020202020204" pitchFamily="34" charset="0"/>
-              <a:buChar char="•"/>
-            </a:pPr>
-            <a:r>
-              <a:rPr lang="nl-NL" sz="2400" dirty="0">
-                <a:solidFill>
-                  <a:schemeClr val="bg1"/>
-                </a:solidFill>
-              </a:rPr>
-              <a:t>Labels </a:t>
-            </a:r>
-            <a:r>
-              <a:rPr lang="nl-NL" sz="2400" dirty="0" err="1">
-                <a:solidFill>
-                  <a:schemeClr val="bg1"/>
-                </a:solidFill>
-              </a:rPr>
-              <a:t>vs</a:t>
-            </a:r>
-            <a:r>
-              <a:rPr lang="nl-NL" sz="2400" dirty="0">
-                <a:solidFill>
-                  <a:schemeClr val="bg1"/>
-                </a:solidFill>
-              </a:rPr>
-              <a:t> </a:t>
-            </a:r>
-            <a:r>
-              <a:rPr lang="nl-NL" sz="2400" dirty="0" err="1">
-                <a:solidFill>
-                  <a:schemeClr val="bg1"/>
-                </a:solidFill>
-              </a:rPr>
-              <a:t>values</a:t>
-            </a:r>
-            <a:r>
-              <a:rPr lang="nl-NL" sz="2400" dirty="0">
-                <a:solidFill>
-                  <a:schemeClr val="bg1"/>
-                </a:solidFill>
-              </a:rPr>
-              <a:t> </a:t>
-            </a:r>
-          </a:p>
-          <a:p>
-            <a:endParaRPr lang="nl-NL" sz="2400" dirty="0">
-              <a:solidFill>
-                <a:schemeClr val="bg1"/>
-              </a:solidFill>
-            </a:endParaRPr>
-          </a:p>
-          <a:p>
-            <a:pPr marL="342900" indent="-342900">
-              <a:buFont typeface="Arial" panose="020B0604020202020204" pitchFamily="34" charset="0"/>
-              <a:buChar char="•"/>
-            </a:pPr>
-            <a:endParaRPr lang="nl-NL" sz="2400" dirty="0">
-              <a:solidFill>
-                <a:schemeClr val="bg1"/>
-              </a:solidFill>
-            </a:endParaRPr>
-          </a:p>
-          <a:p>
-            <a:pPr marL="342900" indent="-342900">
-              <a:buFont typeface="Arial" panose="020B0604020202020204" pitchFamily="34" charset="0"/>
-              <a:buChar char="•"/>
-            </a:pPr>
-            <a:endParaRPr lang="nl-NL" sz="2400" dirty="0">
-              <a:solidFill>
-                <a:schemeClr val="bg1"/>
-              </a:solidFill>
-            </a:endParaRPr>
-          </a:p>
-          <a:p>
-            <a:pPr marL="342900" indent="-342900">
-              <a:buFont typeface="Arial" panose="020B0604020202020204" pitchFamily="34" charset="0"/>
-              <a:buChar char="•"/>
-            </a:pPr>
-            <a:endParaRPr lang="nl-NL" sz="2400" dirty="0">
-              <a:solidFill>
-                <a:schemeClr val="bg1"/>
-              </a:solidFill>
-            </a:endParaRPr>
-          </a:p>
-        </p:txBody>
-      </p:sp>
+          <p:cNvGraphicFramePr/>
+          <p:nvPr>
+            <p:extLst>
+              <p:ext uri="{D42A27DB-BD31-4B8C-83A1-F6EECF244321}">
+                <p14:modId xmlns:p14="http://schemas.microsoft.com/office/powerpoint/2010/main" val="3255391718"/>
+              </p:ext>
+            </p:extLst>
+          </p:nvPr>
+        </p:nvGraphicFramePr>
+        <p:xfrm>
+          <a:off x="3504282" y="1181100"/>
+          <a:ext cx="8446418" cy="3938790"/>
+        </p:xfrm>
+        <a:graphic>
+          <a:graphicData uri="http://schemas.openxmlformats.org/drawingml/2006/diagram">
+            <dgm:relIds xmlns:dgm="http://schemas.openxmlformats.org/drawingml/2006/diagram" xmlns:r="http://schemas.openxmlformats.org/officeDocument/2006/relationships" r:dm="rId4" r:lo="rId5" r:qs="rId6" r:cs="rId7"/>
+          </a:graphicData>
+        </a:graphic>
+      </p:graphicFrame>
     </p:spTree>
     <p:extLst>
       <p:ext uri="{BB962C8B-B14F-4D97-AF65-F5344CB8AC3E}">
-        <p14:creationId xmlns:p14="http://schemas.microsoft.com/office/powerpoint/2010/main" val="570216721"/>
+        <p14:creationId xmlns:p14="http://schemas.microsoft.com/office/powerpoint/2010/main" val="2927407834"/>
       </p:ext>
     </p:extLst>
   </p:cSld>
@@ -38878,7 +38813,7 @@
         <p:cNvPr id="1" name="">
           <a:extLst>
             <a:ext uri="{FF2B5EF4-FFF2-40B4-BE49-F238E27FC236}">
-              <a16:creationId xmlns:a16="http://schemas.microsoft.com/office/drawing/2014/main" id="{0101020E-9B2C-B419-168A-463402F596E1}"/>
+              <a16:creationId xmlns:a16="http://schemas.microsoft.com/office/drawing/2014/main" id="{5402F162-2121-962E-72A2-8575F56AB7FA}"/>
             </a:ext>
           </a:extLst>
         </p:cNvPr>
@@ -38898,7 +38833,7 @@
           <p:cNvPr id="8" name="Tijdelijke aanduiding voor inhoud 2">
             <a:extLst>
               <a:ext uri="{FF2B5EF4-FFF2-40B4-BE49-F238E27FC236}">
-                <a16:creationId xmlns:a16="http://schemas.microsoft.com/office/drawing/2014/main" id="{20B6EC70-3A7D-C774-C209-04A01AEA6271}"/>
+                <a16:creationId xmlns:a16="http://schemas.microsoft.com/office/drawing/2014/main" id="{D4249E15-B08C-2580-5B99-2631767A47D7}"/>
               </a:ext>
             </a:extLst>
           </p:cNvPr>
@@ -39107,7 +39042,7 @@
           <p:cNvPr id="2" name="TextBox 1">
             <a:extLst>
               <a:ext uri="{FF2B5EF4-FFF2-40B4-BE49-F238E27FC236}">
-                <a16:creationId xmlns:a16="http://schemas.microsoft.com/office/drawing/2014/main" id="{0208BDD3-ED39-0A6E-BD50-C4A7B187C110}"/>
+                <a16:creationId xmlns:a16="http://schemas.microsoft.com/office/drawing/2014/main" id="{336C9C45-0991-5BC2-930F-052101A8191D}"/>
               </a:ext>
             </a:extLst>
           </p:cNvPr>
@@ -39116,8 +39051,8 @@
         </p:nvSpPr>
         <p:spPr>
           <a:xfrm>
-            <a:off x="3186258" y="301657"/>
-            <a:ext cx="9005742" cy="707886"/>
+            <a:off x="3186260" y="301657"/>
+            <a:ext cx="6947554" cy="707886"/>
           </a:xfrm>
           <a:prstGeom prst="rect">
             <a:avLst/>
@@ -39136,7 +39071,7 @@
                   <a:schemeClr val="bg1"/>
                 </a:solidFill>
               </a:rPr>
-              <a:t>Case </a:t>
+              <a:t>R + </a:t>
             </a:r>
             <a:r>
               <a:rPr lang="nl-NL" sz="4000" b="1" dirty="0" err="1">
@@ -39144,7 +39079,7 @@
                   <a:schemeClr val="bg1"/>
                 </a:solidFill>
               </a:rPr>
-              <a:t>study</a:t>
+              <a:t>Shiny</a:t>
             </a:r>
             <a:r>
               <a:rPr lang="nl-NL" sz="4000" b="1" dirty="0">
@@ -39152,7 +39087,7 @@
                   <a:schemeClr val="bg1"/>
                 </a:solidFill>
               </a:rPr>
-              <a:t> 2. </a:t>
+              <a:t>: </a:t>
             </a:r>
             <a:r>
               <a:rPr lang="nl-NL" sz="4000" b="1" dirty="0" err="1">
@@ -39160,7 +39095,7 @@
                   <a:schemeClr val="bg1"/>
                 </a:solidFill>
               </a:rPr>
-              <a:t>Text</a:t>
+              <a:t>What’s</a:t>
             </a:r>
             <a:r>
               <a:rPr lang="nl-NL" sz="4000" b="1" dirty="0">
@@ -39168,59 +39103,529 @@
                   <a:schemeClr val="bg1"/>
                 </a:solidFill>
               </a:rPr>
-              <a:t> </a:t>
-            </a:r>
-            <a:r>
-              <a:rPr lang="nl-NL" sz="4000" b="1" dirty="0" err="1">
-                <a:solidFill>
-                  <a:schemeClr val="bg1"/>
-                </a:solidFill>
-              </a:rPr>
-              <a:t>mining</a:t>
-            </a:r>
-            <a:r>
-              <a:rPr lang="nl-NL" sz="4000" b="1" dirty="0">
-                <a:solidFill>
-                  <a:schemeClr val="bg1"/>
-                </a:solidFill>
-              </a:rPr>
-              <a:t> </a:t>
+              <a:t> next?</a:t>
             </a:r>
           </a:p>
         </p:txBody>
       </p:sp>
-      <p:graphicFrame>
-        <p:nvGraphicFramePr>
-          <p:cNvPr id="5" name="Diagram 4">
+      <p:sp>
+        <p:nvSpPr>
+          <p:cNvPr id="5" name="TextBox 4">
             <a:extLst>
               <a:ext uri="{FF2B5EF4-FFF2-40B4-BE49-F238E27FC236}">
-                <a16:creationId xmlns:a16="http://schemas.microsoft.com/office/drawing/2014/main" id="{D0A08545-2A99-2EDD-D26B-34ED3E3662F9}"/>
+                <a16:creationId xmlns:a16="http://schemas.microsoft.com/office/drawing/2014/main" id="{5029F3AE-DDE2-E4E4-9F9F-C4E4EBAE2A56}"/>
               </a:ext>
             </a:extLst>
           </p:cNvPr>
-          <p:cNvGraphicFramePr/>
-          <p:nvPr>
-            <p:extLst>
-              <p:ext uri="{D42A27DB-BD31-4B8C-83A1-F6EECF244321}">
-                <p14:modId xmlns:p14="http://schemas.microsoft.com/office/powerpoint/2010/main" val="3229423318"/>
-              </p:ext>
-            </p:extLst>
-          </p:nvPr>
-        </p:nvGraphicFramePr>
-        <p:xfrm>
-          <a:off x="3504282" y="1181100"/>
-          <a:ext cx="8446418" cy="3429000"/>
-        </p:xfrm>
-        <a:graphic>
-          <a:graphicData uri="http://schemas.openxmlformats.org/drawingml/2006/diagram">
-            <dgm:relIds xmlns:dgm="http://schemas.openxmlformats.org/drawingml/2006/diagram" xmlns:r="http://schemas.openxmlformats.org/officeDocument/2006/relationships" r:dm="rId4" r:lo="rId5" r:qs="rId6" r:cs="rId7"/>
-          </a:graphicData>
-        </a:graphic>
-      </p:graphicFrame>
+          <p:cNvSpPr txBox="1"/>
+          <p:nvPr/>
+        </p:nvSpPr>
+        <p:spPr>
+          <a:xfrm>
+            <a:off x="3186259" y="1324398"/>
+            <a:ext cx="8434239" cy="6001643"/>
+          </a:xfrm>
+          <a:prstGeom prst="rect">
+            <a:avLst/>
+          </a:prstGeom>
+          <a:noFill/>
+        </p:spPr>
+        <p:txBody>
+          <a:bodyPr wrap="square" rtlCol="0">
+            <a:spAutoFit/>
+          </a:bodyPr>
+          <a:lstStyle/>
+          <a:p>
+            <a:pPr marL="342900" indent="-342900">
+              <a:buFont typeface="Arial" panose="020B0604020202020204" pitchFamily="34" charset="0"/>
+              <a:buChar char="•"/>
+            </a:pPr>
+            <a:r>
+              <a:rPr lang="nl-NL" sz="2400" b="1" dirty="0" err="1">
+                <a:solidFill>
+                  <a:schemeClr val="bg1"/>
+                </a:solidFill>
+              </a:rPr>
+              <a:t>Build</a:t>
+            </a:r>
+            <a:r>
+              <a:rPr lang="nl-NL" sz="2400" b="1" dirty="0">
+                <a:solidFill>
+                  <a:schemeClr val="bg1"/>
+                </a:solidFill>
+              </a:rPr>
+              <a:t> </a:t>
+            </a:r>
+            <a:r>
+              <a:rPr lang="nl-NL" sz="2400" b="1" dirty="0" err="1">
+                <a:solidFill>
+                  <a:schemeClr val="bg1"/>
+                </a:solidFill>
+              </a:rPr>
+              <a:t>your</a:t>
+            </a:r>
+            <a:r>
+              <a:rPr lang="nl-NL" sz="2400" b="1" dirty="0">
+                <a:solidFill>
+                  <a:schemeClr val="bg1"/>
+                </a:solidFill>
+              </a:rPr>
+              <a:t> </a:t>
+            </a:r>
+            <a:r>
+              <a:rPr lang="nl-NL" sz="2400" b="1" dirty="0" err="1">
+                <a:solidFill>
+                  <a:schemeClr val="bg1"/>
+                </a:solidFill>
+              </a:rPr>
+              <a:t>own</a:t>
+            </a:r>
+            <a:r>
+              <a:rPr lang="nl-NL" sz="2400" b="1" dirty="0">
+                <a:solidFill>
+                  <a:schemeClr val="bg1"/>
+                </a:solidFill>
+              </a:rPr>
+              <a:t> dashboard</a:t>
+            </a:r>
+          </a:p>
+          <a:p>
+            <a:pPr marL="342900" indent="-342900">
+              <a:buFont typeface="Arial" panose="020B0604020202020204" pitchFamily="34" charset="0"/>
+              <a:buChar char="•"/>
+            </a:pPr>
+            <a:endParaRPr lang="nl-NL" sz="2400" b="1" dirty="0">
+              <a:solidFill>
+                <a:schemeClr val="bg1"/>
+              </a:solidFill>
+            </a:endParaRPr>
+          </a:p>
+          <a:p>
+            <a:pPr marL="342900" indent="-342900">
+              <a:buFont typeface="Arial" panose="020B0604020202020204" pitchFamily="34" charset="0"/>
+              <a:buChar char="•"/>
+            </a:pPr>
+            <a:r>
+              <a:rPr lang="nl-NL" sz="2400" b="1" dirty="0">
+                <a:solidFill>
+                  <a:schemeClr val="bg1"/>
+                </a:solidFill>
+              </a:rPr>
+              <a:t>Share </a:t>
+            </a:r>
+            <a:r>
+              <a:rPr lang="nl-NL" sz="2400" b="1" dirty="0" err="1">
+                <a:solidFill>
+                  <a:schemeClr val="bg1"/>
+                </a:solidFill>
+              </a:rPr>
+              <a:t>the</a:t>
+            </a:r>
+            <a:r>
+              <a:rPr lang="nl-NL" sz="2400" b="1" dirty="0">
+                <a:solidFill>
+                  <a:schemeClr val="bg1"/>
+                </a:solidFill>
+              </a:rPr>
+              <a:t> dashboard </a:t>
+            </a:r>
+            <a:r>
+              <a:rPr lang="nl-NL" sz="2400" b="1" dirty="0" err="1">
+                <a:solidFill>
+                  <a:schemeClr val="bg1"/>
+                </a:solidFill>
+              </a:rPr>
+              <a:t>with</a:t>
+            </a:r>
+            <a:r>
+              <a:rPr lang="nl-NL" sz="2400" b="1" dirty="0">
+                <a:solidFill>
+                  <a:schemeClr val="bg1"/>
+                </a:solidFill>
+              </a:rPr>
+              <a:t> </a:t>
+            </a:r>
+            <a:r>
+              <a:rPr lang="nl-NL" sz="2400" b="1" dirty="0" err="1">
+                <a:solidFill>
+                  <a:schemeClr val="bg1"/>
+                </a:solidFill>
+              </a:rPr>
+              <a:t>others</a:t>
+            </a:r>
+            <a:endParaRPr lang="nl-NL" sz="2400" b="1" dirty="0">
+              <a:solidFill>
+                <a:schemeClr val="bg1"/>
+              </a:solidFill>
+            </a:endParaRPr>
+          </a:p>
+          <a:p>
+            <a:pPr marL="800100" lvl="1" indent="-342900">
+              <a:buFont typeface="Arial" panose="020B0604020202020204" pitchFamily="34" charset="0"/>
+              <a:buChar char="•"/>
+            </a:pPr>
+            <a:endParaRPr lang="nl-NL" sz="2400" b="1" dirty="0">
+              <a:solidFill>
+                <a:schemeClr val="bg1"/>
+              </a:solidFill>
+            </a:endParaRPr>
+          </a:p>
+          <a:p>
+            <a:pPr marL="342900" indent="-342900">
+              <a:buFont typeface="Arial" panose="020B0604020202020204" pitchFamily="34" charset="0"/>
+              <a:buChar char="•"/>
+            </a:pPr>
+            <a:r>
+              <a:rPr lang="nl-NL" sz="2400" b="1" dirty="0" err="1">
+                <a:solidFill>
+                  <a:schemeClr val="bg1"/>
+                </a:solidFill>
+              </a:rPr>
+              <a:t>Need</a:t>
+            </a:r>
+            <a:r>
+              <a:rPr lang="nl-NL" sz="2400" b="1" dirty="0">
+                <a:solidFill>
+                  <a:schemeClr val="bg1"/>
+                </a:solidFill>
+              </a:rPr>
+              <a:t> help? DataIM offers: </a:t>
+            </a:r>
+          </a:p>
+          <a:p>
+            <a:pPr marL="342900" indent="-342900">
+              <a:buFont typeface="Arial" panose="020B0604020202020204" pitchFamily="34" charset="0"/>
+              <a:buChar char="•"/>
+            </a:pPr>
+            <a:endParaRPr lang="nl-NL" sz="2400" b="1" dirty="0">
+              <a:solidFill>
+                <a:schemeClr val="bg1"/>
+              </a:solidFill>
+            </a:endParaRPr>
+          </a:p>
+          <a:p>
+            <a:pPr marL="800100" lvl="1" indent="-342900">
+              <a:buFont typeface="Arial" panose="020B0604020202020204" pitchFamily="34" charset="0"/>
+              <a:buChar char="•"/>
+            </a:pPr>
+            <a:r>
+              <a:rPr lang="nl-NL" sz="2400" b="1" dirty="0">
+                <a:solidFill>
+                  <a:schemeClr val="bg1"/>
+                </a:solidFill>
+              </a:rPr>
+              <a:t>Training </a:t>
+            </a:r>
+            <a:r>
+              <a:rPr lang="nl-NL" sz="2400" b="1" dirty="0" err="1">
+                <a:solidFill>
+                  <a:schemeClr val="bg1"/>
+                </a:solidFill>
+              </a:rPr>
+              <a:t>and</a:t>
+            </a:r>
+            <a:r>
+              <a:rPr lang="nl-NL" sz="2400" b="1" dirty="0">
+                <a:solidFill>
+                  <a:schemeClr val="bg1"/>
+                </a:solidFill>
+              </a:rPr>
+              <a:t> consultancy </a:t>
+            </a:r>
+            <a:r>
+              <a:rPr lang="nl-NL" sz="2400" b="1" dirty="0" err="1">
+                <a:solidFill>
+                  <a:schemeClr val="bg1"/>
+                </a:solidFill>
+              </a:rPr>
+              <a:t>tailored</a:t>
+            </a:r>
+            <a:r>
+              <a:rPr lang="nl-NL" sz="2400" b="1" dirty="0">
+                <a:solidFill>
+                  <a:schemeClr val="bg1"/>
+                </a:solidFill>
+              </a:rPr>
+              <a:t> </a:t>
+            </a:r>
+            <a:r>
+              <a:rPr lang="nl-NL" sz="2400" b="1" dirty="0" err="1">
+                <a:solidFill>
+                  <a:schemeClr val="bg1"/>
+                </a:solidFill>
+              </a:rPr>
+              <a:t>to</a:t>
+            </a:r>
+            <a:r>
+              <a:rPr lang="nl-NL" sz="2400" b="1" dirty="0">
+                <a:solidFill>
+                  <a:schemeClr val="bg1"/>
+                </a:solidFill>
+              </a:rPr>
+              <a:t> </a:t>
+            </a:r>
+            <a:r>
+              <a:rPr lang="nl-NL" sz="2400" b="1" dirty="0" err="1">
+                <a:solidFill>
+                  <a:schemeClr val="bg1"/>
+                </a:solidFill>
+              </a:rPr>
+              <a:t>your</a:t>
+            </a:r>
+            <a:r>
+              <a:rPr lang="nl-NL" sz="2400" b="1" dirty="0">
+                <a:solidFill>
+                  <a:schemeClr val="bg1"/>
+                </a:solidFill>
+              </a:rPr>
+              <a:t> research project/team</a:t>
+            </a:r>
+          </a:p>
+          <a:p>
+            <a:pPr marL="800100" lvl="1" indent="-342900">
+              <a:buFont typeface="Arial" panose="020B0604020202020204" pitchFamily="34" charset="0"/>
+              <a:buChar char="•"/>
+            </a:pPr>
+            <a:endParaRPr lang="nl-NL" sz="2400" b="1" dirty="0">
+              <a:solidFill>
+                <a:schemeClr val="bg1"/>
+              </a:solidFill>
+            </a:endParaRPr>
+          </a:p>
+          <a:p>
+            <a:pPr marL="800100" lvl="1" indent="-342900">
+              <a:buFont typeface="Arial" panose="020B0604020202020204" pitchFamily="34" charset="0"/>
+              <a:buChar char="•"/>
+            </a:pPr>
+            <a:r>
+              <a:rPr lang="nl-NL" sz="2400" b="1" dirty="0">
+                <a:solidFill>
+                  <a:schemeClr val="bg1"/>
+                </a:solidFill>
+              </a:rPr>
+              <a:t>A </a:t>
+            </a:r>
+            <a:r>
+              <a:rPr lang="nl-NL" sz="2400" b="1" dirty="0" err="1">
+                <a:solidFill>
+                  <a:schemeClr val="bg1"/>
+                </a:solidFill>
+              </a:rPr>
+              <a:t>standardized</a:t>
+            </a:r>
+            <a:r>
+              <a:rPr lang="nl-NL" sz="2400" b="1" dirty="0">
+                <a:solidFill>
+                  <a:schemeClr val="bg1"/>
+                </a:solidFill>
+              </a:rPr>
+              <a:t> template </a:t>
+            </a:r>
+            <a:r>
+              <a:rPr lang="nl-NL" sz="2400" b="1" dirty="0" err="1">
+                <a:solidFill>
+                  <a:schemeClr val="bg1"/>
+                </a:solidFill>
+              </a:rPr>
+              <a:t>for</a:t>
+            </a:r>
+            <a:r>
+              <a:rPr lang="nl-NL" sz="2400" b="1" dirty="0">
+                <a:solidFill>
+                  <a:schemeClr val="bg1"/>
+                </a:solidFill>
+              </a:rPr>
+              <a:t> building a </a:t>
+            </a:r>
+            <a:r>
+              <a:rPr lang="nl-NL" sz="2400" b="1" dirty="0" err="1">
+                <a:solidFill>
+                  <a:schemeClr val="bg1"/>
+                </a:solidFill>
+              </a:rPr>
+              <a:t>Shiny</a:t>
+            </a:r>
+            <a:r>
+              <a:rPr lang="nl-NL" sz="2400" b="1" dirty="0">
+                <a:solidFill>
+                  <a:schemeClr val="bg1"/>
+                </a:solidFill>
+              </a:rPr>
+              <a:t> dashboard on a survey dataset </a:t>
+            </a:r>
+          </a:p>
+          <a:p>
+            <a:pPr marL="800100" lvl="1" indent="-342900">
+              <a:buFont typeface="Arial" panose="020B0604020202020204" pitchFamily="34" charset="0"/>
+              <a:buChar char="•"/>
+            </a:pPr>
+            <a:endParaRPr lang="nl-NL" sz="2400" b="1" dirty="0">
+              <a:solidFill>
+                <a:schemeClr val="bg1"/>
+              </a:solidFill>
+            </a:endParaRPr>
+          </a:p>
+          <a:p>
+            <a:pPr marL="800100" lvl="1" indent="-342900">
+              <a:buFont typeface="Arial" panose="020B0604020202020204" pitchFamily="34" charset="0"/>
+              <a:buChar char="•"/>
+            </a:pPr>
+            <a:r>
+              <a:rPr lang="nl-NL" sz="2400" b="1" dirty="0" err="1">
+                <a:solidFill>
+                  <a:schemeClr val="bg1"/>
+                </a:solidFill>
+              </a:rPr>
+              <a:t>Managed</a:t>
+            </a:r>
+            <a:r>
+              <a:rPr lang="nl-NL" sz="2400" b="1" dirty="0">
+                <a:solidFill>
+                  <a:schemeClr val="bg1"/>
+                </a:solidFill>
+              </a:rPr>
+              <a:t> hosting </a:t>
+            </a:r>
+            <a:r>
+              <a:rPr lang="nl-NL" sz="2400" b="1" dirty="0" err="1">
+                <a:solidFill>
+                  <a:schemeClr val="bg1"/>
+                </a:solidFill>
+              </a:rPr>
+              <a:t>for</a:t>
+            </a:r>
+            <a:r>
+              <a:rPr lang="nl-NL" sz="2400" b="1" dirty="0">
+                <a:solidFill>
+                  <a:schemeClr val="bg1"/>
+                </a:solidFill>
+              </a:rPr>
+              <a:t> </a:t>
+            </a:r>
+            <a:r>
+              <a:rPr lang="nl-NL" sz="2400" b="1" dirty="0" err="1">
+                <a:solidFill>
+                  <a:schemeClr val="bg1"/>
+                </a:solidFill>
+              </a:rPr>
+              <a:t>Shiny</a:t>
+            </a:r>
+            <a:r>
+              <a:rPr lang="nl-NL" sz="2400" b="1" dirty="0">
+                <a:solidFill>
+                  <a:schemeClr val="bg1"/>
+                </a:solidFill>
+              </a:rPr>
+              <a:t> </a:t>
+            </a:r>
+            <a:r>
+              <a:rPr lang="nl-NL" sz="2400" b="1" dirty="0" err="1">
+                <a:solidFill>
+                  <a:schemeClr val="bg1"/>
+                </a:solidFill>
+              </a:rPr>
+              <a:t>projects</a:t>
+            </a:r>
+            <a:r>
+              <a:rPr lang="nl-NL" sz="2400" b="1" dirty="0">
+                <a:solidFill>
+                  <a:schemeClr val="bg1"/>
+                </a:solidFill>
+              </a:rPr>
+              <a:t> (</a:t>
+            </a:r>
+            <a:r>
+              <a:rPr lang="nl-NL" sz="2400" b="1" dirty="0" err="1">
+                <a:solidFill>
+                  <a:schemeClr val="bg1"/>
+                </a:solidFill>
+              </a:rPr>
+              <a:t>inside</a:t>
+            </a:r>
+            <a:r>
+              <a:rPr lang="nl-NL" sz="2400" b="1" dirty="0">
+                <a:solidFill>
+                  <a:schemeClr val="bg1"/>
+                </a:solidFill>
+              </a:rPr>
+              <a:t> EU/UU, GDPR compliant)</a:t>
+            </a:r>
+          </a:p>
+          <a:p>
+            <a:pPr marL="800100" lvl="1" indent="-342900">
+              <a:buFont typeface="Arial" panose="020B0604020202020204" pitchFamily="34" charset="0"/>
+              <a:buChar char="•"/>
+            </a:pPr>
+            <a:endParaRPr lang="nl-NL" sz="2400" b="1" dirty="0">
+              <a:solidFill>
+                <a:schemeClr val="bg1"/>
+              </a:solidFill>
+            </a:endParaRPr>
+          </a:p>
+          <a:p>
+            <a:pPr marL="800100" lvl="1" indent="-342900">
+              <a:buFont typeface="Arial" panose="020B0604020202020204" pitchFamily="34" charset="0"/>
+              <a:buChar char="•"/>
+            </a:pPr>
+            <a:endParaRPr lang="nl-NL" sz="2400" b="1" dirty="0">
+              <a:solidFill>
+                <a:schemeClr val="bg1"/>
+              </a:solidFill>
+            </a:endParaRPr>
+          </a:p>
+        </p:txBody>
+      </p:sp>
+      <p:pic>
+        <p:nvPicPr>
+          <p:cNvPr id="3" name="Picture 2" descr="Login">
+            <a:extLst>
+              <a:ext uri="{FF2B5EF4-FFF2-40B4-BE49-F238E27FC236}">
+                <a16:creationId xmlns:a16="http://schemas.microsoft.com/office/drawing/2014/main" id="{D25DDED3-760C-8C66-D87A-76C985B5051A}"/>
+              </a:ext>
+            </a:extLst>
+          </p:cNvPr>
+          <p:cNvPicPr>
+            <a:picLocks noChangeAspect="1" noChangeArrowheads="1"/>
+          </p:cNvPicPr>
+          <p:nvPr/>
+        </p:nvPicPr>
+        <p:blipFill>
+          <a:blip r:embed="rId4">
+            <a:extLst>
+              <a:ext uri="{28A0092B-C50C-407E-A947-70E740481C1C}">
+                <a14:useLocalDpi xmlns:a14="http://schemas.microsoft.com/office/drawing/2010/main" val="0"/>
+              </a:ext>
+            </a:extLst>
+          </a:blip>
+          <a:srcRect/>
+          <a:stretch>
+            <a:fillRect/>
+          </a:stretch>
+        </p:blipFill>
+        <p:spPr bwMode="auto">
+          <a:xfrm>
+            <a:off x="9963083" y="6260123"/>
+            <a:ext cx="1975438" cy="474105"/>
+          </a:xfrm>
+          <a:prstGeom prst="rect">
+            <a:avLst/>
+          </a:prstGeom>
+          <a:noFill/>
+          <a:extLst>
+            <a:ext uri="{909E8E84-426E-40DD-AFC4-6F175D3DCCD1}">
+              <a14:hiddenFill xmlns:a14="http://schemas.microsoft.com/office/drawing/2010/main">
+                <a:solidFill>
+                  <a:srgbClr val="FFFFFF"/>
+                </a:solidFill>
+              </a14:hiddenFill>
+            </a:ext>
+          </a:extLst>
+        </p:spPr>
+      </p:pic>
     </p:spTree>
     <p:extLst>
       <p:ext uri="{BB962C8B-B14F-4D97-AF65-F5344CB8AC3E}">
-        <p14:creationId xmlns:p14="http://schemas.microsoft.com/office/powerpoint/2010/main" val="2927407834"/>
+        <p14:creationId xmlns:p14="http://schemas.microsoft.com/office/powerpoint/2010/main" val="1938913840"/>
       </p:ext>
     </p:extLst>
   </p:cSld>
@@ -39236,7 +39641,7 @@
     <p:bg>
       <p:bgPr>
         <a:blipFill dpi="0" rotWithShape="1">
-          <a:blip r:embed="rId3">
+          <a:blip r:embed="rId2">
             <a:lum/>
           </a:blip>
           <a:srcRect/>
@@ -39481,7 +39886,7 @@
           <p:cNvPr id="2" name="TextBox 1">
             <a:extLst>
               <a:ext uri="{FF2B5EF4-FFF2-40B4-BE49-F238E27FC236}">
-                <a16:creationId xmlns:a16="http://schemas.microsoft.com/office/drawing/2014/main" id="{336C9C45-0991-5BC2-930F-052101A8191D}"/>
+                <a16:creationId xmlns:a16="http://schemas.microsoft.com/office/drawing/2014/main" id="{8CB4DC81-52F5-3C32-997C-979F0BE27553}"/>
               </a:ext>
             </a:extLst>
           </p:cNvPr>
@@ -39490,8 +39895,8 @@
         </p:nvSpPr>
         <p:spPr>
           <a:xfrm>
-            <a:off x="3186260" y="301657"/>
-            <a:ext cx="6947554" cy="707886"/>
+            <a:off x="3186258" y="301657"/>
+            <a:ext cx="9005742" cy="707886"/>
           </a:xfrm>
           <a:prstGeom prst="rect">
             <a:avLst/>
@@ -39510,33 +39915,17 @@
                   <a:schemeClr val="bg1"/>
                 </a:solidFill>
               </a:rPr>
-              <a:t>7. </a:t>
-            </a:r>
-            <a:r>
-              <a:rPr lang="nl-NL" sz="4000" b="1" dirty="0" err="1">
-                <a:solidFill>
-                  <a:schemeClr val="bg1"/>
-                </a:solidFill>
-              </a:rPr>
-              <a:t>What’s</a:t>
-            </a:r>
-            <a:r>
-              <a:rPr lang="nl-NL" sz="4000" b="1" dirty="0">
-                <a:solidFill>
-                  <a:schemeClr val="bg1"/>
-                </a:solidFill>
-              </a:rPr>
-              <a:t> next?</a:t>
+              <a:t>Appendix 1. Toolkit</a:t>
             </a:r>
           </a:p>
         </p:txBody>
       </p:sp>
       <p:sp>
         <p:nvSpPr>
-          <p:cNvPr id="5" name="TextBox 4">
+          <p:cNvPr id="3" name="TextBox 2">
             <a:extLst>
               <a:ext uri="{FF2B5EF4-FFF2-40B4-BE49-F238E27FC236}">
-                <a16:creationId xmlns:a16="http://schemas.microsoft.com/office/drawing/2014/main" id="{5029F3AE-DDE2-E4E4-9F9F-C4E4EBAE2A56}"/>
+                <a16:creationId xmlns:a16="http://schemas.microsoft.com/office/drawing/2014/main" id="{A2666A68-35D1-D74C-6435-CB5CE8188747}"/>
               </a:ext>
             </a:extLst>
           </p:cNvPr>
@@ -39546,7 +39935,53 @@
         <p:spPr>
           <a:xfrm>
             <a:off x="3186259" y="1324398"/>
-            <a:ext cx="8434239" cy="6001643"/>
+            <a:ext cx="8691513" cy="830997"/>
+          </a:xfrm>
+          <a:prstGeom prst="rect">
+            <a:avLst/>
+          </a:prstGeom>
+          <a:noFill/>
+        </p:spPr>
+        <p:txBody>
+          <a:bodyPr wrap="square" rtlCol="0">
+            <a:spAutoFit/>
+          </a:bodyPr>
+          <a:lstStyle/>
+          <a:p>
+            <a:r>
+              <a:rPr lang="nl-NL" sz="2400">
+                <a:solidFill>
+                  <a:schemeClr val="bg1"/>
+                </a:solidFill>
+              </a:rPr>
+              <a:t> </a:t>
+            </a:r>
+          </a:p>
+          <a:p>
+            <a:endParaRPr lang="nl-NL" sz="2400">
+              <a:solidFill>
+                <a:schemeClr val="bg1"/>
+              </a:solidFill>
+            </a:endParaRPr>
+          </a:p>
+        </p:txBody>
+      </p:sp>
+      <p:sp>
+        <p:nvSpPr>
+          <p:cNvPr id="4" name="TextBox 3">
+            <a:extLst>
+              <a:ext uri="{FF2B5EF4-FFF2-40B4-BE49-F238E27FC236}">
+                <a16:creationId xmlns:a16="http://schemas.microsoft.com/office/drawing/2014/main" id="{F2C23831-04C8-C873-B2B5-54098214B5ED}"/>
+              </a:ext>
+            </a:extLst>
+          </p:cNvPr>
+          <p:cNvSpPr txBox="1"/>
+          <p:nvPr/>
+        </p:nvSpPr>
+        <p:spPr>
+          <a:xfrm>
+            <a:off x="3186260" y="1324398"/>
+            <a:ext cx="6089716" cy="5324535"/>
           </a:xfrm>
           <a:prstGeom prst="rect">
             <a:avLst/>
@@ -39564,52 +39999,12 @@
               <a:buChar char="•"/>
             </a:pPr>
             <a:r>
-              <a:rPr lang="nl-NL" sz="2400" b="1" dirty="0" err="1">
-                <a:solidFill>
-                  <a:schemeClr val="bg1"/>
-                </a:solidFill>
-              </a:rPr>
-              <a:t>Build</a:t>
-            </a:r>
-            <a:r>
-              <a:rPr lang="nl-NL" sz="2400" b="1" dirty="0">
-                <a:solidFill>
-                  <a:schemeClr val="bg1"/>
-                </a:solidFill>
-              </a:rPr>
-              <a:t> </a:t>
-            </a:r>
-            <a:r>
-              <a:rPr lang="nl-NL" sz="2400" b="1" dirty="0" err="1">
-                <a:solidFill>
-                  <a:schemeClr val="bg1"/>
-                </a:solidFill>
-              </a:rPr>
-              <a:t>your</a:t>
-            </a:r>
-            <a:r>
-              <a:rPr lang="nl-NL" sz="2400" b="1" dirty="0">
-                <a:solidFill>
-                  <a:schemeClr val="bg1"/>
-                </a:solidFill>
-              </a:rPr>
-              <a:t> </a:t>
-            </a:r>
-            <a:r>
-              <a:rPr lang="nl-NL" sz="2400" b="1" dirty="0" err="1">
-                <a:solidFill>
-                  <a:schemeClr val="bg1"/>
-                </a:solidFill>
-              </a:rPr>
-              <a:t>own</a:t>
-            </a:r>
-            <a:r>
-              <a:rPr lang="nl-NL" sz="2400" b="1" dirty="0">
-                <a:solidFill>
-                  <a:schemeClr val="bg1"/>
-                </a:solidFill>
-              </a:rPr>
-              <a:t> dashboard</a:t>
+              <a:rPr lang="nl-NL" sz="2000" b="1">
+                <a:solidFill>
+                  <a:schemeClr val="bg1"/>
+                </a:solidFill>
+              </a:rPr>
+              <a:t>R + RStudio + RTools (for compiled packages) </a:t>
             </a:r>
           </a:p>
           <a:p>
@@ -39617,7 +40012,7 @@
               <a:buFont typeface="Arial" panose="020B0604020202020204" pitchFamily="34" charset="0"/>
               <a:buChar char="•"/>
             </a:pPr>
-            <a:endParaRPr lang="nl-NL" sz="2400" b="1" dirty="0">
+            <a:endParaRPr lang="nl-NL" sz="2000" b="1">
               <a:solidFill>
                 <a:schemeClr val="bg1"/>
               </a:solidFill>
@@ -39629,65 +40024,76 @@
               <a:buChar char="•"/>
             </a:pPr>
             <a:r>
-              <a:rPr lang="nl-NL" sz="2400" b="1" dirty="0">
-                <a:solidFill>
-                  <a:schemeClr val="bg1"/>
-                </a:solidFill>
-              </a:rPr>
-              <a:t>Share </a:t>
-            </a:r>
-            <a:r>
-              <a:rPr lang="nl-NL" sz="2400" b="1" dirty="0" err="1">
-                <a:solidFill>
-                  <a:schemeClr val="bg1"/>
-                </a:solidFill>
-              </a:rPr>
-              <a:t>the</a:t>
-            </a:r>
-            <a:r>
-              <a:rPr lang="nl-NL" sz="2400" b="1" dirty="0">
-                <a:solidFill>
-                  <a:schemeClr val="bg1"/>
-                </a:solidFill>
-              </a:rPr>
-              <a:t> dashboard </a:t>
-            </a:r>
-            <a:r>
-              <a:rPr lang="nl-NL" sz="2400" b="1" dirty="0" err="1">
-                <a:solidFill>
-                  <a:schemeClr val="bg1"/>
-                </a:solidFill>
-              </a:rPr>
-              <a:t>with</a:t>
-            </a:r>
-            <a:r>
-              <a:rPr lang="nl-NL" sz="2400" b="1" dirty="0">
-                <a:solidFill>
-                  <a:schemeClr val="bg1"/>
-                </a:solidFill>
-              </a:rPr>
-              <a:t> </a:t>
-            </a:r>
-            <a:r>
-              <a:rPr lang="nl-NL" sz="2400" b="1" dirty="0" err="1">
-                <a:solidFill>
-                  <a:schemeClr val="bg1"/>
-                </a:solidFill>
-              </a:rPr>
-              <a:t>others</a:t>
-            </a:r>
-            <a:endParaRPr lang="nl-NL" sz="2400" b="1" dirty="0">
-              <a:solidFill>
-                <a:schemeClr val="bg1"/>
-              </a:solidFill>
-            </a:endParaRPr>
+              <a:rPr lang="nl-NL" sz="2000" b="1">
+                <a:solidFill>
+                  <a:schemeClr val="bg1"/>
+                </a:solidFill>
+              </a:rPr>
+              <a:t>R Libraries </a:t>
+            </a:r>
           </a:p>
           <a:p>
             <a:pPr marL="800100" lvl="1" indent="-342900">
               <a:buFont typeface="Arial" panose="020B0604020202020204" pitchFamily="34" charset="0"/>
               <a:buChar char="•"/>
             </a:pPr>
-            <a:endParaRPr lang="nl-NL" sz="2400" b="1" dirty="0">
+            <a:r>
+              <a:rPr lang="nl-NL" sz="2000">
+                <a:solidFill>
+                  <a:schemeClr val="bg1"/>
+                </a:solidFill>
+              </a:rPr>
+              <a:t>Shiny</a:t>
+            </a:r>
+          </a:p>
+          <a:p>
+            <a:pPr marL="800100" lvl="1" indent="-342900">
+              <a:buFont typeface="Arial" panose="020B0604020202020204" pitchFamily="34" charset="0"/>
+              <a:buChar char="•"/>
+            </a:pPr>
+            <a:r>
+              <a:rPr lang="nl-NL" sz="2000">
+                <a:solidFill>
+                  <a:schemeClr val="bg1"/>
+                </a:solidFill>
+              </a:rPr>
+              <a:t>ShinyWidgets</a:t>
+            </a:r>
+          </a:p>
+          <a:p>
+            <a:pPr marL="800100" lvl="1" indent="-342900">
+              <a:buFont typeface="Arial" panose="020B0604020202020204" pitchFamily="34" charset="0"/>
+              <a:buChar char="•"/>
+            </a:pPr>
+            <a:r>
+              <a:rPr lang="nl-NL" sz="2000">
+                <a:solidFill>
+                  <a:schemeClr val="bg1"/>
+                </a:solidFill>
+              </a:rPr>
+              <a:t>Bootstrap (bslib)</a:t>
+            </a:r>
+          </a:p>
+          <a:p>
+            <a:pPr marL="800100" lvl="1" indent="-342900">
+              <a:buFont typeface="Arial" panose="020B0604020202020204" pitchFamily="34" charset="0"/>
+              <a:buChar char="•"/>
+            </a:pPr>
+            <a:r>
+              <a:rPr lang="nl-NL" sz="2000">
+                <a:solidFill>
+                  <a:schemeClr val="bg1"/>
+                </a:solidFill>
+              </a:rPr>
+              <a:t>… (and many others; see repository)</a:t>
+            </a:r>
+          </a:p>
+          <a:p>
+            <a:pPr marL="800100" lvl="1" indent="-342900">
+              <a:buFont typeface="Arial" panose="020B0604020202020204" pitchFamily="34" charset="0"/>
+              <a:buChar char="•"/>
+            </a:pPr>
+            <a:endParaRPr lang="nl-NL" sz="2000" b="1">
               <a:solidFill>
                 <a:schemeClr val="bg1"/>
               </a:solidFill>
@@ -39699,32 +40105,13 @@
               <a:buChar char="•"/>
             </a:pPr>
             <a:r>
-              <a:rPr lang="nl-NL" sz="2400" b="1" dirty="0" err="1">
-                <a:solidFill>
-                  <a:schemeClr val="bg1"/>
-                </a:solidFill>
-              </a:rPr>
-              <a:t>Need</a:t>
-            </a:r>
-            <a:r>
-              <a:rPr lang="nl-NL" sz="2400" b="1" dirty="0">
-                <a:solidFill>
-                  <a:schemeClr val="bg1"/>
-                </a:solidFill>
-              </a:rPr>
-              <a:t> help? DataIM offers: </a:t>
-            </a:r>
-          </a:p>
-          <a:p>
-            <a:pPr marL="342900" indent="-342900">
-              <a:buFont typeface="Arial" panose="020B0604020202020204" pitchFamily="34" charset="0"/>
-              <a:buChar char="•"/>
-            </a:pPr>
-            <a:endParaRPr lang="nl-NL" sz="2400" b="1" dirty="0">
-              <a:solidFill>
-                <a:schemeClr val="bg1"/>
-              </a:solidFill>
-            </a:endParaRPr>
+              <a:rPr lang="nl-NL" sz="2000" b="1">
+                <a:solidFill>
+                  <a:schemeClr val="bg1"/>
+                </a:solidFill>
+              </a:rPr>
+              <a:t>DataIM Survey Research Components</a:t>
+            </a:r>
           </a:p>
           <a:p>
             <a:pPr marL="800100" lvl="1" indent="-342900">
@@ -39732,76 +40119,12 @@
               <a:buChar char="•"/>
             </a:pPr>
             <a:r>
-              <a:rPr lang="nl-NL" sz="2400" b="1" dirty="0">
-                <a:solidFill>
-                  <a:schemeClr val="bg1"/>
-                </a:solidFill>
-              </a:rPr>
-              <a:t>Training </a:t>
-            </a:r>
-            <a:r>
-              <a:rPr lang="nl-NL" sz="2400" b="1" dirty="0" err="1">
-                <a:solidFill>
-                  <a:schemeClr val="bg1"/>
-                </a:solidFill>
-              </a:rPr>
-              <a:t>and</a:t>
-            </a:r>
-            <a:r>
-              <a:rPr lang="nl-NL" sz="2400" b="1" dirty="0">
-                <a:solidFill>
-                  <a:schemeClr val="bg1"/>
-                </a:solidFill>
-              </a:rPr>
-              <a:t> consultancy </a:t>
-            </a:r>
-            <a:r>
-              <a:rPr lang="nl-NL" sz="2400" b="1" dirty="0" err="1">
-                <a:solidFill>
-                  <a:schemeClr val="bg1"/>
-                </a:solidFill>
-              </a:rPr>
-              <a:t>tailored</a:t>
-            </a:r>
-            <a:r>
-              <a:rPr lang="nl-NL" sz="2400" b="1" dirty="0">
-                <a:solidFill>
-                  <a:schemeClr val="bg1"/>
-                </a:solidFill>
-              </a:rPr>
-              <a:t> </a:t>
-            </a:r>
-            <a:r>
-              <a:rPr lang="nl-NL" sz="2400" b="1" dirty="0" err="1">
-                <a:solidFill>
-                  <a:schemeClr val="bg1"/>
-                </a:solidFill>
-              </a:rPr>
-              <a:t>to</a:t>
-            </a:r>
-            <a:r>
-              <a:rPr lang="nl-NL" sz="2400" b="1" dirty="0">
-                <a:solidFill>
-                  <a:schemeClr val="bg1"/>
-                </a:solidFill>
-              </a:rPr>
-              <a:t> </a:t>
-            </a:r>
-            <a:r>
-              <a:rPr lang="nl-NL" sz="2400" b="1" dirty="0" err="1">
-                <a:solidFill>
-                  <a:schemeClr val="bg1"/>
-                </a:solidFill>
-              </a:rPr>
-              <a:t>your</a:t>
-            </a:r>
-            <a:r>
-              <a:rPr lang="nl-NL" sz="2400" b="1" dirty="0">
-                <a:solidFill>
-                  <a:schemeClr val="bg1"/>
-                </a:solidFill>
-              </a:rPr>
-              <a:t> research project/team</a:t>
+              <a:rPr lang="nl-NL" sz="2000">
+                <a:solidFill>
+                  <a:schemeClr val="bg1"/>
+                </a:solidFill>
+              </a:rPr>
+              <a:t>Authentication</a:t>
             </a:r>
           </a:p>
           <a:p>
@@ -39809,11 +40132,14 @@
               <a:buFont typeface="Arial" panose="020B0604020202020204" pitchFamily="34" charset="0"/>
               <a:buChar char="•"/>
             </a:pPr>
-            <a:endParaRPr lang="nl-NL" sz="2400" b="1" dirty="0">
-              <a:solidFill>
-                <a:schemeClr val="bg1"/>
-              </a:solidFill>
-            </a:endParaRPr>
+            <a:r>
+              <a:rPr lang="nl-NL" sz="2000">
+                <a:solidFill>
+                  <a:schemeClr val="bg1"/>
+                </a:solidFill>
+              </a:rPr>
+              <a:t>Menu structure</a:t>
+            </a:r>
           </a:p>
           <a:p>
             <a:pPr marL="800100" lvl="1" indent="-342900">
@@ -39821,60 +40147,12 @@
               <a:buChar char="•"/>
             </a:pPr>
             <a:r>
-              <a:rPr lang="nl-NL" sz="2400" b="1" dirty="0">
-                <a:solidFill>
-                  <a:schemeClr val="bg1"/>
-                </a:solidFill>
-              </a:rPr>
-              <a:t>A </a:t>
-            </a:r>
-            <a:r>
-              <a:rPr lang="nl-NL" sz="2400" b="1" dirty="0" err="1">
-                <a:solidFill>
-                  <a:schemeClr val="bg1"/>
-                </a:solidFill>
-              </a:rPr>
-              <a:t>standardized</a:t>
-            </a:r>
-            <a:r>
-              <a:rPr lang="nl-NL" sz="2400" b="1" dirty="0">
-                <a:solidFill>
-                  <a:schemeClr val="bg1"/>
-                </a:solidFill>
-              </a:rPr>
-              <a:t> template </a:t>
-            </a:r>
-            <a:r>
-              <a:rPr lang="nl-NL" sz="2400" b="1" dirty="0" err="1">
-                <a:solidFill>
-                  <a:schemeClr val="bg1"/>
-                </a:solidFill>
-              </a:rPr>
-              <a:t>for</a:t>
-            </a:r>
-            <a:r>
-              <a:rPr lang="nl-NL" sz="2400" b="1" dirty="0">
-                <a:solidFill>
-                  <a:schemeClr val="bg1"/>
-                </a:solidFill>
-              </a:rPr>
-              <a:t> building a </a:t>
-            </a:r>
-            <a:r>
-              <a:rPr lang="nl-NL" sz="2400" b="1" dirty="0" err="1">
-                <a:solidFill>
-                  <a:schemeClr val="bg1"/>
-                </a:solidFill>
-              </a:rPr>
-              <a:t>Shiny</a:t>
-            </a:r>
-            <a:r>
-              <a:rPr lang="nl-NL" sz="2400" b="1" dirty="0">
-                <a:solidFill>
-                  <a:schemeClr val="bg1"/>
-                </a:solidFill>
-              </a:rPr>
-              <a:t> dashboard on a survey dataset </a:t>
+              <a:rPr lang="nl-NL" sz="2000">
+                <a:solidFill>
+                  <a:schemeClr val="bg1"/>
+                </a:solidFill>
+              </a:rPr>
+              <a:t>Data handling</a:t>
             </a:r>
           </a:p>
           <a:p>
@@ -39882,11 +40160,14 @@
               <a:buFont typeface="Arial" panose="020B0604020202020204" pitchFamily="34" charset="0"/>
               <a:buChar char="•"/>
             </a:pPr>
-            <a:endParaRPr lang="nl-NL" sz="2400" b="1" dirty="0">
-              <a:solidFill>
-                <a:schemeClr val="bg1"/>
-              </a:solidFill>
-            </a:endParaRPr>
+            <a:r>
+              <a:rPr lang="nl-NL" sz="2000">
+                <a:solidFill>
+                  <a:schemeClr val="bg1"/>
+                </a:solidFill>
+              </a:rPr>
+              <a:t>Filters</a:t>
+            </a:r>
           </a:p>
           <a:p>
             <a:pPr marL="800100" lvl="1" indent="-342900">
@@ -39894,84 +40175,12 @@
               <a:buChar char="•"/>
             </a:pPr>
             <a:r>
-              <a:rPr lang="nl-NL" sz="2400" b="1" dirty="0" err="1">
-                <a:solidFill>
-                  <a:schemeClr val="bg1"/>
-                </a:solidFill>
-              </a:rPr>
-              <a:t>Managed</a:t>
-            </a:r>
-            <a:r>
-              <a:rPr lang="nl-NL" sz="2400" b="1" dirty="0">
-                <a:solidFill>
-                  <a:schemeClr val="bg1"/>
-                </a:solidFill>
-              </a:rPr>
-              <a:t> hosting </a:t>
-            </a:r>
-            <a:r>
-              <a:rPr lang="nl-NL" sz="2400" b="1" dirty="0" err="1">
-                <a:solidFill>
-                  <a:schemeClr val="bg1"/>
-                </a:solidFill>
-              </a:rPr>
-              <a:t>for</a:t>
-            </a:r>
-            <a:r>
-              <a:rPr lang="nl-NL" sz="2400" b="1" dirty="0">
-                <a:solidFill>
-                  <a:schemeClr val="bg1"/>
-                </a:solidFill>
-              </a:rPr>
-              <a:t> </a:t>
-            </a:r>
-            <a:r>
-              <a:rPr lang="nl-NL" sz="2400" b="1" dirty="0" err="1">
-                <a:solidFill>
-                  <a:schemeClr val="bg1"/>
-                </a:solidFill>
-              </a:rPr>
-              <a:t>Shiny</a:t>
-            </a:r>
-            <a:r>
-              <a:rPr lang="nl-NL" sz="2400" b="1" dirty="0">
-                <a:solidFill>
-                  <a:schemeClr val="bg1"/>
-                </a:solidFill>
-              </a:rPr>
-              <a:t> </a:t>
-            </a:r>
-            <a:r>
-              <a:rPr lang="nl-NL" sz="2400" b="1" dirty="0" err="1">
-                <a:solidFill>
-                  <a:schemeClr val="bg1"/>
-                </a:solidFill>
-              </a:rPr>
-              <a:t>projects</a:t>
-            </a:r>
-            <a:r>
-              <a:rPr lang="nl-NL" sz="2400" b="1" dirty="0">
-                <a:solidFill>
-                  <a:schemeClr val="bg1"/>
-                </a:solidFill>
-              </a:rPr>
-              <a:t> (</a:t>
-            </a:r>
-            <a:r>
-              <a:rPr lang="nl-NL" sz="2400" b="1" dirty="0" err="1">
-                <a:solidFill>
-                  <a:schemeClr val="bg1"/>
-                </a:solidFill>
-              </a:rPr>
-              <a:t>inside</a:t>
-            </a:r>
-            <a:r>
-              <a:rPr lang="nl-NL" sz="2400" b="1" dirty="0">
-                <a:solidFill>
-                  <a:schemeClr val="bg1"/>
-                </a:solidFill>
-              </a:rPr>
-              <a:t> EU/UU, GDPR compliant)</a:t>
+              <a:rPr lang="nl-NL" sz="2000">
+                <a:solidFill>
+                  <a:schemeClr val="bg1"/>
+                </a:solidFill>
+              </a:rPr>
+              <a:t>Plots</a:t>
             </a:r>
           </a:p>
           <a:p>
@@ -39979,76 +40188,49 @@
               <a:buFont typeface="Arial" panose="020B0604020202020204" pitchFamily="34" charset="0"/>
               <a:buChar char="•"/>
             </a:pPr>
-            <a:endParaRPr lang="nl-NL" sz="2400" b="1" dirty="0">
-              <a:solidFill>
-                <a:schemeClr val="bg1"/>
-              </a:solidFill>
-            </a:endParaRPr>
+            <a:r>
+              <a:rPr lang="nl-NL" sz="2000">
+                <a:solidFill>
+                  <a:schemeClr val="bg1"/>
+                </a:solidFill>
+              </a:rPr>
+              <a:t>Tables </a:t>
+            </a:r>
           </a:p>
           <a:p>
             <a:pPr marL="800100" lvl="1" indent="-342900">
               <a:buFont typeface="Arial" panose="020B0604020202020204" pitchFamily="34" charset="0"/>
               <a:buChar char="•"/>
             </a:pPr>
-            <a:endParaRPr lang="nl-NL" sz="2400" b="1" dirty="0">
-              <a:solidFill>
-                <a:schemeClr val="bg1"/>
-              </a:solidFill>
-            </a:endParaRPr>
+            <a:r>
+              <a:rPr lang="nl-NL" sz="2000">
+                <a:solidFill>
+                  <a:schemeClr val="bg1"/>
+                </a:solidFill>
+              </a:rPr>
+              <a:t>Text mining and classification</a:t>
+            </a:r>
+          </a:p>
+          <a:p>
+            <a:pPr marL="800100" lvl="1" indent="-342900">
+              <a:buFont typeface="Arial" panose="020B0604020202020204" pitchFamily="34" charset="0"/>
+              <a:buChar char="•"/>
+            </a:pPr>
+            <a:r>
+              <a:rPr lang="nl-NL" sz="2000">
+                <a:solidFill>
+                  <a:schemeClr val="bg1"/>
+                </a:solidFill>
+              </a:rPr>
+              <a:t>….</a:t>
+            </a:r>
           </a:p>
         </p:txBody>
       </p:sp>
-      <p:pic>
-        <p:nvPicPr>
-          <p:cNvPr id="3" name="Picture 2" descr="Login">
-            <a:extLst>
-              <a:ext uri="{FF2B5EF4-FFF2-40B4-BE49-F238E27FC236}">
-                <a16:creationId xmlns:a16="http://schemas.microsoft.com/office/drawing/2014/main" id="{D25DDED3-760C-8C66-D87A-76C985B5051A}"/>
-              </a:ext>
-            </a:extLst>
-          </p:cNvPr>
-          <p:cNvPicPr>
-            <a:picLocks noChangeAspect="1" noChangeArrowheads="1"/>
-          </p:cNvPicPr>
-          <p:nvPr/>
-        </p:nvPicPr>
-        <p:blipFill>
-          <a:blip r:embed="rId4">
-            <a:extLst>
-              <a:ext uri="{28A0092B-C50C-407E-A947-70E740481C1C}">
-                <a14:useLocalDpi xmlns:a14="http://schemas.microsoft.com/office/drawing/2010/main" val="0"/>
-              </a:ext>
-            </a:extLst>
-          </a:blip>
-          <a:srcRect/>
-          <a:stretch>
-            <a:fillRect/>
-          </a:stretch>
-        </p:blipFill>
-        <p:spPr bwMode="auto">
-          <a:xfrm>
-            <a:off x="9963083" y="6260123"/>
-            <a:ext cx="1975438" cy="474105"/>
-          </a:xfrm>
-          <a:prstGeom prst="rect">
-            <a:avLst/>
-          </a:prstGeom>
-          <a:noFill/>
-          <a:extLst>
-            <a:ext uri="{909E8E84-426E-40DD-AFC4-6F175D3DCCD1}">
-              <a14:hiddenFill xmlns:a14="http://schemas.microsoft.com/office/drawing/2010/main">
-                <a:solidFill>
-                  <a:srgbClr val="FFFFFF"/>
-                </a:solidFill>
-              </a14:hiddenFill>
-            </a:ext>
-          </a:extLst>
-        </p:spPr>
-      </p:pic>
     </p:spTree>
     <p:extLst>
       <p:ext uri="{BB962C8B-B14F-4D97-AF65-F5344CB8AC3E}">
-        <p14:creationId xmlns:p14="http://schemas.microsoft.com/office/powerpoint/2010/main" val="1938913840"/>
+        <p14:creationId xmlns:p14="http://schemas.microsoft.com/office/powerpoint/2010/main" val="519732321"/>
       </p:ext>
     </p:extLst>
   </p:cSld>
@@ -40318,8 +40500,8 @@
         </p:nvSpPr>
         <p:spPr>
           <a:xfrm>
-            <a:off x="3186258" y="301657"/>
-            <a:ext cx="9005742" cy="707886"/>
+            <a:off x="3186260" y="301657"/>
+            <a:ext cx="8554636" cy="707886"/>
           </a:xfrm>
           <a:prstGeom prst="rect">
             <a:avLst/>
@@ -40333,1180 +40515,26 @@
           <a:lstStyle/>
           <a:p>
             <a:r>
-              <a:rPr lang="nl-NL" sz="4000" b="1">
-                <a:solidFill>
-                  <a:schemeClr val="bg1"/>
-                </a:solidFill>
-              </a:rPr>
-              <a:t>2. Toolkit</a:t>
-            </a:r>
-          </a:p>
-        </p:txBody>
-      </p:sp>
-      <p:sp>
-        <p:nvSpPr>
-          <p:cNvPr id="3" name="TextBox 2">
-            <a:extLst>
-              <a:ext uri="{FF2B5EF4-FFF2-40B4-BE49-F238E27FC236}">
-                <a16:creationId xmlns:a16="http://schemas.microsoft.com/office/drawing/2014/main" id="{A2666A68-35D1-D74C-6435-CB5CE8188747}"/>
-              </a:ext>
-            </a:extLst>
-          </p:cNvPr>
-          <p:cNvSpPr txBox="1"/>
-          <p:nvPr/>
-        </p:nvSpPr>
-        <p:spPr>
-          <a:xfrm>
-            <a:off x="3186259" y="1324398"/>
-            <a:ext cx="8691513" cy="830997"/>
-          </a:xfrm>
-          <a:prstGeom prst="rect">
-            <a:avLst/>
-          </a:prstGeom>
-          <a:noFill/>
-        </p:spPr>
-        <p:txBody>
-          <a:bodyPr wrap="square" rtlCol="0">
-            <a:spAutoFit/>
-          </a:bodyPr>
-          <a:lstStyle/>
-          <a:p>
-            <a:r>
-              <a:rPr lang="nl-NL" sz="2400">
-                <a:solidFill>
-                  <a:schemeClr val="bg1"/>
-                </a:solidFill>
-              </a:rPr>
-              <a:t> </a:t>
-            </a:r>
-          </a:p>
-          <a:p>
-            <a:endParaRPr lang="nl-NL" sz="2400">
+              <a:rPr lang="nl-NL" sz="4000" b="1" dirty="0">
+                <a:solidFill>
+                  <a:schemeClr val="bg1"/>
+                </a:solidFill>
+              </a:rPr>
+              <a:t>Appendix 2. Project </a:t>
+            </a:r>
+            <a:r>
+              <a:rPr lang="nl-NL" sz="4000" b="1" dirty="0" err="1">
+                <a:solidFill>
+                  <a:schemeClr val="bg1"/>
+                </a:solidFill>
+              </a:rPr>
+              <a:t>organization</a:t>
+            </a:r>
+            <a:endParaRPr lang="nl-NL" sz="4000" b="1" dirty="0">
               <a:solidFill>
                 <a:schemeClr val="bg1"/>
               </a:solidFill>
             </a:endParaRPr>
-          </a:p>
-        </p:txBody>
-      </p:sp>
-      <p:sp>
-        <p:nvSpPr>
-          <p:cNvPr id="4" name="TextBox 3">
-            <a:extLst>
-              <a:ext uri="{FF2B5EF4-FFF2-40B4-BE49-F238E27FC236}">
-                <a16:creationId xmlns:a16="http://schemas.microsoft.com/office/drawing/2014/main" id="{F2C23831-04C8-C873-B2B5-54098214B5ED}"/>
-              </a:ext>
-            </a:extLst>
-          </p:cNvPr>
-          <p:cNvSpPr txBox="1"/>
-          <p:nvPr/>
-        </p:nvSpPr>
-        <p:spPr>
-          <a:xfrm>
-            <a:off x="3186260" y="1324398"/>
-            <a:ext cx="6089716" cy="5324535"/>
-          </a:xfrm>
-          <a:prstGeom prst="rect">
-            <a:avLst/>
-          </a:prstGeom>
-          <a:noFill/>
-        </p:spPr>
-        <p:txBody>
-          <a:bodyPr wrap="square" rtlCol="0">
-            <a:spAutoFit/>
-          </a:bodyPr>
-          <a:lstStyle/>
-          <a:p>
-            <a:pPr marL="342900" indent="-342900">
-              <a:buFont typeface="Arial" panose="020B0604020202020204" pitchFamily="34" charset="0"/>
-              <a:buChar char="•"/>
-            </a:pPr>
-            <a:r>
-              <a:rPr lang="nl-NL" sz="2000" b="1">
-                <a:solidFill>
-                  <a:schemeClr val="bg1"/>
-                </a:solidFill>
-              </a:rPr>
-              <a:t>R + RStudio + RTools (for compiled packages) </a:t>
-            </a:r>
-          </a:p>
-          <a:p>
-            <a:pPr marL="342900" indent="-342900">
-              <a:buFont typeface="Arial" panose="020B0604020202020204" pitchFamily="34" charset="0"/>
-              <a:buChar char="•"/>
-            </a:pPr>
-            <a:endParaRPr lang="nl-NL" sz="2000" b="1">
-              <a:solidFill>
-                <a:schemeClr val="bg1"/>
-              </a:solidFill>
-            </a:endParaRPr>
-          </a:p>
-          <a:p>
-            <a:pPr marL="342900" indent="-342900">
-              <a:buFont typeface="Arial" panose="020B0604020202020204" pitchFamily="34" charset="0"/>
-              <a:buChar char="•"/>
-            </a:pPr>
-            <a:r>
-              <a:rPr lang="nl-NL" sz="2000" b="1">
-                <a:solidFill>
-                  <a:schemeClr val="bg1"/>
-                </a:solidFill>
-              </a:rPr>
-              <a:t>R Libraries </a:t>
-            </a:r>
-          </a:p>
-          <a:p>
-            <a:pPr marL="800100" lvl="1" indent="-342900">
-              <a:buFont typeface="Arial" panose="020B0604020202020204" pitchFamily="34" charset="0"/>
-              <a:buChar char="•"/>
-            </a:pPr>
-            <a:r>
-              <a:rPr lang="nl-NL" sz="2000">
-                <a:solidFill>
-                  <a:schemeClr val="bg1"/>
-                </a:solidFill>
-              </a:rPr>
-              <a:t>Shiny</a:t>
-            </a:r>
-          </a:p>
-          <a:p>
-            <a:pPr marL="800100" lvl="1" indent="-342900">
-              <a:buFont typeface="Arial" panose="020B0604020202020204" pitchFamily="34" charset="0"/>
-              <a:buChar char="•"/>
-            </a:pPr>
-            <a:r>
-              <a:rPr lang="nl-NL" sz="2000">
-                <a:solidFill>
-                  <a:schemeClr val="bg1"/>
-                </a:solidFill>
-              </a:rPr>
-              <a:t>ShinyWidgets</a:t>
-            </a:r>
-          </a:p>
-          <a:p>
-            <a:pPr marL="800100" lvl="1" indent="-342900">
-              <a:buFont typeface="Arial" panose="020B0604020202020204" pitchFamily="34" charset="0"/>
-              <a:buChar char="•"/>
-            </a:pPr>
-            <a:r>
-              <a:rPr lang="nl-NL" sz="2000">
-                <a:solidFill>
-                  <a:schemeClr val="bg1"/>
-                </a:solidFill>
-              </a:rPr>
-              <a:t>Bootstrap (bslib)</a:t>
-            </a:r>
-          </a:p>
-          <a:p>
-            <a:pPr marL="800100" lvl="1" indent="-342900">
-              <a:buFont typeface="Arial" panose="020B0604020202020204" pitchFamily="34" charset="0"/>
-              <a:buChar char="•"/>
-            </a:pPr>
-            <a:r>
-              <a:rPr lang="nl-NL" sz="2000">
-                <a:solidFill>
-                  <a:schemeClr val="bg1"/>
-                </a:solidFill>
-              </a:rPr>
-              <a:t>… (and many others; see repository)</a:t>
-            </a:r>
-          </a:p>
-          <a:p>
-            <a:pPr marL="800100" lvl="1" indent="-342900">
-              <a:buFont typeface="Arial" panose="020B0604020202020204" pitchFamily="34" charset="0"/>
-              <a:buChar char="•"/>
-            </a:pPr>
-            <a:endParaRPr lang="nl-NL" sz="2000" b="1">
-              <a:solidFill>
-                <a:schemeClr val="bg1"/>
-              </a:solidFill>
-            </a:endParaRPr>
-          </a:p>
-          <a:p>
-            <a:pPr marL="342900" indent="-342900">
-              <a:buFont typeface="Arial" panose="020B0604020202020204" pitchFamily="34" charset="0"/>
-              <a:buChar char="•"/>
-            </a:pPr>
-            <a:r>
-              <a:rPr lang="nl-NL" sz="2000" b="1">
-                <a:solidFill>
-                  <a:schemeClr val="bg1"/>
-                </a:solidFill>
-              </a:rPr>
-              <a:t>DataIM Survey Research Components</a:t>
-            </a:r>
-          </a:p>
-          <a:p>
-            <a:pPr marL="800100" lvl="1" indent="-342900">
-              <a:buFont typeface="Arial" panose="020B0604020202020204" pitchFamily="34" charset="0"/>
-              <a:buChar char="•"/>
-            </a:pPr>
-            <a:r>
-              <a:rPr lang="nl-NL" sz="2000">
-                <a:solidFill>
-                  <a:schemeClr val="bg1"/>
-                </a:solidFill>
-              </a:rPr>
-              <a:t>Authentication</a:t>
-            </a:r>
-          </a:p>
-          <a:p>
-            <a:pPr marL="800100" lvl="1" indent="-342900">
-              <a:buFont typeface="Arial" panose="020B0604020202020204" pitchFamily="34" charset="0"/>
-              <a:buChar char="•"/>
-            </a:pPr>
-            <a:r>
-              <a:rPr lang="nl-NL" sz="2000">
-                <a:solidFill>
-                  <a:schemeClr val="bg1"/>
-                </a:solidFill>
-              </a:rPr>
-              <a:t>Menu structure</a:t>
-            </a:r>
-          </a:p>
-          <a:p>
-            <a:pPr marL="800100" lvl="1" indent="-342900">
-              <a:buFont typeface="Arial" panose="020B0604020202020204" pitchFamily="34" charset="0"/>
-              <a:buChar char="•"/>
-            </a:pPr>
-            <a:r>
-              <a:rPr lang="nl-NL" sz="2000">
-                <a:solidFill>
-                  <a:schemeClr val="bg1"/>
-                </a:solidFill>
-              </a:rPr>
-              <a:t>Data handling</a:t>
-            </a:r>
-          </a:p>
-          <a:p>
-            <a:pPr marL="800100" lvl="1" indent="-342900">
-              <a:buFont typeface="Arial" panose="020B0604020202020204" pitchFamily="34" charset="0"/>
-              <a:buChar char="•"/>
-            </a:pPr>
-            <a:r>
-              <a:rPr lang="nl-NL" sz="2000">
-                <a:solidFill>
-                  <a:schemeClr val="bg1"/>
-                </a:solidFill>
-              </a:rPr>
-              <a:t>Filters</a:t>
-            </a:r>
-          </a:p>
-          <a:p>
-            <a:pPr marL="800100" lvl="1" indent="-342900">
-              <a:buFont typeface="Arial" panose="020B0604020202020204" pitchFamily="34" charset="0"/>
-              <a:buChar char="•"/>
-            </a:pPr>
-            <a:r>
-              <a:rPr lang="nl-NL" sz="2000">
-                <a:solidFill>
-                  <a:schemeClr val="bg1"/>
-                </a:solidFill>
-              </a:rPr>
-              <a:t>Plots</a:t>
-            </a:r>
-          </a:p>
-          <a:p>
-            <a:pPr marL="800100" lvl="1" indent="-342900">
-              <a:buFont typeface="Arial" panose="020B0604020202020204" pitchFamily="34" charset="0"/>
-              <a:buChar char="•"/>
-            </a:pPr>
-            <a:r>
-              <a:rPr lang="nl-NL" sz="2000">
-                <a:solidFill>
-                  <a:schemeClr val="bg1"/>
-                </a:solidFill>
-              </a:rPr>
-              <a:t>Tables </a:t>
-            </a:r>
-          </a:p>
-          <a:p>
-            <a:pPr marL="800100" lvl="1" indent="-342900">
-              <a:buFont typeface="Arial" panose="020B0604020202020204" pitchFamily="34" charset="0"/>
-              <a:buChar char="•"/>
-            </a:pPr>
-            <a:r>
-              <a:rPr lang="nl-NL" sz="2000">
-                <a:solidFill>
-                  <a:schemeClr val="bg1"/>
-                </a:solidFill>
-              </a:rPr>
-              <a:t>Text mining and classification</a:t>
-            </a:r>
-          </a:p>
-          <a:p>
-            <a:pPr marL="800100" lvl="1" indent="-342900">
-              <a:buFont typeface="Arial" panose="020B0604020202020204" pitchFamily="34" charset="0"/>
-              <a:buChar char="•"/>
-            </a:pPr>
-            <a:r>
-              <a:rPr lang="nl-NL" sz="2000">
-                <a:solidFill>
-                  <a:schemeClr val="bg1"/>
-                </a:solidFill>
-              </a:rPr>
-              <a:t>….</a:t>
-            </a:r>
-          </a:p>
-        </p:txBody>
-      </p:sp>
-    </p:spTree>
-    <p:extLst>
-      <p:ext uri="{BB962C8B-B14F-4D97-AF65-F5344CB8AC3E}">
-        <p14:creationId xmlns:p14="http://schemas.microsoft.com/office/powerpoint/2010/main" val="519732321"/>
-      </p:ext>
-    </p:extLst>
-  </p:cSld>
-  <p:clrMapOvr>
-    <a:masterClrMapping/>
-  </p:clrMapOvr>
-</p:sld>
-</file>
-
-<file path=ppt/slides/slide43.xml><?xml version="1.0" encoding="utf-8"?>
-<p:sld xmlns:a="http://schemas.openxmlformats.org/drawingml/2006/main" xmlns:r="http://schemas.openxmlformats.org/officeDocument/2006/relationships" xmlns:p="http://schemas.openxmlformats.org/presentationml/2006/main">
-  <p:cSld>
-    <p:bg>
-      <p:bgPr>
-        <a:blipFill dpi="0" rotWithShape="1">
-          <a:blip r:embed="rId2">
-            <a:lum/>
-          </a:blip>
-          <a:srcRect/>
-          <a:stretch>
-            <a:fillRect/>
-          </a:stretch>
-        </a:blipFill>
-        <a:effectLst/>
-      </p:bgPr>
-    </p:bg>
-    <p:spTree>
-      <p:nvGrpSpPr>
-        <p:cNvPr id="1" name="">
-          <a:extLst>
-            <a:ext uri="{FF2B5EF4-FFF2-40B4-BE49-F238E27FC236}">
-              <a16:creationId xmlns:a16="http://schemas.microsoft.com/office/drawing/2014/main" id="{5402F162-2121-962E-72A2-8575F56AB7FA}"/>
-            </a:ext>
-          </a:extLst>
-        </p:cNvPr>
-        <p:cNvGrpSpPr/>
-        <p:nvPr/>
-      </p:nvGrpSpPr>
-      <p:grpSpPr>
-        <a:xfrm>
-          <a:off x="0" y="0"/>
-          <a:ext cx="0" cy="0"/>
-          <a:chOff x="0" y="0"/>
-          <a:chExt cx="0" cy="0"/>
-        </a:xfrm>
-      </p:grpSpPr>
-      <p:sp>
-        <p:nvSpPr>
-          <p:cNvPr id="8" name="Tijdelijke aanduiding voor inhoud 2">
-            <a:extLst>
-              <a:ext uri="{FF2B5EF4-FFF2-40B4-BE49-F238E27FC236}">
-                <a16:creationId xmlns:a16="http://schemas.microsoft.com/office/drawing/2014/main" id="{D4249E15-B08C-2580-5B99-2631767A47D7}"/>
-              </a:ext>
-            </a:extLst>
-          </p:cNvPr>
-          <p:cNvSpPr txBox="1">
-            <a:spLocks/>
-          </p:cNvSpPr>
-          <p:nvPr/>
-        </p:nvSpPr>
-        <p:spPr>
-          <a:xfrm>
-            <a:off x="3504282" y="2470251"/>
-            <a:ext cx="8116217" cy="4184168"/>
-          </a:xfrm>
-          <a:prstGeom prst="rect">
-            <a:avLst/>
-          </a:prstGeom>
-        </p:spPr>
-        <p:txBody>
-          <a:bodyPr vert="horz" lIns="91440" tIns="45720" rIns="91440" bIns="45720" rtlCol="0">
-            <a:noAutofit/>
-          </a:bodyPr>
-          <a:lstStyle>
-            <a:lvl1pPr marL="228600" indent="-228600" algn="l" defTabSz="914400" rtl="0" eaLnBrk="1" latinLnBrk="0" hangingPunct="1">
-              <a:lnSpc>
-                <a:spcPct val="90000"/>
-              </a:lnSpc>
-              <a:spcBef>
-                <a:spcPts val="1000"/>
-              </a:spcBef>
-              <a:buFont typeface="Arial" panose="020B0604020202020204" pitchFamily="34" charset="0"/>
-              <a:buChar char="•"/>
-              <a:defRPr sz="2800" kern="1200">
-                <a:solidFill>
-                  <a:schemeClr val="tx1"/>
-                </a:solidFill>
-                <a:latin typeface="+mn-lt"/>
-                <a:ea typeface="+mn-ea"/>
-                <a:cs typeface="+mn-cs"/>
-              </a:defRPr>
-            </a:lvl1pPr>
-            <a:lvl2pPr marL="685800" indent="-228600" algn="l" defTabSz="914400" rtl="0" eaLnBrk="1" latinLnBrk="0" hangingPunct="1">
-              <a:lnSpc>
-                <a:spcPct val="90000"/>
-              </a:lnSpc>
-              <a:spcBef>
-                <a:spcPts val="500"/>
-              </a:spcBef>
-              <a:buFont typeface="Arial" panose="020B0604020202020204" pitchFamily="34" charset="0"/>
-              <a:buChar char="•"/>
-              <a:defRPr sz="2400" kern="1200">
-                <a:solidFill>
-                  <a:schemeClr val="tx1"/>
-                </a:solidFill>
-                <a:latin typeface="+mn-lt"/>
-                <a:ea typeface="+mn-ea"/>
-                <a:cs typeface="+mn-cs"/>
-              </a:defRPr>
-            </a:lvl2pPr>
-            <a:lvl3pPr marL="1143000" indent="-228600" algn="l" defTabSz="914400" rtl="0" eaLnBrk="1" latinLnBrk="0" hangingPunct="1">
-              <a:lnSpc>
-                <a:spcPct val="90000"/>
-              </a:lnSpc>
-              <a:spcBef>
-                <a:spcPts val="500"/>
-              </a:spcBef>
-              <a:buFont typeface="Arial" panose="020B0604020202020204" pitchFamily="34" charset="0"/>
-              <a:buChar char="•"/>
-              <a:defRPr sz="2000" kern="1200">
-                <a:solidFill>
-                  <a:schemeClr val="tx1"/>
-                </a:solidFill>
-                <a:latin typeface="+mn-lt"/>
-                <a:ea typeface="+mn-ea"/>
-                <a:cs typeface="+mn-cs"/>
-              </a:defRPr>
-            </a:lvl3pPr>
-            <a:lvl4pPr marL="1600200" indent="-228600" algn="l" defTabSz="914400" rtl="0" eaLnBrk="1" latinLnBrk="0" hangingPunct="1">
-              <a:lnSpc>
-                <a:spcPct val="90000"/>
-              </a:lnSpc>
-              <a:spcBef>
-                <a:spcPts val="500"/>
-              </a:spcBef>
-              <a:buFont typeface="Arial" panose="020B0604020202020204" pitchFamily="34" charset="0"/>
-              <a:buChar char="•"/>
-              <a:defRPr sz="1800" kern="1200">
-                <a:solidFill>
-                  <a:schemeClr val="tx1"/>
-                </a:solidFill>
-                <a:latin typeface="+mn-lt"/>
-                <a:ea typeface="+mn-ea"/>
-                <a:cs typeface="+mn-cs"/>
-              </a:defRPr>
-            </a:lvl4pPr>
-            <a:lvl5pPr marL="2057400" indent="-228600" algn="l" defTabSz="914400" rtl="0" eaLnBrk="1" latinLnBrk="0" hangingPunct="1">
-              <a:lnSpc>
-                <a:spcPct val="90000"/>
-              </a:lnSpc>
-              <a:spcBef>
-                <a:spcPts val="500"/>
-              </a:spcBef>
-              <a:buFont typeface="Arial" panose="020B0604020202020204" pitchFamily="34" charset="0"/>
-              <a:buChar char="•"/>
-              <a:defRPr sz="1800" kern="1200">
-                <a:solidFill>
-                  <a:schemeClr val="tx1"/>
-                </a:solidFill>
-                <a:latin typeface="+mn-lt"/>
-                <a:ea typeface="+mn-ea"/>
-                <a:cs typeface="+mn-cs"/>
-              </a:defRPr>
-            </a:lvl5pPr>
-            <a:lvl6pPr marL="2514600" indent="-228600" algn="l" defTabSz="914400" rtl="0" eaLnBrk="1" latinLnBrk="0" hangingPunct="1">
-              <a:lnSpc>
-                <a:spcPct val="90000"/>
-              </a:lnSpc>
-              <a:spcBef>
-                <a:spcPts val="500"/>
-              </a:spcBef>
-              <a:buFont typeface="Arial" panose="020B0604020202020204" pitchFamily="34" charset="0"/>
-              <a:buChar char="•"/>
-              <a:defRPr sz="1800" kern="1200">
-                <a:solidFill>
-                  <a:schemeClr val="tx1"/>
-                </a:solidFill>
-                <a:latin typeface="+mn-lt"/>
-                <a:ea typeface="+mn-ea"/>
-                <a:cs typeface="+mn-cs"/>
-              </a:defRPr>
-            </a:lvl6pPr>
-            <a:lvl7pPr marL="2971800" indent="-228600" algn="l" defTabSz="914400" rtl="0" eaLnBrk="1" latinLnBrk="0" hangingPunct="1">
-              <a:lnSpc>
-                <a:spcPct val="90000"/>
-              </a:lnSpc>
-              <a:spcBef>
-                <a:spcPts val="500"/>
-              </a:spcBef>
-              <a:buFont typeface="Arial" panose="020B0604020202020204" pitchFamily="34" charset="0"/>
-              <a:buChar char="•"/>
-              <a:defRPr sz="1800" kern="1200">
-                <a:solidFill>
-                  <a:schemeClr val="tx1"/>
-                </a:solidFill>
-                <a:latin typeface="+mn-lt"/>
-                <a:ea typeface="+mn-ea"/>
-                <a:cs typeface="+mn-cs"/>
-              </a:defRPr>
-            </a:lvl7pPr>
-            <a:lvl8pPr marL="3429000" indent="-228600" algn="l" defTabSz="914400" rtl="0" eaLnBrk="1" latinLnBrk="0" hangingPunct="1">
-              <a:lnSpc>
-                <a:spcPct val="90000"/>
-              </a:lnSpc>
-              <a:spcBef>
-                <a:spcPts val="500"/>
-              </a:spcBef>
-              <a:buFont typeface="Arial" panose="020B0604020202020204" pitchFamily="34" charset="0"/>
-              <a:buChar char="•"/>
-              <a:defRPr sz="1800" kern="1200">
-                <a:solidFill>
-                  <a:schemeClr val="tx1"/>
-                </a:solidFill>
-                <a:latin typeface="+mn-lt"/>
-                <a:ea typeface="+mn-ea"/>
-                <a:cs typeface="+mn-cs"/>
-              </a:defRPr>
-            </a:lvl8pPr>
-            <a:lvl9pPr marL="3886200" indent="-228600" algn="l" defTabSz="914400" rtl="0" eaLnBrk="1" latinLnBrk="0" hangingPunct="1">
-              <a:lnSpc>
-                <a:spcPct val="90000"/>
-              </a:lnSpc>
-              <a:spcBef>
-                <a:spcPts val="500"/>
-              </a:spcBef>
-              <a:buFont typeface="Arial" panose="020B0604020202020204" pitchFamily="34" charset="0"/>
-              <a:buChar char="•"/>
-              <a:defRPr sz="1800" kern="1200">
-                <a:solidFill>
-                  <a:schemeClr val="tx1"/>
-                </a:solidFill>
-                <a:latin typeface="+mn-lt"/>
-                <a:ea typeface="+mn-ea"/>
-                <a:cs typeface="+mn-cs"/>
-              </a:defRPr>
-            </a:lvl9pPr>
-          </a:lstStyle>
-          <a:p>
-            <a:pPr marL="0" indent="0">
-              <a:buNone/>
-            </a:pPr>
-            <a:endParaRPr lang="nl-NL" sz="2000" b="1" i="1" dirty="0">
-              <a:solidFill>
-                <a:schemeClr val="accent2">
-                  <a:lumMod val="60000"/>
-                  <a:lumOff val="40000"/>
-                </a:schemeClr>
-              </a:solidFill>
-              <a:latin typeface="Helvetica" pitchFamily="2" charset="0"/>
-              <a:ea typeface="Open Sans" panose="020B0606030504020204" pitchFamily="34" charset="0"/>
-              <a:cs typeface="Open Sans" panose="020B0606030504020204" pitchFamily="34" charset="0"/>
-            </a:endParaRPr>
-          </a:p>
-        </p:txBody>
-      </p:sp>
-      <p:sp>
-        <p:nvSpPr>
-          <p:cNvPr id="2" name="TextBox 1">
-            <a:extLst>
-              <a:ext uri="{FF2B5EF4-FFF2-40B4-BE49-F238E27FC236}">
-                <a16:creationId xmlns:a16="http://schemas.microsoft.com/office/drawing/2014/main" id="{8CB4DC81-52F5-3C32-997C-979F0BE27553}"/>
-              </a:ext>
-            </a:extLst>
-          </p:cNvPr>
-          <p:cNvSpPr txBox="1"/>
-          <p:nvPr/>
-        </p:nvSpPr>
-        <p:spPr>
-          <a:xfrm>
-            <a:off x="3186258" y="301657"/>
-            <a:ext cx="9005742" cy="707886"/>
-          </a:xfrm>
-          <a:prstGeom prst="rect">
-            <a:avLst/>
-          </a:prstGeom>
-          <a:noFill/>
-        </p:spPr>
-        <p:txBody>
-          <a:bodyPr wrap="square" rtlCol="0">
-            <a:spAutoFit/>
-          </a:bodyPr>
-          <a:lstStyle/>
-          <a:p>
-            <a:r>
-              <a:rPr lang="nl-NL" sz="4000" b="1">
-                <a:solidFill>
-                  <a:schemeClr val="bg1"/>
-                </a:solidFill>
-              </a:rPr>
-              <a:t>2. Toolkit</a:t>
-            </a:r>
-          </a:p>
-        </p:txBody>
-      </p:sp>
-      <p:sp>
-        <p:nvSpPr>
-          <p:cNvPr id="3" name="TextBox 2">
-            <a:extLst>
-              <a:ext uri="{FF2B5EF4-FFF2-40B4-BE49-F238E27FC236}">
-                <a16:creationId xmlns:a16="http://schemas.microsoft.com/office/drawing/2014/main" id="{A2666A68-35D1-D74C-6435-CB5CE8188747}"/>
-              </a:ext>
-            </a:extLst>
-          </p:cNvPr>
-          <p:cNvSpPr txBox="1"/>
-          <p:nvPr/>
-        </p:nvSpPr>
-        <p:spPr>
-          <a:xfrm>
-            <a:off x="3186259" y="1324398"/>
-            <a:ext cx="8691513" cy="830997"/>
-          </a:xfrm>
-          <a:prstGeom prst="rect">
-            <a:avLst/>
-          </a:prstGeom>
-          <a:noFill/>
-        </p:spPr>
-        <p:txBody>
-          <a:bodyPr wrap="square" rtlCol="0">
-            <a:spAutoFit/>
-          </a:bodyPr>
-          <a:lstStyle/>
-          <a:p>
-            <a:r>
-              <a:rPr lang="nl-NL" sz="2400">
-                <a:solidFill>
-                  <a:schemeClr val="bg1"/>
-                </a:solidFill>
-              </a:rPr>
-              <a:t> </a:t>
-            </a:r>
-          </a:p>
-          <a:p>
-            <a:endParaRPr lang="nl-NL" sz="2400">
-              <a:solidFill>
-                <a:schemeClr val="bg1"/>
-              </a:solidFill>
-            </a:endParaRPr>
-          </a:p>
-        </p:txBody>
-      </p:sp>
-      <p:sp>
-        <p:nvSpPr>
-          <p:cNvPr id="4" name="TextBox 3">
-            <a:extLst>
-              <a:ext uri="{FF2B5EF4-FFF2-40B4-BE49-F238E27FC236}">
-                <a16:creationId xmlns:a16="http://schemas.microsoft.com/office/drawing/2014/main" id="{F2C23831-04C8-C873-B2B5-54098214B5ED}"/>
-              </a:ext>
-            </a:extLst>
-          </p:cNvPr>
-          <p:cNvSpPr txBox="1"/>
-          <p:nvPr/>
-        </p:nvSpPr>
-        <p:spPr>
-          <a:xfrm>
-            <a:off x="3186259" y="1324398"/>
-            <a:ext cx="8434239" cy="4708981"/>
-          </a:xfrm>
-          <a:prstGeom prst="rect">
-            <a:avLst/>
-          </a:prstGeom>
-          <a:noFill/>
-        </p:spPr>
-        <p:txBody>
-          <a:bodyPr wrap="square" rtlCol="0">
-            <a:spAutoFit/>
-          </a:bodyPr>
-          <a:lstStyle/>
-          <a:p>
-            <a:pPr marL="342900" indent="-342900">
-              <a:buFont typeface="Arial" panose="020B0604020202020204" pitchFamily="34" charset="0"/>
-              <a:buChar char="•"/>
-            </a:pPr>
-            <a:r>
-              <a:rPr lang="nl-NL" sz="2000" b="1">
-                <a:solidFill>
-                  <a:schemeClr val="bg1"/>
-                </a:solidFill>
-              </a:rPr>
-              <a:t>R + RStudio + RTools  (for compiled packages) </a:t>
-            </a:r>
-          </a:p>
-          <a:p>
-            <a:pPr marL="342900" indent="-342900">
-              <a:buFont typeface="Arial" panose="020B0604020202020204" pitchFamily="34" charset="0"/>
-              <a:buChar char="•"/>
-            </a:pPr>
-            <a:endParaRPr lang="nl-NL" sz="2000" b="1">
-              <a:solidFill>
-                <a:schemeClr val="bg1"/>
-              </a:solidFill>
-            </a:endParaRPr>
-          </a:p>
-          <a:p>
-            <a:pPr marL="342900" indent="-342900">
-              <a:buFont typeface="Arial" panose="020B0604020202020204" pitchFamily="34" charset="0"/>
-              <a:buChar char="•"/>
-            </a:pPr>
-            <a:r>
-              <a:rPr lang="nl-NL" sz="2000" b="1">
-                <a:solidFill>
-                  <a:schemeClr val="bg1"/>
-                </a:solidFill>
-              </a:rPr>
-              <a:t>R Libraries </a:t>
-            </a:r>
-          </a:p>
-          <a:p>
-            <a:pPr marL="800100" lvl="1" indent="-342900">
-              <a:buFont typeface="Arial" panose="020B0604020202020204" pitchFamily="34" charset="0"/>
-              <a:buChar char="•"/>
-            </a:pPr>
-            <a:r>
-              <a:rPr lang="nl-NL" sz="2000" b="1">
-                <a:solidFill>
-                  <a:schemeClr val="bg1"/>
-                </a:solidFill>
-              </a:rPr>
-              <a:t>shinyWidgets</a:t>
-            </a:r>
-          </a:p>
-          <a:p>
-            <a:pPr marL="800100" lvl="1" indent="-342900">
-              <a:buFont typeface="Arial" panose="020B0604020202020204" pitchFamily="34" charset="0"/>
-              <a:buChar char="•"/>
-            </a:pPr>
-            <a:r>
-              <a:rPr lang="nl-NL" sz="2000" b="1">
-                <a:solidFill>
-                  <a:schemeClr val="bg1"/>
-                </a:solidFill>
-              </a:rPr>
-              <a:t>Bootstrap Library (bslib)</a:t>
-            </a:r>
-          </a:p>
-          <a:p>
-            <a:pPr marL="800100" lvl="1" indent="-342900">
-              <a:buFont typeface="Arial" panose="020B0604020202020204" pitchFamily="34" charset="0"/>
-              <a:buChar char="•"/>
-            </a:pPr>
-            <a:endParaRPr lang="nl-NL" sz="2000" b="1">
-              <a:solidFill>
-                <a:schemeClr val="bg1"/>
-              </a:solidFill>
-            </a:endParaRPr>
-          </a:p>
-          <a:p>
-            <a:pPr marL="342900" indent="-342900">
-              <a:buFont typeface="Arial" panose="020B0604020202020204" pitchFamily="34" charset="0"/>
-              <a:buChar char="•"/>
-            </a:pPr>
-            <a:r>
-              <a:rPr lang="nl-NL" sz="2000" b="1">
-                <a:solidFill>
-                  <a:schemeClr val="bg1"/>
-                </a:solidFill>
-              </a:rPr>
-              <a:t>Shiny </a:t>
-            </a:r>
-          </a:p>
-          <a:p>
-            <a:pPr marL="800100" lvl="1" indent="-342900">
-              <a:buFont typeface="Arial" panose="020B0604020202020204" pitchFamily="34" charset="0"/>
-              <a:buChar char="•"/>
-            </a:pPr>
-            <a:r>
-              <a:rPr lang="nl-NL" sz="2000" b="1">
-                <a:solidFill>
-                  <a:schemeClr val="bg1"/>
-                </a:solidFill>
-              </a:rPr>
-              <a:t>Separate UI and Server </a:t>
-            </a:r>
-          </a:p>
-          <a:p>
-            <a:pPr marL="800100" lvl="1" indent="-342900">
-              <a:buFont typeface="Arial" panose="020B0604020202020204" pitchFamily="34" charset="0"/>
-              <a:buChar char="•"/>
-            </a:pPr>
-            <a:r>
-              <a:rPr lang="nl-NL" sz="2000" b="1">
-                <a:solidFill>
-                  <a:schemeClr val="bg1"/>
-                </a:solidFill>
-              </a:rPr>
-              <a:t>Reactivity </a:t>
-            </a:r>
-          </a:p>
-          <a:p>
-            <a:pPr marL="800100" lvl="1" indent="-342900">
-              <a:buFont typeface="Arial" panose="020B0604020202020204" pitchFamily="34" charset="0"/>
-              <a:buChar char="•"/>
-            </a:pPr>
-            <a:r>
-              <a:rPr lang="nl-NL" sz="2000" b="1">
-                <a:solidFill>
-                  <a:schemeClr val="bg1"/>
-                </a:solidFill>
-              </a:rPr>
-              <a:t>Modularity</a:t>
-            </a:r>
-          </a:p>
-          <a:p>
-            <a:pPr marL="342900" indent="-342900">
-              <a:buFont typeface="Arial" panose="020B0604020202020204" pitchFamily="34" charset="0"/>
-              <a:buChar char="•"/>
-            </a:pPr>
-            <a:endParaRPr lang="nl-NL" sz="2000" b="1">
-              <a:solidFill>
-                <a:schemeClr val="bg1"/>
-              </a:solidFill>
-            </a:endParaRPr>
-          </a:p>
-          <a:p>
-            <a:pPr marL="342900" indent="-342900">
-              <a:buFont typeface="Arial" panose="020B0604020202020204" pitchFamily="34" charset="0"/>
-              <a:buChar char="•"/>
-            </a:pPr>
-            <a:endParaRPr lang="nl-NL" sz="2000" b="1">
-              <a:solidFill>
-                <a:schemeClr val="bg1"/>
-              </a:solidFill>
-            </a:endParaRPr>
-          </a:p>
-          <a:p>
-            <a:pPr marL="342900" indent="-342900">
-              <a:buFont typeface="Arial" panose="020B0604020202020204" pitchFamily="34" charset="0"/>
-              <a:buChar char="•"/>
-            </a:pPr>
-            <a:endParaRPr lang="nl-NL" sz="2000" b="1">
-              <a:solidFill>
-                <a:schemeClr val="bg1"/>
-              </a:solidFill>
-            </a:endParaRPr>
-          </a:p>
-          <a:p>
-            <a:pPr marL="342900" indent="-342900">
-              <a:buFont typeface="Arial" panose="020B0604020202020204" pitchFamily="34" charset="0"/>
-              <a:buChar char="•"/>
-            </a:pPr>
-            <a:endParaRPr lang="nl-NL" sz="2000">
-              <a:solidFill>
-                <a:schemeClr val="bg1"/>
-              </a:solidFill>
-            </a:endParaRPr>
-          </a:p>
-          <a:p>
-            <a:pPr marL="342900" indent="-342900">
-              <a:buFont typeface="Arial" panose="020B0604020202020204" pitchFamily="34" charset="0"/>
-              <a:buChar char="•"/>
-            </a:pPr>
-            <a:endParaRPr lang="nl-NL" sz="2000">
-              <a:solidFill>
-                <a:schemeClr val="bg1"/>
-              </a:solidFill>
-            </a:endParaRPr>
-          </a:p>
-        </p:txBody>
-      </p:sp>
-    </p:spTree>
-    <p:extLst>
-      <p:ext uri="{BB962C8B-B14F-4D97-AF65-F5344CB8AC3E}">
-        <p14:creationId xmlns:p14="http://schemas.microsoft.com/office/powerpoint/2010/main" val="1774384662"/>
-      </p:ext>
-    </p:extLst>
-  </p:cSld>
-  <p:clrMapOvr>
-    <a:masterClrMapping/>
-  </p:clrMapOvr>
-</p:sld>
-</file>
-
-<file path=ppt/slides/slide44.xml><?xml version="1.0" encoding="utf-8"?>
-<p:sld xmlns:a="http://schemas.openxmlformats.org/drawingml/2006/main" xmlns:r="http://schemas.openxmlformats.org/officeDocument/2006/relationships" xmlns:p="http://schemas.openxmlformats.org/presentationml/2006/main">
-  <p:cSld>
-    <p:bg>
-      <p:bgPr>
-        <a:blipFill dpi="0" rotWithShape="1">
-          <a:blip r:embed="rId2">
-            <a:lum/>
-          </a:blip>
-          <a:srcRect/>
-          <a:stretch>
-            <a:fillRect/>
-          </a:stretch>
-        </a:blipFill>
-        <a:effectLst/>
-      </p:bgPr>
-    </p:bg>
-    <p:spTree>
-      <p:nvGrpSpPr>
-        <p:cNvPr id="1" name="">
-          <a:extLst>
-            <a:ext uri="{FF2B5EF4-FFF2-40B4-BE49-F238E27FC236}">
-              <a16:creationId xmlns:a16="http://schemas.microsoft.com/office/drawing/2014/main" id="{5402F162-2121-962E-72A2-8575F56AB7FA}"/>
-            </a:ext>
-          </a:extLst>
-        </p:cNvPr>
-        <p:cNvGrpSpPr/>
-        <p:nvPr/>
-      </p:nvGrpSpPr>
-      <p:grpSpPr>
-        <a:xfrm>
-          <a:off x="0" y="0"/>
-          <a:ext cx="0" cy="0"/>
-          <a:chOff x="0" y="0"/>
-          <a:chExt cx="0" cy="0"/>
-        </a:xfrm>
-      </p:grpSpPr>
-      <p:sp>
-        <p:nvSpPr>
-          <p:cNvPr id="8" name="Tijdelijke aanduiding voor inhoud 2">
-            <a:extLst>
-              <a:ext uri="{FF2B5EF4-FFF2-40B4-BE49-F238E27FC236}">
-                <a16:creationId xmlns:a16="http://schemas.microsoft.com/office/drawing/2014/main" id="{D4249E15-B08C-2580-5B99-2631767A47D7}"/>
-              </a:ext>
-            </a:extLst>
-          </p:cNvPr>
-          <p:cNvSpPr txBox="1">
-            <a:spLocks/>
-          </p:cNvSpPr>
-          <p:nvPr/>
-        </p:nvSpPr>
-        <p:spPr>
-          <a:xfrm>
-            <a:off x="3504282" y="2470251"/>
-            <a:ext cx="8116217" cy="4184168"/>
-          </a:xfrm>
-          <a:prstGeom prst="rect">
-            <a:avLst/>
-          </a:prstGeom>
-        </p:spPr>
-        <p:txBody>
-          <a:bodyPr vert="horz" lIns="91440" tIns="45720" rIns="91440" bIns="45720" rtlCol="0">
-            <a:noAutofit/>
-          </a:bodyPr>
-          <a:lstStyle>
-            <a:lvl1pPr marL="228600" indent="-228600" algn="l" defTabSz="914400" rtl="0" eaLnBrk="1" latinLnBrk="0" hangingPunct="1">
-              <a:lnSpc>
-                <a:spcPct val="90000"/>
-              </a:lnSpc>
-              <a:spcBef>
-                <a:spcPts val="1000"/>
-              </a:spcBef>
-              <a:buFont typeface="Arial" panose="020B0604020202020204" pitchFamily="34" charset="0"/>
-              <a:buChar char="•"/>
-              <a:defRPr sz="2800" kern="1200">
-                <a:solidFill>
-                  <a:schemeClr val="tx1"/>
-                </a:solidFill>
-                <a:latin typeface="+mn-lt"/>
-                <a:ea typeface="+mn-ea"/>
-                <a:cs typeface="+mn-cs"/>
-              </a:defRPr>
-            </a:lvl1pPr>
-            <a:lvl2pPr marL="685800" indent="-228600" algn="l" defTabSz="914400" rtl="0" eaLnBrk="1" latinLnBrk="0" hangingPunct="1">
-              <a:lnSpc>
-                <a:spcPct val="90000"/>
-              </a:lnSpc>
-              <a:spcBef>
-                <a:spcPts val="500"/>
-              </a:spcBef>
-              <a:buFont typeface="Arial" panose="020B0604020202020204" pitchFamily="34" charset="0"/>
-              <a:buChar char="•"/>
-              <a:defRPr sz="2400" kern="1200">
-                <a:solidFill>
-                  <a:schemeClr val="tx1"/>
-                </a:solidFill>
-                <a:latin typeface="+mn-lt"/>
-                <a:ea typeface="+mn-ea"/>
-                <a:cs typeface="+mn-cs"/>
-              </a:defRPr>
-            </a:lvl2pPr>
-            <a:lvl3pPr marL="1143000" indent="-228600" algn="l" defTabSz="914400" rtl="0" eaLnBrk="1" latinLnBrk="0" hangingPunct="1">
-              <a:lnSpc>
-                <a:spcPct val="90000"/>
-              </a:lnSpc>
-              <a:spcBef>
-                <a:spcPts val="500"/>
-              </a:spcBef>
-              <a:buFont typeface="Arial" panose="020B0604020202020204" pitchFamily="34" charset="0"/>
-              <a:buChar char="•"/>
-              <a:defRPr sz="2000" kern="1200">
-                <a:solidFill>
-                  <a:schemeClr val="tx1"/>
-                </a:solidFill>
-                <a:latin typeface="+mn-lt"/>
-                <a:ea typeface="+mn-ea"/>
-                <a:cs typeface="+mn-cs"/>
-              </a:defRPr>
-            </a:lvl3pPr>
-            <a:lvl4pPr marL="1600200" indent="-228600" algn="l" defTabSz="914400" rtl="0" eaLnBrk="1" latinLnBrk="0" hangingPunct="1">
-              <a:lnSpc>
-                <a:spcPct val="90000"/>
-              </a:lnSpc>
-              <a:spcBef>
-                <a:spcPts val="500"/>
-              </a:spcBef>
-              <a:buFont typeface="Arial" panose="020B0604020202020204" pitchFamily="34" charset="0"/>
-              <a:buChar char="•"/>
-              <a:defRPr sz="1800" kern="1200">
-                <a:solidFill>
-                  <a:schemeClr val="tx1"/>
-                </a:solidFill>
-                <a:latin typeface="+mn-lt"/>
-                <a:ea typeface="+mn-ea"/>
-                <a:cs typeface="+mn-cs"/>
-              </a:defRPr>
-            </a:lvl4pPr>
-            <a:lvl5pPr marL="2057400" indent="-228600" algn="l" defTabSz="914400" rtl="0" eaLnBrk="1" latinLnBrk="0" hangingPunct="1">
-              <a:lnSpc>
-                <a:spcPct val="90000"/>
-              </a:lnSpc>
-              <a:spcBef>
-                <a:spcPts val="500"/>
-              </a:spcBef>
-              <a:buFont typeface="Arial" panose="020B0604020202020204" pitchFamily="34" charset="0"/>
-              <a:buChar char="•"/>
-              <a:defRPr sz="1800" kern="1200">
-                <a:solidFill>
-                  <a:schemeClr val="tx1"/>
-                </a:solidFill>
-                <a:latin typeface="+mn-lt"/>
-                <a:ea typeface="+mn-ea"/>
-                <a:cs typeface="+mn-cs"/>
-              </a:defRPr>
-            </a:lvl5pPr>
-            <a:lvl6pPr marL="2514600" indent="-228600" algn="l" defTabSz="914400" rtl="0" eaLnBrk="1" latinLnBrk="0" hangingPunct="1">
-              <a:lnSpc>
-                <a:spcPct val="90000"/>
-              </a:lnSpc>
-              <a:spcBef>
-                <a:spcPts val="500"/>
-              </a:spcBef>
-              <a:buFont typeface="Arial" panose="020B0604020202020204" pitchFamily="34" charset="0"/>
-              <a:buChar char="•"/>
-              <a:defRPr sz="1800" kern="1200">
-                <a:solidFill>
-                  <a:schemeClr val="tx1"/>
-                </a:solidFill>
-                <a:latin typeface="+mn-lt"/>
-                <a:ea typeface="+mn-ea"/>
-                <a:cs typeface="+mn-cs"/>
-              </a:defRPr>
-            </a:lvl6pPr>
-            <a:lvl7pPr marL="2971800" indent="-228600" algn="l" defTabSz="914400" rtl="0" eaLnBrk="1" latinLnBrk="0" hangingPunct="1">
-              <a:lnSpc>
-                <a:spcPct val="90000"/>
-              </a:lnSpc>
-              <a:spcBef>
-                <a:spcPts val="500"/>
-              </a:spcBef>
-              <a:buFont typeface="Arial" panose="020B0604020202020204" pitchFamily="34" charset="0"/>
-              <a:buChar char="•"/>
-              <a:defRPr sz="1800" kern="1200">
-                <a:solidFill>
-                  <a:schemeClr val="tx1"/>
-                </a:solidFill>
-                <a:latin typeface="+mn-lt"/>
-                <a:ea typeface="+mn-ea"/>
-                <a:cs typeface="+mn-cs"/>
-              </a:defRPr>
-            </a:lvl7pPr>
-            <a:lvl8pPr marL="3429000" indent="-228600" algn="l" defTabSz="914400" rtl="0" eaLnBrk="1" latinLnBrk="0" hangingPunct="1">
-              <a:lnSpc>
-                <a:spcPct val="90000"/>
-              </a:lnSpc>
-              <a:spcBef>
-                <a:spcPts val="500"/>
-              </a:spcBef>
-              <a:buFont typeface="Arial" panose="020B0604020202020204" pitchFamily="34" charset="0"/>
-              <a:buChar char="•"/>
-              <a:defRPr sz="1800" kern="1200">
-                <a:solidFill>
-                  <a:schemeClr val="tx1"/>
-                </a:solidFill>
-                <a:latin typeface="+mn-lt"/>
-                <a:ea typeface="+mn-ea"/>
-                <a:cs typeface="+mn-cs"/>
-              </a:defRPr>
-            </a:lvl8pPr>
-            <a:lvl9pPr marL="3886200" indent="-228600" algn="l" defTabSz="914400" rtl="0" eaLnBrk="1" latinLnBrk="0" hangingPunct="1">
-              <a:lnSpc>
-                <a:spcPct val="90000"/>
-              </a:lnSpc>
-              <a:spcBef>
-                <a:spcPts val="500"/>
-              </a:spcBef>
-              <a:buFont typeface="Arial" panose="020B0604020202020204" pitchFamily="34" charset="0"/>
-              <a:buChar char="•"/>
-              <a:defRPr sz="1800" kern="1200">
-                <a:solidFill>
-                  <a:schemeClr val="tx1"/>
-                </a:solidFill>
-                <a:latin typeface="+mn-lt"/>
-                <a:ea typeface="+mn-ea"/>
-                <a:cs typeface="+mn-cs"/>
-              </a:defRPr>
-            </a:lvl9pPr>
-          </a:lstStyle>
-          <a:p>
-            <a:pPr marL="0" indent="0">
-              <a:buNone/>
-            </a:pPr>
-            <a:endParaRPr lang="nl-NL" sz="2000" b="1" i="1" dirty="0">
-              <a:solidFill>
-                <a:schemeClr val="accent2">
-                  <a:lumMod val="60000"/>
-                  <a:lumOff val="40000"/>
-                </a:schemeClr>
-              </a:solidFill>
-              <a:latin typeface="Helvetica" pitchFamily="2" charset="0"/>
-              <a:ea typeface="Open Sans" panose="020B0606030504020204" pitchFamily="34" charset="0"/>
-              <a:cs typeface="Open Sans" panose="020B0606030504020204" pitchFamily="34" charset="0"/>
-            </a:endParaRPr>
-          </a:p>
-        </p:txBody>
-      </p:sp>
-      <p:sp>
-        <p:nvSpPr>
-          <p:cNvPr id="2" name="TextBox 1">
-            <a:extLst>
-              <a:ext uri="{FF2B5EF4-FFF2-40B4-BE49-F238E27FC236}">
-                <a16:creationId xmlns:a16="http://schemas.microsoft.com/office/drawing/2014/main" id="{8CB4DC81-52F5-3C32-997C-979F0BE27553}"/>
-              </a:ext>
-            </a:extLst>
-          </p:cNvPr>
-          <p:cNvSpPr txBox="1"/>
-          <p:nvPr/>
-        </p:nvSpPr>
-        <p:spPr>
-          <a:xfrm>
-            <a:off x="3186260" y="301657"/>
-            <a:ext cx="6947554" cy="707886"/>
-          </a:xfrm>
-          <a:prstGeom prst="rect">
-            <a:avLst/>
-          </a:prstGeom>
-          <a:noFill/>
-        </p:spPr>
-        <p:txBody>
-          <a:bodyPr wrap="square" rtlCol="0">
-            <a:spAutoFit/>
-          </a:bodyPr>
-          <a:lstStyle/>
-          <a:p>
-            <a:r>
-              <a:rPr lang="nl-NL" sz="4000" b="1">
-                <a:solidFill>
-                  <a:schemeClr val="bg1"/>
-                </a:solidFill>
-              </a:rPr>
-              <a:t>4. Project organization</a:t>
-            </a:r>
           </a:p>
         </p:txBody>
       </p:sp>
@@ -41673,7 +40701,7 @@
 </p:sld>
 </file>
 
-<file path=ppt/slides/slide45.xml><?xml version="1.0" encoding="utf-8"?>
+<file path=ppt/slides/slide43.xml><?xml version="1.0" encoding="utf-8"?>
 <p:sld xmlns:a="http://schemas.openxmlformats.org/drawingml/2006/main" xmlns:r="http://schemas.openxmlformats.org/officeDocument/2006/relationships" xmlns:p="http://schemas.openxmlformats.org/presentationml/2006/main">
   <p:cSld>
     <p:bg>
@@ -43176,18 +42204,31 @@
         </p:spPr>
         <p:txBody>
           <a:bodyPr vert="horz" lIns="91440" tIns="45720" rIns="91440" bIns="45720" rtlCol="0" anchor="b">
-            <a:normAutofit/>
+            <a:normAutofit fontScale="92500"/>
           </a:bodyPr>
           <a:lstStyle/>
           <a:p>
             <a:r>
-              <a:rPr lang="nl-NL" sz="4000" b="1">
-                <a:solidFill>
-                  <a:schemeClr val="bg1"/>
-                </a:solidFill>
-              </a:rPr>
-              <a:t>4a. Project Structure</a:t>
-            </a:r>
+              <a:rPr lang="nl-NL" sz="4000" b="1" dirty="0">
+                <a:solidFill>
+                  <a:schemeClr val="bg1"/>
+                </a:solidFill>
+              </a:rPr>
+              <a:t>Appendix 2. Project </a:t>
+            </a:r>
+            <a:r>
+              <a:rPr lang="nl-NL" sz="4000" b="1" dirty="0" err="1">
+                <a:solidFill>
+                  <a:schemeClr val="bg1"/>
+                </a:solidFill>
+              </a:rPr>
+              <a:t>organization</a:t>
+            </a:r>
+            <a:endParaRPr lang="nl-NL" sz="4000" b="1" dirty="0">
+              <a:solidFill>
+                <a:schemeClr val="bg1"/>
+              </a:solidFill>
+            </a:endParaRPr>
           </a:p>
         </p:txBody>
       </p:sp>
@@ -43204,7 +42245,7 @@
 </p:sld>
 </file>
 
-<file path=ppt/slides/slide46.xml><?xml version="1.0" encoding="utf-8"?>
+<file path=ppt/slides/slide44.xml><?xml version="1.0" encoding="utf-8"?>
 <p:sld xmlns:a="http://schemas.openxmlformats.org/drawingml/2006/main" xmlns:r="http://schemas.openxmlformats.org/officeDocument/2006/relationships" xmlns:p="http://schemas.openxmlformats.org/presentationml/2006/main">
   <p:cSld>
     <p:bg>
@@ -43465,7 +42506,7 @@
         <p:spPr>
           <a:xfrm>
             <a:off x="3186260" y="301657"/>
-            <a:ext cx="6947554" cy="1323439"/>
+            <a:ext cx="9688492" cy="707886"/>
           </a:xfrm>
           <a:prstGeom prst="rect">
             <a:avLst/>
@@ -43479,16 +42520,22 @@
           <a:lstStyle/>
           <a:p>
             <a:r>
-              <a:rPr lang="nl-NL" sz="4000" b="1">
-                <a:solidFill>
-                  <a:schemeClr val="bg1"/>
-                </a:solidFill>
-              </a:rPr>
-              <a:t>4a. Project Structure</a:t>
-            </a:r>
-          </a:p>
-          <a:p>
-            <a:endParaRPr lang="nl-NL" sz="4000" b="1">
+              <a:rPr lang="nl-NL" sz="4000" b="1" dirty="0">
+                <a:solidFill>
+                  <a:schemeClr val="bg1"/>
+                </a:solidFill>
+              </a:rPr>
+              <a:t>Appendix 2. Project </a:t>
+            </a:r>
+            <a:r>
+              <a:rPr lang="nl-NL" sz="4000" b="1" dirty="0" err="1">
+                <a:solidFill>
+                  <a:schemeClr val="bg1"/>
+                </a:solidFill>
+              </a:rPr>
+              <a:t>organization</a:t>
+            </a:r>
+            <a:endParaRPr lang="nl-NL" sz="4000" b="1" dirty="0">
               <a:solidFill>
                 <a:schemeClr val="bg1"/>
               </a:solidFill>
@@ -43660,2209 +42707,6 @@
     <p:extLst>
       <p:ext uri="{BB962C8B-B14F-4D97-AF65-F5344CB8AC3E}">
         <p14:creationId xmlns:p14="http://schemas.microsoft.com/office/powerpoint/2010/main" val="3604972213"/>
-      </p:ext>
-    </p:extLst>
-  </p:cSld>
-  <p:clrMapOvr>
-    <a:masterClrMapping/>
-  </p:clrMapOvr>
-</p:sld>
-</file>
-
-<file path=ppt/slides/slide47.xml><?xml version="1.0" encoding="utf-8"?>
-<p:sld xmlns:a="http://schemas.openxmlformats.org/drawingml/2006/main" xmlns:r="http://schemas.openxmlformats.org/officeDocument/2006/relationships" xmlns:p="http://schemas.openxmlformats.org/presentationml/2006/main">
-  <p:cSld>
-    <p:bg>
-      <p:bgPr>
-        <a:blipFill dpi="0" rotWithShape="1">
-          <a:blip r:embed="rId2">
-            <a:lum/>
-          </a:blip>
-          <a:srcRect/>
-          <a:stretch>
-            <a:fillRect/>
-          </a:stretch>
-        </a:blipFill>
-        <a:effectLst/>
-      </p:bgPr>
-    </p:bg>
-    <p:spTree>
-      <p:nvGrpSpPr>
-        <p:cNvPr id="1" name=""/>
-        <p:cNvGrpSpPr/>
-        <p:nvPr/>
-      </p:nvGrpSpPr>
-      <p:grpSpPr>
-        <a:xfrm>
-          <a:off x="0" y="0"/>
-          <a:ext cx="0" cy="0"/>
-          <a:chOff x="0" y="0"/>
-          <a:chExt cx="0" cy="0"/>
-        </a:xfrm>
-      </p:grpSpPr>
-      <p:sp>
-        <p:nvSpPr>
-          <p:cNvPr id="8" name="Tijdelijke aanduiding voor inhoud 2">
-            <a:extLst>
-              <a:ext uri="{FF2B5EF4-FFF2-40B4-BE49-F238E27FC236}">
-                <a16:creationId xmlns:a16="http://schemas.microsoft.com/office/drawing/2014/main" id="{A3BA37FE-5BDC-D1B6-ED38-210122216D23}"/>
-              </a:ext>
-            </a:extLst>
-          </p:cNvPr>
-          <p:cNvSpPr txBox="1">
-            <a:spLocks/>
-          </p:cNvSpPr>
-          <p:nvPr/>
-        </p:nvSpPr>
-        <p:spPr>
-          <a:xfrm>
-            <a:off x="3504282" y="2124353"/>
-            <a:ext cx="8116217" cy="4513513"/>
-          </a:xfrm>
-          <a:prstGeom prst="rect">
-            <a:avLst/>
-          </a:prstGeom>
-        </p:spPr>
-        <p:txBody>
-          <a:bodyPr vert="horz" lIns="91440" tIns="45720" rIns="91440" bIns="45720" rtlCol="0">
-            <a:noAutofit/>
-          </a:bodyPr>
-          <a:lstStyle>
-            <a:lvl1pPr marL="228600" indent="-228600" algn="l" defTabSz="914400" rtl="0" eaLnBrk="1" latinLnBrk="0" hangingPunct="1">
-              <a:lnSpc>
-                <a:spcPct val="90000"/>
-              </a:lnSpc>
-              <a:spcBef>
-                <a:spcPts val="1000"/>
-              </a:spcBef>
-              <a:buFont typeface="Arial" panose="020B0604020202020204" pitchFamily="34" charset="0"/>
-              <a:buChar char="•"/>
-              <a:defRPr sz="2800" kern="1200">
-                <a:solidFill>
-                  <a:schemeClr val="tx1"/>
-                </a:solidFill>
-                <a:latin typeface="+mn-lt"/>
-                <a:ea typeface="+mn-ea"/>
-                <a:cs typeface="+mn-cs"/>
-              </a:defRPr>
-            </a:lvl1pPr>
-            <a:lvl2pPr marL="685800" indent="-228600" algn="l" defTabSz="914400" rtl="0" eaLnBrk="1" latinLnBrk="0" hangingPunct="1">
-              <a:lnSpc>
-                <a:spcPct val="90000"/>
-              </a:lnSpc>
-              <a:spcBef>
-                <a:spcPts val="500"/>
-              </a:spcBef>
-              <a:buFont typeface="Arial" panose="020B0604020202020204" pitchFamily="34" charset="0"/>
-              <a:buChar char="•"/>
-              <a:defRPr sz="2400" kern="1200">
-                <a:solidFill>
-                  <a:schemeClr val="tx1"/>
-                </a:solidFill>
-                <a:latin typeface="+mn-lt"/>
-                <a:ea typeface="+mn-ea"/>
-                <a:cs typeface="+mn-cs"/>
-              </a:defRPr>
-            </a:lvl2pPr>
-            <a:lvl3pPr marL="1143000" indent="-228600" algn="l" defTabSz="914400" rtl="0" eaLnBrk="1" latinLnBrk="0" hangingPunct="1">
-              <a:lnSpc>
-                <a:spcPct val="90000"/>
-              </a:lnSpc>
-              <a:spcBef>
-                <a:spcPts val="500"/>
-              </a:spcBef>
-              <a:buFont typeface="Arial" panose="020B0604020202020204" pitchFamily="34" charset="0"/>
-              <a:buChar char="•"/>
-              <a:defRPr sz="2000" kern="1200">
-                <a:solidFill>
-                  <a:schemeClr val="tx1"/>
-                </a:solidFill>
-                <a:latin typeface="+mn-lt"/>
-                <a:ea typeface="+mn-ea"/>
-                <a:cs typeface="+mn-cs"/>
-              </a:defRPr>
-            </a:lvl3pPr>
-            <a:lvl4pPr marL="1600200" indent="-228600" algn="l" defTabSz="914400" rtl="0" eaLnBrk="1" latinLnBrk="0" hangingPunct="1">
-              <a:lnSpc>
-                <a:spcPct val="90000"/>
-              </a:lnSpc>
-              <a:spcBef>
-                <a:spcPts val="500"/>
-              </a:spcBef>
-              <a:buFont typeface="Arial" panose="020B0604020202020204" pitchFamily="34" charset="0"/>
-              <a:buChar char="•"/>
-              <a:defRPr sz="1800" kern="1200">
-                <a:solidFill>
-                  <a:schemeClr val="tx1"/>
-                </a:solidFill>
-                <a:latin typeface="+mn-lt"/>
-                <a:ea typeface="+mn-ea"/>
-                <a:cs typeface="+mn-cs"/>
-              </a:defRPr>
-            </a:lvl4pPr>
-            <a:lvl5pPr marL="2057400" indent="-228600" algn="l" defTabSz="914400" rtl="0" eaLnBrk="1" latinLnBrk="0" hangingPunct="1">
-              <a:lnSpc>
-                <a:spcPct val="90000"/>
-              </a:lnSpc>
-              <a:spcBef>
-                <a:spcPts val="500"/>
-              </a:spcBef>
-              <a:buFont typeface="Arial" panose="020B0604020202020204" pitchFamily="34" charset="0"/>
-              <a:buChar char="•"/>
-              <a:defRPr sz="1800" kern="1200">
-                <a:solidFill>
-                  <a:schemeClr val="tx1"/>
-                </a:solidFill>
-                <a:latin typeface="+mn-lt"/>
-                <a:ea typeface="+mn-ea"/>
-                <a:cs typeface="+mn-cs"/>
-              </a:defRPr>
-            </a:lvl5pPr>
-            <a:lvl6pPr marL="2514600" indent="-228600" algn="l" defTabSz="914400" rtl="0" eaLnBrk="1" latinLnBrk="0" hangingPunct="1">
-              <a:lnSpc>
-                <a:spcPct val="90000"/>
-              </a:lnSpc>
-              <a:spcBef>
-                <a:spcPts val="500"/>
-              </a:spcBef>
-              <a:buFont typeface="Arial" panose="020B0604020202020204" pitchFamily="34" charset="0"/>
-              <a:buChar char="•"/>
-              <a:defRPr sz="1800" kern="1200">
-                <a:solidFill>
-                  <a:schemeClr val="tx1"/>
-                </a:solidFill>
-                <a:latin typeface="+mn-lt"/>
-                <a:ea typeface="+mn-ea"/>
-                <a:cs typeface="+mn-cs"/>
-              </a:defRPr>
-            </a:lvl6pPr>
-            <a:lvl7pPr marL="2971800" indent="-228600" algn="l" defTabSz="914400" rtl="0" eaLnBrk="1" latinLnBrk="0" hangingPunct="1">
-              <a:lnSpc>
-                <a:spcPct val="90000"/>
-              </a:lnSpc>
-              <a:spcBef>
-                <a:spcPts val="500"/>
-              </a:spcBef>
-              <a:buFont typeface="Arial" panose="020B0604020202020204" pitchFamily="34" charset="0"/>
-              <a:buChar char="•"/>
-              <a:defRPr sz="1800" kern="1200">
-                <a:solidFill>
-                  <a:schemeClr val="tx1"/>
-                </a:solidFill>
-                <a:latin typeface="+mn-lt"/>
-                <a:ea typeface="+mn-ea"/>
-                <a:cs typeface="+mn-cs"/>
-              </a:defRPr>
-            </a:lvl7pPr>
-            <a:lvl8pPr marL="3429000" indent="-228600" algn="l" defTabSz="914400" rtl="0" eaLnBrk="1" latinLnBrk="0" hangingPunct="1">
-              <a:lnSpc>
-                <a:spcPct val="90000"/>
-              </a:lnSpc>
-              <a:spcBef>
-                <a:spcPts val="500"/>
-              </a:spcBef>
-              <a:buFont typeface="Arial" panose="020B0604020202020204" pitchFamily="34" charset="0"/>
-              <a:buChar char="•"/>
-              <a:defRPr sz="1800" kern="1200">
-                <a:solidFill>
-                  <a:schemeClr val="tx1"/>
-                </a:solidFill>
-                <a:latin typeface="+mn-lt"/>
-                <a:ea typeface="+mn-ea"/>
-                <a:cs typeface="+mn-cs"/>
-              </a:defRPr>
-            </a:lvl8pPr>
-            <a:lvl9pPr marL="3886200" indent="-228600" algn="l" defTabSz="914400" rtl="0" eaLnBrk="1" latinLnBrk="0" hangingPunct="1">
-              <a:lnSpc>
-                <a:spcPct val="90000"/>
-              </a:lnSpc>
-              <a:spcBef>
-                <a:spcPts val="500"/>
-              </a:spcBef>
-              <a:buFont typeface="Arial" panose="020B0604020202020204" pitchFamily="34" charset="0"/>
-              <a:buChar char="•"/>
-              <a:defRPr sz="1800" kern="1200">
-                <a:solidFill>
-                  <a:schemeClr val="tx1"/>
-                </a:solidFill>
-                <a:latin typeface="+mn-lt"/>
-                <a:ea typeface="+mn-ea"/>
-                <a:cs typeface="+mn-cs"/>
-              </a:defRPr>
-            </a:lvl9pPr>
-          </a:lstStyle>
-          <a:p>
-            <a:pPr marL="0" indent="0">
-              <a:buFont typeface="Arial" panose="020B0604020202020204" pitchFamily="34" charset="0"/>
-              <a:buNone/>
-            </a:pPr>
-            <a:r>
-              <a:rPr lang="nl-NL" sz="2000" dirty="0" err="1">
-                <a:solidFill>
-                  <a:schemeClr val="bg1"/>
-                </a:solidFill>
-                <a:latin typeface="Helvetica" pitchFamily="2" charset="0"/>
-                <a:ea typeface="Open Sans" panose="020B0606030504020204" pitchFamily="34" charset="0"/>
-                <a:cs typeface="Open Sans" panose="020B0606030504020204" pitchFamily="34" charset="0"/>
-              </a:rPr>
-              <a:t>Please</a:t>
-            </a:r>
-            <a:r>
-              <a:rPr lang="nl-NL" sz="2000" dirty="0">
-                <a:solidFill>
-                  <a:schemeClr val="bg1"/>
-                </a:solidFill>
-                <a:latin typeface="Helvetica" pitchFamily="2" charset="0"/>
-                <a:ea typeface="Open Sans" panose="020B0606030504020204" pitchFamily="34" charset="0"/>
-                <a:cs typeface="Open Sans" panose="020B0606030504020204" pitchFamily="34" charset="0"/>
-              </a:rPr>
-              <a:t> </a:t>
-            </a:r>
-            <a:r>
-              <a:rPr lang="nl-NL" sz="2000" dirty="0" err="1">
-                <a:solidFill>
-                  <a:schemeClr val="bg1"/>
-                </a:solidFill>
-                <a:latin typeface="Helvetica" pitchFamily="2" charset="0"/>
-                <a:ea typeface="Open Sans" panose="020B0606030504020204" pitchFamily="34" charset="0"/>
-                <a:cs typeface="Open Sans" panose="020B0606030504020204" pitchFamily="34" charset="0"/>
-              </a:rPr>
-              <a:t>note</a:t>
-            </a:r>
-            <a:r>
-              <a:rPr lang="nl-NL" sz="2000" dirty="0">
-                <a:solidFill>
-                  <a:schemeClr val="bg1"/>
-                </a:solidFill>
-                <a:latin typeface="Helvetica" pitchFamily="2" charset="0"/>
-                <a:ea typeface="Open Sans" panose="020B0606030504020204" pitchFamily="34" charset="0"/>
-                <a:cs typeface="Open Sans" panose="020B0606030504020204" pitchFamily="34" charset="0"/>
-              </a:rPr>
-              <a:t> </a:t>
-            </a:r>
-            <a:r>
-              <a:rPr lang="nl-NL" sz="2000" dirty="0" err="1">
-                <a:solidFill>
-                  <a:schemeClr val="bg1"/>
-                </a:solidFill>
-                <a:latin typeface="Helvetica" pitchFamily="2" charset="0"/>
-                <a:ea typeface="Open Sans" panose="020B0606030504020204" pitchFamily="34" charset="0"/>
-                <a:cs typeface="Open Sans" panose="020B0606030504020204" pitchFamily="34" charset="0"/>
-              </a:rPr>
-              <a:t>that</a:t>
-            </a:r>
-            <a:r>
-              <a:rPr lang="nl-NL" sz="2000" dirty="0">
-                <a:solidFill>
-                  <a:schemeClr val="bg1"/>
-                </a:solidFill>
-                <a:latin typeface="Helvetica" pitchFamily="2" charset="0"/>
-                <a:ea typeface="Open Sans" panose="020B0606030504020204" pitchFamily="34" charset="0"/>
-                <a:cs typeface="Open Sans" panose="020B0606030504020204" pitchFamily="34" charset="0"/>
-              </a:rPr>
-              <a:t> </a:t>
-            </a:r>
-            <a:r>
-              <a:rPr lang="nl-NL" sz="2000" dirty="0" err="1">
-                <a:solidFill>
-                  <a:schemeClr val="bg1"/>
-                </a:solidFill>
-                <a:latin typeface="Helvetica" pitchFamily="2" charset="0"/>
-                <a:ea typeface="Open Sans" panose="020B0606030504020204" pitchFamily="34" charset="0"/>
-                <a:cs typeface="Open Sans" panose="020B0606030504020204" pitchFamily="34" charset="0"/>
-              </a:rPr>
-              <a:t>each</a:t>
-            </a:r>
-            <a:r>
-              <a:rPr lang="nl-NL" sz="2000" dirty="0">
-                <a:solidFill>
-                  <a:schemeClr val="bg1"/>
-                </a:solidFill>
-                <a:latin typeface="Helvetica" pitchFamily="2" charset="0"/>
-                <a:ea typeface="Open Sans" panose="020B0606030504020204" pitchFamily="34" charset="0"/>
-                <a:cs typeface="Open Sans" panose="020B0606030504020204" pitchFamily="34" charset="0"/>
-              </a:rPr>
-              <a:t> </a:t>
-            </a:r>
-            <a:r>
-              <a:rPr lang="nl-NL" sz="2000" dirty="0" err="1">
-                <a:solidFill>
-                  <a:schemeClr val="bg1"/>
-                </a:solidFill>
-                <a:latin typeface="Helvetica" pitchFamily="2" charset="0"/>
-                <a:ea typeface="Open Sans" panose="020B0606030504020204" pitchFamily="34" charset="0"/>
-                <a:cs typeface="Open Sans" panose="020B0606030504020204" pitchFamily="34" charset="0"/>
-              </a:rPr>
-              <a:t>lecture</a:t>
-            </a:r>
-            <a:r>
-              <a:rPr lang="nl-NL" sz="2000" dirty="0">
-                <a:solidFill>
-                  <a:schemeClr val="bg1"/>
-                </a:solidFill>
-                <a:latin typeface="Helvetica" pitchFamily="2" charset="0"/>
-                <a:ea typeface="Open Sans" panose="020B0606030504020204" pitchFamily="34" charset="0"/>
-                <a:cs typeface="Open Sans" panose="020B0606030504020204" pitchFamily="34" charset="0"/>
-              </a:rPr>
-              <a:t> is </a:t>
-            </a:r>
-            <a:r>
-              <a:rPr lang="nl-NL" sz="2000" dirty="0" err="1">
-                <a:solidFill>
-                  <a:schemeClr val="bg1"/>
-                </a:solidFill>
-                <a:latin typeface="Helvetica" pitchFamily="2" charset="0"/>
-                <a:ea typeface="Open Sans" panose="020B0606030504020204" pitchFamily="34" charset="0"/>
-                <a:cs typeface="Open Sans" panose="020B0606030504020204" pitchFamily="34" charset="0"/>
-              </a:rPr>
-              <a:t>rated</a:t>
-            </a:r>
-            <a:r>
-              <a:rPr lang="nl-NL" sz="2000" dirty="0">
-                <a:solidFill>
-                  <a:schemeClr val="bg1"/>
-                </a:solidFill>
-                <a:latin typeface="Helvetica" pitchFamily="2" charset="0"/>
-                <a:ea typeface="Open Sans" panose="020B0606030504020204" pitchFamily="34" charset="0"/>
-                <a:cs typeface="Open Sans" panose="020B0606030504020204" pitchFamily="34" charset="0"/>
-              </a:rPr>
-              <a:t> </a:t>
-            </a:r>
-            <a:r>
-              <a:rPr lang="nl-NL" sz="2000" dirty="0" err="1">
-                <a:solidFill>
-                  <a:schemeClr val="bg1"/>
-                </a:solidFill>
-                <a:latin typeface="Helvetica" pitchFamily="2" charset="0"/>
-                <a:ea typeface="Open Sans" panose="020B0606030504020204" pitchFamily="34" charset="0"/>
-                <a:cs typeface="Open Sans" panose="020B0606030504020204" pitchFamily="34" charset="0"/>
-              </a:rPr>
-              <a:t>by</a:t>
-            </a:r>
-            <a:r>
-              <a:rPr lang="nl-NL" sz="2000" dirty="0">
-                <a:solidFill>
-                  <a:schemeClr val="bg1"/>
-                </a:solidFill>
-                <a:latin typeface="Helvetica" pitchFamily="2" charset="0"/>
-                <a:ea typeface="Open Sans" panose="020B0606030504020204" pitchFamily="34" charset="0"/>
-                <a:cs typeface="Open Sans" panose="020B0606030504020204" pitchFamily="34" charset="0"/>
-              </a:rPr>
-              <a:t> </a:t>
-            </a:r>
-            <a:r>
-              <a:rPr lang="nl-NL" sz="2000" dirty="0" err="1">
-                <a:solidFill>
-                  <a:schemeClr val="bg1"/>
-                </a:solidFill>
-                <a:latin typeface="Helvetica" pitchFamily="2" charset="0"/>
-                <a:ea typeface="Open Sans" panose="020B0606030504020204" pitchFamily="34" charset="0"/>
-                <a:cs typeface="Open Sans" panose="020B0606030504020204" pitchFamily="34" charset="0"/>
-              </a:rPr>
-              <a:t>the</a:t>
-            </a:r>
-            <a:r>
-              <a:rPr lang="nl-NL" sz="2000" dirty="0">
-                <a:solidFill>
-                  <a:schemeClr val="bg1"/>
-                </a:solidFill>
-                <a:latin typeface="Helvetica" pitchFamily="2" charset="0"/>
-                <a:ea typeface="Open Sans" panose="020B0606030504020204" pitchFamily="34" charset="0"/>
-                <a:cs typeface="Open Sans" panose="020B0606030504020204" pitchFamily="34" charset="0"/>
-              </a:rPr>
-              <a:t> </a:t>
-            </a:r>
-            <a:r>
-              <a:rPr lang="nl-NL" sz="2000" dirty="0" err="1">
-                <a:solidFill>
-                  <a:schemeClr val="bg1"/>
-                </a:solidFill>
-                <a:latin typeface="Helvetica" pitchFamily="2" charset="0"/>
-                <a:ea typeface="Open Sans" panose="020B0606030504020204" pitchFamily="34" charset="0"/>
-                <a:cs typeface="Open Sans" panose="020B0606030504020204" pitchFamily="34" charset="0"/>
-              </a:rPr>
-              <a:t>attendee</a:t>
-            </a:r>
-            <a:r>
-              <a:rPr lang="nl-NL" sz="2000" dirty="0">
-                <a:solidFill>
-                  <a:schemeClr val="bg1"/>
-                </a:solidFill>
-                <a:latin typeface="Helvetica" pitchFamily="2" charset="0"/>
-                <a:ea typeface="Open Sans" panose="020B0606030504020204" pitchFamily="34" charset="0"/>
-                <a:cs typeface="Open Sans" panose="020B0606030504020204" pitchFamily="34" charset="0"/>
-              </a:rPr>
-              <a:t> in </a:t>
-            </a:r>
-            <a:r>
-              <a:rPr lang="nl-NL" sz="2000" dirty="0" err="1">
-                <a:solidFill>
-                  <a:schemeClr val="bg1"/>
-                </a:solidFill>
-                <a:latin typeface="Helvetica" pitchFamily="2" charset="0"/>
-                <a:ea typeface="Open Sans" panose="020B0606030504020204" pitchFamily="34" charset="0"/>
-                <a:cs typeface="Open Sans" panose="020B0606030504020204" pitchFamily="34" charset="0"/>
-              </a:rPr>
-              <a:t>the</a:t>
-            </a:r>
-            <a:r>
-              <a:rPr lang="nl-NL" sz="2000" dirty="0">
-                <a:solidFill>
-                  <a:schemeClr val="bg1"/>
-                </a:solidFill>
-                <a:latin typeface="Helvetica" pitchFamily="2" charset="0"/>
-                <a:ea typeface="Open Sans" panose="020B0606030504020204" pitchFamily="34" charset="0"/>
-                <a:cs typeface="Open Sans" panose="020B0606030504020204" pitchFamily="34" charset="0"/>
-              </a:rPr>
-              <a:t> room.</a:t>
-            </a:r>
-          </a:p>
-          <a:p>
-            <a:pPr marL="0" indent="0">
-              <a:buFont typeface="Arial" panose="020B0604020202020204" pitchFamily="34" charset="0"/>
-              <a:buNone/>
-            </a:pPr>
-            <a:endParaRPr lang="nl-NL" sz="2000" dirty="0">
-              <a:solidFill>
-                <a:schemeClr val="bg1"/>
-              </a:solidFill>
-              <a:latin typeface="Helvetica" pitchFamily="2" charset="0"/>
-              <a:ea typeface="Open Sans" panose="020B0606030504020204" pitchFamily="34" charset="0"/>
-              <a:cs typeface="Open Sans" panose="020B0606030504020204" pitchFamily="34" charset="0"/>
-            </a:endParaRPr>
-          </a:p>
-          <a:p>
-            <a:pPr marL="0" indent="0">
-              <a:buFont typeface="Arial" panose="020B0604020202020204" pitchFamily="34" charset="0"/>
-              <a:buNone/>
-            </a:pPr>
-            <a:r>
-              <a:rPr lang="nl-NL" sz="2000" dirty="0" err="1">
-                <a:solidFill>
-                  <a:schemeClr val="bg1"/>
-                </a:solidFill>
-                <a:latin typeface="Helvetica" pitchFamily="2" charset="0"/>
-                <a:ea typeface="Open Sans" panose="020B0606030504020204" pitchFamily="34" charset="0"/>
-                <a:cs typeface="Open Sans" panose="020B0606030504020204" pitchFamily="34" charset="0"/>
-              </a:rPr>
-              <a:t>Give</a:t>
-            </a:r>
-            <a:r>
-              <a:rPr lang="nl-NL" sz="2000" dirty="0">
-                <a:solidFill>
-                  <a:schemeClr val="bg1"/>
-                </a:solidFill>
-                <a:latin typeface="Helvetica" pitchFamily="2" charset="0"/>
-                <a:ea typeface="Open Sans" panose="020B0606030504020204" pitchFamily="34" charset="0"/>
-                <a:cs typeface="Open Sans" panose="020B0606030504020204" pitchFamily="34" charset="0"/>
-              </a:rPr>
-              <a:t> </a:t>
-            </a:r>
-            <a:r>
-              <a:rPr lang="nl-NL" sz="2000" dirty="0" err="1">
-                <a:solidFill>
-                  <a:schemeClr val="bg1"/>
-                </a:solidFill>
-                <a:latin typeface="Helvetica" pitchFamily="2" charset="0"/>
-                <a:ea typeface="Open Sans" panose="020B0606030504020204" pitchFamily="34" charset="0"/>
-                <a:cs typeface="Open Sans" panose="020B0606030504020204" pitchFamily="34" charset="0"/>
-              </a:rPr>
-              <a:t>your</a:t>
-            </a:r>
-            <a:r>
-              <a:rPr lang="nl-NL" sz="2000" dirty="0">
-                <a:solidFill>
-                  <a:schemeClr val="bg1"/>
-                </a:solidFill>
-                <a:latin typeface="Helvetica" pitchFamily="2" charset="0"/>
-                <a:ea typeface="Open Sans" panose="020B0606030504020204" pitchFamily="34" charset="0"/>
-                <a:cs typeface="Open Sans" panose="020B0606030504020204" pitchFamily="34" charset="0"/>
-              </a:rPr>
-              <a:t> rating </a:t>
-            </a:r>
-            <a:r>
-              <a:rPr lang="nl-NL" sz="2000" dirty="0" err="1">
-                <a:solidFill>
-                  <a:schemeClr val="bg1"/>
-                </a:solidFill>
-                <a:latin typeface="Helvetica" pitchFamily="2" charset="0"/>
-                <a:ea typeface="Open Sans" panose="020B0606030504020204" pitchFamily="34" charset="0"/>
-                <a:cs typeface="Open Sans" panose="020B0606030504020204" pitchFamily="34" charset="0"/>
-              </a:rPr>
-              <a:t>immediately</a:t>
-            </a:r>
-            <a:r>
-              <a:rPr lang="nl-NL" sz="2000" dirty="0">
-                <a:solidFill>
-                  <a:schemeClr val="bg1"/>
-                </a:solidFill>
-                <a:latin typeface="Helvetica" pitchFamily="2" charset="0"/>
-                <a:ea typeface="Open Sans" panose="020B0606030504020204" pitchFamily="34" charset="0"/>
-                <a:cs typeface="Open Sans" panose="020B0606030504020204" pitchFamily="34" charset="0"/>
-              </a:rPr>
-              <a:t> </a:t>
-            </a:r>
-            <a:r>
-              <a:rPr lang="nl-NL" sz="2000" dirty="0" err="1">
-                <a:solidFill>
-                  <a:schemeClr val="bg1"/>
-                </a:solidFill>
-                <a:latin typeface="Helvetica" pitchFamily="2" charset="0"/>
-                <a:ea typeface="Open Sans" panose="020B0606030504020204" pitchFamily="34" charset="0"/>
-                <a:cs typeface="Open Sans" panose="020B0606030504020204" pitchFamily="34" charset="0"/>
-              </a:rPr>
-              <a:t>after</a:t>
-            </a:r>
-            <a:r>
-              <a:rPr lang="nl-NL" sz="2000" dirty="0">
-                <a:solidFill>
-                  <a:schemeClr val="bg1"/>
-                </a:solidFill>
-                <a:latin typeface="Helvetica" pitchFamily="2" charset="0"/>
-                <a:ea typeface="Open Sans" panose="020B0606030504020204" pitchFamily="34" charset="0"/>
-                <a:cs typeface="Open Sans" panose="020B0606030504020204" pitchFamily="34" charset="0"/>
-              </a:rPr>
-              <a:t> </a:t>
-            </a:r>
-            <a:r>
-              <a:rPr lang="nl-NL" sz="2000" dirty="0" err="1">
-                <a:solidFill>
-                  <a:schemeClr val="bg1"/>
-                </a:solidFill>
-                <a:latin typeface="Helvetica" pitchFamily="2" charset="0"/>
-                <a:ea typeface="Open Sans" panose="020B0606030504020204" pitchFamily="34" charset="0"/>
-                <a:cs typeface="Open Sans" panose="020B0606030504020204" pitchFamily="34" charset="0"/>
-              </a:rPr>
-              <a:t>this</a:t>
-            </a:r>
-            <a:r>
-              <a:rPr lang="nl-NL" sz="2000" dirty="0">
-                <a:solidFill>
-                  <a:schemeClr val="bg1"/>
-                </a:solidFill>
-                <a:latin typeface="Helvetica" pitchFamily="2" charset="0"/>
-                <a:ea typeface="Open Sans" panose="020B0606030504020204" pitchFamily="34" charset="0"/>
-                <a:cs typeface="Open Sans" panose="020B0606030504020204" pitchFamily="34" charset="0"/>
-              </a:rPr>
-              <a:t> </a:t>
-            </a:r>
-            <a:r>
-              <a:rPr lang="nl-NL" sz="2000" dirty="0" err="1">
-                <a:solidFill>
-                  <a:schemeClr val="bg1"/>
-                </a:solidFill>
-                <a:latin typeface="Helvetica" pitchFamily="2" charset="0"/>
-                <a:ea typeface="Open Sans" panose="020B0606030504020204" pitchFamily="34" charset="0"/>
-                <a:cs typeface="Open Sans" panose="020B0606030504020204" pitchFamily="34" charset="0"/>
-              </a:rPr>
-              <a:t>lecture</a:t>
-            </a:r>
-            <a:r>
-              <a:rPr lang="nl-NL" sz="2000" dirty="0">
-                <a:solidFill>
-                  <a:schemeClr val="bg1"/>
-                </a:solidFill>
-                <a:latin typeface="Helvetica" pitchFamily="2" charset="0"/>
-                <a:ea typeface="Open Sans" panose="020B0606030504020204" pitchFamily="34" charset="0"/>
-                <a:cs typeface="Open Sans" panose="020B0606030504020204" pitchFamily="34" charset="0"/>
-              </a:rPr>
-              <a:t>:</a:t>
-            </a:r>
-          </a:p>
-          <a:p>
-            <a:pPr marL="0" indent="0">
-              <a:buFont typeface="Arial" panose="020B0604020202020204" pitchFamily="34" charset="0"/>
-              <a:buNone/>
-            </a:pPr>
-            <a:r>
-              <a:rPr lang="nl-NL" sz="2000" dirty="0">
-                <a:solidFill>
-                  <a:schemeClr val="bg1"/>
-                </a:solidFill>
-                <a:latin typeface="Helvetica" pitchFamily="2" charset="0"/>
-                <a:ea typeface="Open Sans" panose="020B0606030504020204" pitchFamily="34" charset="0"/>
-                <a:cs typeface="Open Sans" panose="020B0606030504020204" pitchFamily="34" charset="0"/>
-              </a:rPr>
-              <a:t>Look up </a:t>
-            </a:r>
-            <a:r>
-              <a:rPr lang="nl-NL" sz="2000" dirty="0" err="1">
-                <a:solidFill>
-                  <a:schemeClr val="bg1"/>
-                </a:solidFill>
-                <a:latin typeface="Helvetica" pitchFamily="2" charset="0"/>
-                <a:ea typeface="Open Sans" panose="020B0606030504020204" pitchFamily="34" charset="0"/>
-                <a:cs typeface="Open Sans" panose="020B0606030504020204" pitchFamily="34" charset="0"/>
-              </a:rPr>
-              <a:t>the</a:t>
-            </a:r>
-            <a:r>
-              <a:rPr lang="nl-NL" sz="2000" dirty="0">
-                <a:solidFill>
-                  <a:schemeClr val="bg1"/>
-                </a:solidFill>
-                <a:latin typeface="Helvetica" pitchFamily="2" charset="0"/>
-                <a:ea typeface="Open Sans" panose="020B0606030504020204" pitchFamily="34" charset="0"/>
-                <a:cs typeface="Open Sans" panose="020B0606030504020204" pitchFamily="34" charset="0"/>
-              </a:rPr>
-              <a:t> </a:t>
-            </a:r>
-            <a:r>
-              <a:rPr lang="nl-NL" sz="2000" dirty="0" err="1">
-                <a:solidFill>
-                  <a:schemeClr val="bg1"/>
-                </a:solidFill>
-                <a:latin typeface="Helvetica" pitchFamily="2" charset="0"/>
-                <a:ea typeface="Open Sans" panose="020B0606030504020204" pitchFamily="34" charset="0"/>
-                <a:cs typeface="Open Sans" panose="020B0606030504020204" pitchFamily="34" charset="0"/>
-              </a:rPr>
-              <a:t>lecture</a:t>
-            </a:r>
-            <a:r>
-              <a:rPr lang="nl-NL" sz="2000" dirty="0">
-                <a:solidFill>
-                  <a:schemeClr val="bg1"/>
-                </a:solidFill>
-                <a:latin typeface="Helvetica" pitchFamily="2" charset="0"/>
-                <a:ea typeface="Open Sans" panose="020B0606030504020204" pitchFamily="34" charset="0"/>
-                <a:cs typeface="Open Sans" panose="020B0606030504020204" pitchFamily="34" charset="0"/>
-              </a:rPr>
-              <a:t> in </a:t>
-            </a:r>
-            <a:r>
-              <a:rPr lang="nl-NL" sz="2000" dirty="0" err="1">
-                <a:solidFill>
-                  <a:schemeClr val="bg1"/>
-                </a:solidFill>
-                <a:latin typeface="Helvetica" pitchFamily="2" charset="0"/>
-                <a:ea typeface="Open Sans" panose="020B0606030504020204" pitchFamily="34" charset="0"/>
-                <a:cs typeface="Open Sans" panose="020B0606030504020204" pitchFamily="34" charset="0"/>
-              </a:rPr>
-              <a:t>the</a:t>
-            </a:r>
-            <a:r>
-              <a:rPr lang="nl-NL" sz="2000" dirty="0">
-                <a:solidFill>
-                  <a:schemeClr val="bg1"/>
-                </a:solidFill>
-                <a:latin typeface="Helvetica" pitchFamily="2" charset="0"/>
-                <a:ea typeface="Open Sans" panose="020B0606030504020204" pitchFamily="34" charset="0"/>
-                <a:cs typeface="Open Sans" panose="020B0606030504020204" pitchFamily="34" charset="0"/>
-              </a:rPr>
-              <a:t> </a:t>
-            </a:r>
-            <a:r>
-              <a:rPr lang="nl-NL" sz="2000" dirty="0" err="1">
-                <a:solidFill>
-                  <a:schemeClr val="bg1"/>
-                </a:solidFill>
-                <a:latin typeface="Helvetica" pitchFamily="2" charset="0"/>
-                <a:ea typeface="Open Sans" panose="020B0606030504020204" pitchFamily="34" charset="0"/>
-                <a:cs typeface="Open Sans" panose="020B0606030504020204" pitchFamily="34" charset="0"/>
-              </a:rPr>
-              <a:t>Programme</a:t>
-            </a:r>
-            <a:r>
-              <a:rPr lang="nl-NL" sz="2000" dirty="0">
-                <a:solidFill>
-                  <a:schemeClr val="bg1"/>
-                </a:solidFill>
-                <a:latin typeface="Helvetica" pitchFamily="2" charset="0"/>
-                <a:ea typeface="Open Sans" panose="020B0606030504020204" pitchFamily="34" charset="0"/>
-                <a:cs typeface="Open Sans" panose="020B0606030504020204" pitchFamily="34" charset="0"/>
-              </a:rPr>
-              <a:t> </a:t>
-            </a:r>
-            <a:r>
-              <a:rPr lang="nl-NL" sz="2000" dirty="0" err="1">
-                <a:solidFill>
-                  <a:schemeClr val="bg1"/>
-                </a:solidFill>
-                <a:latin typeface="Helvetica" pitchFamily="2" charset="0"/>
-                <a:ea typeface="Open Sans" panose="020B0606030504020204" pitchFamily="34" charset="0"/>
-                <a:cs typeface="Open Sans" panose="020B0606030504020204" pitchFamily="34" charset="0"/>
-              </a:rPr>
-              <a:t>and</a:t>
-            </a:r>
-            <a:r>
-              <a:rPr lang="nl-NL" sz="2000" dirty="0">
-                <a:solidFill>
-                  <a:schemeClr val="bg1"/>
-                </a:solidFill>
-                <a:latin typeface="Helvetica" pitchFamily="2" charset="0"/>
-                <a:ea typeface="Open Sans" panose="020B0606030504020204" pitchFamily="34" charset="0"/>
-                <a:cs typeface="Open Sans" panose="020B0606030504020204" pitchFamily="34" charset="0"/>
-              </a:rPr>
-              <a:t> </a:t>
-            </a:r>
-          </a:p>
-          <a:p>
-            <a:pPr marL="0" indent="0">
-              <a:buFont typeface="Arial" panose="020B0604020202020204" pitchFamily="34" charset="0"/>
-              <a:buNone/>
-            </a:pPr>
-            <a:r>
-              <a:rPr lang="nl-NL" sz="2000" dirty="0">
-                <a:solidFill>
-                  <a:schemeClr val="bg1"/>
-                </a:solidFill>
-                <a:latin typeface="Helvetica" pitchFamily="2" charset="0"/>
-                <a:ea typeface="Open Sans" panose="020B0606030504020204" pitchFamily="34" charset="0"/>
-                <a:cs typeface="Open Sans" panose="020B0606030504020204" pitchFamily="34" charset="0"/>
-              </a:rPr>
-              <a:t>click on </a:t>
-            </a:r>
-            <a:r>
-              <a:rPr lang="nl-NL" sz="2000" dirty="0" err="1">
-                <a:solidFill>
-                  <a:schemeClr val="bg1"/>
-                </a:solidFill>
-                <a:latin typeface="Helvetica" pitchFamily="2" charset="0"/>
-                <a:ea typeface="Open Sans" panose="020B0606030504020204" pitchFamily="34" charset="0"/>
-                <a:cs typeface="Open Sans" panose="020B0606030504020204" pitchFamily="34" charset="0"/>
-              </a:rPr>
-              <a:t>the</a:t>
-            </a:r>
-            <a:r>
-              <a:rPr lang="nl-NL" sz="2000" dirty="0">
-                <a:solidFill>
-                  <a:schemeClr val="bg1"/>
-                </a:solidFill>
-                <a:latin typeface="Helvetica" pitchFamily="2" charset="0"/>
-                <a:ea typeface="Open Sans" panose="020B0606030504020204" pitchFamily="34" charset="0"/>
-                <a:cs typeface="Open Sans" panose="020B0606030504020204" pitchFamily="34" charset="0"/>
-              </a:rPr>
-              <a:t> VOTE button next </a:t>
-            </a:r>
-            <a:r>
-              <a:rPr lang="nl-NL" sz="2000" dirty="0" err="1">
-                <a:solidFill>
-                  <a:schemeClr val="bg1"/>
-                </a:solidFill>
-                <a:latin typeface="Helvetica" pitchFamily="2" charset="0"/>
-                <a:ea typeface="Open Sans" panose="020B0606030504020204" pitchFamily="34" charset="0"/>
-                <a:cs typeface="Open Sans" panose="020B0606030504020204" pitchFamily="34" charset="0"/>
-              </a:rPr>
-              <a:t>to</a:t>
-            </a:r>
-            <a:r>
-              <a:rPr lang="nl-NL" sz="2000" dirty="0">
-                <a:solidFill>
-                  <a:schemeClr val="bg1"/>
-                </a:solidFill>
-                <a:latin typeface="Helvetica" pitchFamily="2" charset="0"/>
-                <a:ea typeface="Open Sans" panose="020B0606030504020204" pitchFamily="34" charset="0"/>
-                <a:cs typeface="Open Sans" panose="020B0606030504020204" pitchFamily="34" charset="0"/>
-              </a:rPr>
-              <a:t> </a:t>
-            </a:r>
-            <a:r>
-              <a:rPr lang="nl-NL" sz="2000" dirty="0" err="1">
-                <a:solidFill>
-                  <a:schemeClr val="bg1"/>
-                </a:solidFill>
-                <a:latin typeface="Helvetica" pitchFamily="2" charset="0"/>
-                <a:ea typeface="Open Sans" panose="020B0606030504020204" pitchFamily="34" charset="0"/>
-                <a:cs typeface="Open Sans" panose="020B0606030504020204" pitchFamily="34" charset="0"/>
-              </a:rPr>
-              <a:t>the</a:t>
-            </a:r>
-            <a:r>
-              <a:rPr lang="nl-NL" sz="2000" dirty="0">
-                <a:solidFill>
-                  <a:schemeClr val="bg1"/>
-                </a:solidFill>
-                <a:latin typeface="Helvetica" pitchFamily="2" charset="0"/>
-                <a:ea typeface="Open Sans" panose="020B0606030504020204" pitchFamily="34" charset="0"/>
-                <a:cs typeface="Open Sans" panose="020B0606030504020204" pitchFamily="34" charset="0"/>
-              </a:rPr>
-              <a:t> </a:t>
-            </a:r>
-            <a:r>
-              <a:rPr lang="nl-NL" sz="2000" dirty="0" err="1">
-                <a:solidFill>
-                  <a:schemeClr val="bg1"/>
-                </a:solidFill>
-                <a:latin typeface="Helvetica" pitchFamily="2" charset="0"/>
-                <a:ea typeface="Open Sans" panose="020B0606030504020204" pitchFamily="34" charset="0"/>
-                <a:cs typeface="Open Sans" panose="020B0606030504020204" pitchFamily="34" charset="0"/>
-              </a:rPr>
-              <a:t>lecture</a:t>
-            </a:r>
-            <a:r>
-              <a:rPr lang="nl-NL" sz="2000" dirty="0">
-                <a:solidFill>
-                  <a:schemeClr val="bg1"/>
-                </a:solidFill>
-                <a:latin typeface="Helvetica" pitchFamily="2" charset="0"/>
-                <a:ea typeface="Open Sans" panose="020B0606030504020204" pitchFamily="34" charset="0"/>
-                <a:cs typeface="Open Sans" panose="020B0606030504020204" pitchFamily="34" charset="0"/>
-              </a:rPr>
-              <a:t>. </a:t>
-            </a:r>
-          </a:p>
-          <a:p>
-            <a:pPr marL="0" indent="0">
-              <a:buFont typeface="Arial" panose="020B0604020202020204" pitchFamily="34" charset="0"/>
-              <a:buNone/>
-            </a:pPr>
-            <a:r>
-              <a:rPr lang="nl-NL" sz="2000" dirty="0" err="1">
-                <a:solidFill>
-                  <a:schemeClr val="bg1"/>
-                </a:solidFill>
-                <a:latin typeface="Helvetica" pitchFamily="2" charset="0"/>
-                <a:ea typeface="Open Sans" panose="020B0606030504020204" pitchFamily="34" charset="0"/>
-                <a:cs typeface="Open Sans" panose="020B0606030504020204" pitchFamily="34" charset="0"/>
-              </a:rPr>
-              <a:t>Give</a:t>
-            </a:r>
-            <a:r>
-              <a:rPr lang="nl-NL" sz="2000" dirty="0">
-                <a:solidFill>
-                  <a:schemeClr val="bg1"/>
-                </a:solidFill>
-                <a:latin typeface="Helvetica" pitchFamily="2" charset="0"/>
-                <a:ea typeface="Open Sans" panose="020B0606030504020204" pitchFamily="34" charset="0"/>
-                <a:cs typeface="Open Sans" panose="020B0606030504020204" pitchFamily="34" charset="0"/>
-              </a:rPr>
-              <a:t> </a:t>
-            </a:r>
-            <a:r>
-              <a:rPr lang="nl-NL" sz="2000" dirty="0" err="1">
-                <a:solidFill>
-                  <a:schemeClr val="bg1"/>
-                </a:solidFill>
-                <a:latin typeface="Helvetica" pitchFamily="2" charset="0"/>
-                <a:ea typeface="Open Sans" panose="020B0606030504020204" pitchFamily="34" charset="0"/>
-                <a:cs typeface="Open Sans" panose="020B0606030504020204" pitchFamily="34" charset="0"/>
-              </a:rPr>
-              <a:t>your</a:t>
-            </a:r>
-            <a:r>
-              <a:rPr lang="nl-NL" sz="2000" dirty="0">
-                <a:solidFill>
-                  <a:schemeClr val="bg1"/>
-                </a:solidFill>
-                <a:latin typeface="Helvetica" pitchFamily="2" charset="0"/>
-                <a:ea typeface="Open Sans" panose="020B0606030504020204" pitchFamily="34" charset="0"/>
-                <a:cs typeface="Open Sans" panose="020B0606030504020204" pitchFamily="34" charset="0"/>
-              </a:rPr>
-              <a:t> </a:t>
-            </a:r>
-            <a:r>
-              <a:rPr lang="nl-NL" sz="2000" dirty="0" err="1">
-                <a:solidFill>
-                  <a:schemeClr val="bg1"/>
-                </a:solidFill>
-                <a:latin typeface="Helvetica" pitchFamily="2" charset="0"/>
-                <a:ea typeface="Open Sans" panose="020B0606030504020204" pitchFamily="34" charset="0"/>
-                <a:cs typeface="Open Sans" panose="020B0606030504020204" pitchFamily="34" charset="0"/>
-              </a:rPr>
-              <a:t>grade</a:t>
-            </a:r>
-            <a:r>
-              <a:rPr lang="nl-NL" sz="2000" dirty="0">
-                <a:solidFill>
-                  <a:schemeClr val="bg1"/>
-                </a:solidFill>
-                <a:latin typeface="Helvetica" pitchFamily="2" charset="0"/>
-                <a:ea typeface="Open Sans" panose="020B0606030504020204" pitchFamily="34" charset="0"/>
-                <a:cs typeface="Open Sans" panose="020B0606030504020204" pitchFamily="34" charset="0"/>
-              </a:rPr>
-              <a:t> </a:t>
-            </a:r>
-            <a:r>
-              <a:rPr lang="nl-NL" sz="2000" dirty="0" err="1">
-                <a:solidFill>
-                  <a:schemeClr val="bg1"/>
-                </a:solidFill>
-                <a:latin typeface="Helvetica" pitchFamily="2" charset="0"/>
-                <a:ea typeface="Open Sans" panose="020B0606030504020204" pitchFamily="34" charset="0"/>
-                <a:cs typeface="Open Sans" panose="020B0606030504020204" pitchFamily="34" charset="0"/>
-              </a:rPr>
-              <a:t>here</a:t>
-            </a:r>
-            <a:r>
-              <a:rPr lang="nl-NL" sz="2000" dirty="0">
-                <a:solidFill>
-                  <a:schemeClr val="bg1"/>
-                </a:solidFill>
-                <a:latin typeface="Helvetica" pitchFamily="2" charset="0"/>
-                <a:ea typeface="Open Sans" panose="020B0606030504020204" pitchFamily="34" charset="0"/>
-                <a:cs typeface="Open Sans" panose="020B0606030504020204" pitchFamily="34" charset="0"/>
-              </a:rPr>
-              <a:t>. The </a:t>
-            </a:r>
-            <a:r>
-              <a:rPr lang="nl-NL" sz="2000" dirty="0" err="1">
-                <a:solidFill>
-                  <a:schemeClr val="bg1"/>
-                </a:solidFill>
-                <a:latin typeface="Helvetica" pitchFamily="2" charset="0"/>
-                <a:ea typeface="Open Sans" panose="020B0606030504020204" pitchFamily="34" charset="0"/>
-                <a:cs typeface="Open Sans" panose="020B0606030504020204" pitchFamily="34" charset="0"/>
-              </a:rPr>
-              <a:t>final</a:t>
-            </a:r>
-            <a:r>
-              <a:rPr lang="nl-NL" sz="2000" dirty="0">
-                <a:solidFill>
-                  <a:schemeClr val="bg1"/>
-                </a:solidFill>
-                <a:latin typeface="Helvetica" pitchFamily="2" charset="0"/>
-                <a:ea typeface="Open Sans" panose="020B0606030504020204" pitchFamily="34" charset="0"/>
-                <a:cs typeface="Open Sans" panose="020B0606030504020204" pitchFamily="34" charset="0"/>
-              </a:rPr>
-              <a:t> </a:t>
-            </a:r>
-            <a:r>
-              <a:rPr lang="nl-NL" sz="2000" dirty="0" err="1">
-                <a:solidFill>
-                  <a:schemeClr val="bg1"/>
-                </a:solidFill>
-                <a:latin typeface="Helvetica" pitchFamily="2" charset="0"/>
-                <a:ea typeface="Open Sans" panose="020B0606030504020204" pitchFamily="34" charset="0"/>
-                <a:cs typeface="Open Sans" panose="020B0606030504020204" pitchFamily="34" charset="0"/>
-              </a:rPr>
-              <a:t>grade</a:t>
-            </a:r>
-            <a:r>
-              <a:rPr lang="nl-NL" sz="2000" dirty="0">
-                <a:solidFill>
-                  <a:schemeClr val="bg1"/>
-                </a:solidFill>
-                <a:latin typeface="Helvetica" pitchFamily="2" charset="0"/>
-                <a:ea typeface="Open Sans" panose="020B0606030504020204" pitchFamily="34" charset="0"/>
-                <a:cs typeface="Open Sans" panose="020B0606030504020204" pitchFamily="34" charset="0"/>
-              </a:rPr>
-              <a:t> </a:t>
-            </a:r>
-            <a:r>
-              <a:rPr lang="nl-NL" sz="2000" dirty="0" err="1">
-                <a:solidFill>
-                  <a:schemeClr val="bg1"/>
-                </a:solidFill>
-                <a:latin typeface="Helvetica" pitchFamily="2" charset="0"/>
-                <a:ea typeface="Open Sans" panose="020B0606030504020204" pitchFamily="34" charset="0"/>
-                <a:cs typeface="Open Sans" panose="020B0606030504020204" pitchFamily="34" charset="0"/>
-              </a:rPr>
-              <a:t>for</a:t>
-            </a:r>
-            <a:r>
-              <a:rPr lang="nl-NL" sz="2000" dirty="0">
-                <a:solidFill>
-                  <a:schemeClr val="bg1"/>
-                </a:solidFill>
-                <a:latin typeface="Helvetica" pitchFamily="2" charset="0"/>
-                <a:ea typeface="Open Sans" panose="020B0606030504020204" pitchFamily="34" charset="0"/>
-                <a:cs typeface="Open Sans" panose="020B0606030504020204" pitchFamily="34" charset="0"/>
-              </a:rPr>
-              <a:t> </a:t>
-            </a:r>
-            <a:r>
-              <a:rPr lang="nl-NL" sz="2000" dirty="0" err="1">
-                <a:solidFill>
-                  <a:schemeClr val="bg1"/>
-                </a:solidFill>
-                <a:latin typeface="Helvetica" pitchFamily="2" charset="0"/>
-                <a:ea typeface="Open Sans" panose="020B0606030504020204" pitchFamily="34" charset="0"/>
-                <a:cs typeface="Open Sans" panose="020B0606030504020204" pitchFamily="34" charset="0"/>
-              </a:rPr>
-              <a:t>the</a:t>
-            </a:r>
-            <a:r>
-              <a:rPr lang="nl-NL" sz="2000" dirty="0">
-                <a:solidFill>
-                  <a:schemeClr val="bg1"/>
-                </a:solidFill>
-                <a:latin typeface="Helvetica" pitchFamily="2" charset="0"/>
-                <a:ea typeface="Open Sans" panose="020B0606030504020204" pitchFamily="34" charset="0"/>
-                <a:cs typeface="Open Sans" panose="020B0606030504020204" pitchFamily="34" charset="0"/>
-              </a:rPr>
-              <a:t> </a:t>
-            </a:r>
-            <a:r>
-              <a:rPr lang="nl-NL" sz="2000" dirty="0" err="1">
-                <a:solidFill>
-                  <a:schemeClr val="bg1"/>
-                </a:solidFill>
-                <a:latin typeface="Helvetica" pitchFamily="2" charset="0"/>
-                <a:ea typeface="Open Sans" panose="020B0606030504020204" pitchFamily="34" charset="0"/>
-                <a:cs typeface="Open Sans" panose="020B0606030504020204" pitchFamily="34" charset="0"/>
-              </a:rPr>
-              <a:t>lecture</a:t>
-            </a:r>
-            <a:r>
-              <a:rPr lang="nl-NL" sz="2000" dirty="0">
-                <a:solidFill>
-                  <a:schemeClr val="bg1"/>
-                </a:solidFill>
-                <a:latin typeface="Helvetica" pitchFamily="2" charset="0"/>
-                <a:ea typeface="Open Sans" panose="020B0606030504020204" pitchFamily="34" charset="0"/>
-                <a:cs typeface="Open Sans" panose="020B0606030504020204" pitchFamily="34" charset="0"/>
-              </a:rPr>
-              <a:t> </a:t>
-            </a:r>
-          </a:p>
-          <a:p>
-            <a:pPr marL="0" indent="0">
-              <a:buFont typeface="Arial" panose="020B0604020202020204" pitchFamily="34" charset="0"/>
-              <a:buNone/>
-            </a:pPr>
-            <a:r>
-              <a:rPr lang="nl-NL" sz="2000" dirty="0" err="1">
-                <a:solidFill>
-                  <a:schemeClr val="bg1"/>
-                </a:solidFill>
-                <a:latin typeface="Helvetica" pitchFamily="2" charset="0"/>
-                <a:ea typeface="Open Sans" panose="020B0606030504020204" pitchFamily="34" charset="0"/>
-                <a:cs typeface="Open Sans" panose="020B0606030504020204" pitchFamily="34" charset="0"/>
-              </a:rPr>
-              <a:t>will</a:t>
-            </a:r>
-            <a:r>
-              <a:rPr lang="nl-NL" sz="2000" dirty="0">
-                <a:solidFill>
-                  <a:schemeClr val="bg1"/>
-                </a:solidFill>
-                <a:latin typeface="Helvetica" pitchFamily="2" charset="0"/>
-                <a:ea typeface="Open Sans" panose="020B0606030504020204" pitchFamily="34" charset="0"/>
-                <a:cs typeface="Open Sans" panose="020B0606030504020204" pitchFamily="34" charset="0"/>
-              </a:rPr>
-              <a:t> </a:t>
-            </a:r>
-            <a:r>
-              <a:rPr lang="nl-NL" sz="2000" dirty="0" err="1">
-                <a:solidFill>
-                  <a:schemeClr val="bg1"/>
-                </a:solidFill>
-                <a:latin typeface="Helvetica" pitchFamily="2" charset="0"/>
-                <a:ea typeface="Open Sans" panose="020B0606030504020204" pitchFamily="34" charset="0"/>
-                <a:cs typeface="Open Sans" panose="020B0606030504020204" pitchFamily="34" charset="0"/>
-              </a:rPr>
-              <a:t>be</a:t>
-            </a:r>
-            <a:r>
-              <a:rPr lang="nl-NL" sz="2000" dirty="0">
-                <a:solidFill>
-                  <a:schemeClr val="bg1"/>
-                </a:solidFill>
-                <a:latin typeface="Helvetica" pitchFamily="2" charset="0"/>
-                <a:ea typeface="Open Sans" panose="020B0606030504020204" pitchFamily="34" charset="0"/>
-                <a:cs typeface="Open Sans" panose="020B0606030504020204" pitchFamily="34" charset="0"/>
-              </a:rPr>
-              <a:t> </a:t>
-            </a:r>
-            <a:r>
-              <a:rPr lang="nl-NL" sz="2000" dirty="0" err="1">
-                <a:solidFill>
-                  <a:schemeClr val="bg1"/>
-                </a:solidFill>
-                <a:latin typeface="Helvetica" pitchFamily="2" charset="0"/>
-                <a:ea typeface="Open Sans" panose="020B0606030504020204" pitchFamily="34" charset="0"/>
-                <a:cs typeface="Open Sans" panose="020B0606030504020204" pitchFamily="34" charset="0"/>
-              </a:rPr>
-              <a:t>announced</a:t>
-            </a:r>
-            <a:r>
-              <a:rPr lang="nl-NL" sz="2000" dirty="0">
-                <a:solidFill>
-                  <a:schemeClr val="bg1"/>
-                </a:solidFill>
-                <a:latin typeface="Helvetica" pitchFamily="2" charset="0"/>
-                <a:ea typeface="Open Sans" panose="020B0606030504020204" pitchFamily="34" charset="0"/>
-                <a:cs typeface="Open Sans" panose="020B0606030504020204" pitchFamily="34" charset="0"/>
-              </a:rPr>
-              <a:t> on </a:t>
-            </a:r>
-            <a:r>
-              <a:rPr lang="nl-NL" sz="2000" dirty="0" err="1">
-                <a:solidFill>
-                  <a:schemeClr val="bg1"/>
-                </a:solidFill>
-                <a:latin typeface="Helvetica" pitchFamily="2" charset="0"/>
-                <a:ea typeface="Open Sans" panose="020B0606030504020204" pitchFamily="34" charset="0"/>
-                <a:cs typeface="Open Sans" panose="020B0606030504020204" pitchFamily="34" charset="0"/>
-              </a:rPr>
-              <a:t>the</a:t>
-            </a:r>
-            <a:r>
-              <a:rPr lang="nl-NL" sz="2000" dirty="0">
-                <a:solidFill>
-                  <a:schemeClr val="bg1"/>
-                </a:solidFill>
-                <a:latin typeface="Helvetica" pitchFamily="2" charset="0"/>
-                <a:ea typeface="Open Sans" panose="020B0606030504020204" pitchFamily="34" charset="0"/>
-                <a:cs typeface="Open Sans" panose="020B0606030504020204" pitchFamily="34" charset="0"/>
-              </a:rPr>
-              <a:t> </a:t>
-            </a:r>
-            <a:r>
-              <a:rPr lang="nl-NL" sz="2000" dirty="0" err="1">
-                <a:solidFill>
-                  <a:schemeClr val="bg1"/>
-                </a:solidFill>
-                <a:latin typeface="Helvetica" pitchFamily="2" charset="0"/>
-                <a:ea typeface="Open Sans" panose="020B0606030504020204" pitchFamily="34" charset="0"/>
-                <a:cs typeface="Open Sans" panose="020B0606030504020204" pitchFamily="34" charset="0"/>
-              </a:rPr>
-              <a:t>screens</a:t>
-            </a:r>
-            <a:r>
-              <a:rPr lang="nl-NL" sz="2000" dirty="0">
-                <a:solidFill>
-                  <a:schemeClr val="bg1"/>
-                </a:solidFill>
-                <a:latin typeface="Helvetica" pitchFamily="2" charset="0"/>
-                <a:ea typeface="Open Sans" panose="020B0606030504020204" pitchFamily="34" charset="0"/>
-                <a:cs typeface="Open Sans" panose="020B0606030504020204" pitchFamily="34" charset="0"/>
-              </a:rPr>
-              <a:t>.</a:t>
-            </a:r>
-          </a:p>
-          <a:p>
-            <a:pPr marL="0" indent="0">
-              <a:buFont typeface="Arial" panose="020B0604020202020204" pitchFamily="34" charset="0"/>
-              <a:buNone/>
-            </a:pPr>
-            <a:endParaRPr lang="nl-NL" sz="2000" dirty="0">
-              <a:solidFill>
-                <a:schemeClr val="bg1"/>
-              </a:solidFill>
-              <a:latin typeface="Helvetica" pitchFamily="2" charset="0"/>
-              <a:ea typeface="Open Sans" panose="020B0606030504020204" pitchFamily="34" charset="0"/>
-              <a:cs typeface="Open Sans" panose="020B0606030504020204" pitchFamily="34" charset="0"/>
-            </a:endParaRPr>
-          </a:p>
-          <a:p>
-            <a:pPr marL="0" indent="0">
-              <a:buFont typeface="Arial" panose="020B0604020202020204" pitchFamily="34" charset="0"/>
-              <a:buNone/>
-            </a:pPr>
-            <a:r>
-              <a:rPr lang="nl-NL" sz="2000" dirty="0">
-                <a:solidFill>
-                  <a:schemeClr val="accent2">
-                    <a:lumMod val="60000"/>
-                    <a:lumOff val="40000"/>
-                  </a:schemeClr>
-                </a:solidFill>
-                <a:latin typeface="Helvetica" pitchFamily="2" charset="0"/>
-                <a:ea typeface="Open Sans" panose="020B0606030504020204" pitchFamily="34" charset="0"/>
-                <a:cs typeface="Open Sans" panose="020B0606030504020204" pitchFamily="34" charset="0"/>
-              </a:rPr>
-              <a:t>Will </a:t>
-            </a:r>
-            <a:r>
-              <a:rPr lang="nl-NL" sz="2000" dirty="0" err="1">
-                <a:solidFill>
-                  <a:schemeClr val="accent2">
-                    <a:lumMod val="60000"/>
-                    <a:lumOff val="40000"/>
-                  </a:schemeClr>
-                </a:solidFill>
-                <a:latin typeface="Helvetica" pitchFamily="2" charset="0"/>
-                <a:ea typeface="Open Sans" panose="020B0606030504020204" pitchFamily="34" charset="0"/>
-                <a:cs typeface="Open Sans" panose="020B0606030504020204" pitchFamily="34" charset="0"/>
-              </a:rPr>
-              <a:t>this</a:t>
-            </a:r>
-            <a:r>
-              <a:rPr lang="nl-NL" sz="2000" dirty="0">
-                <a:solidFill>
-                  <a:schemeClr val="accent2">
-                    <a:lumMod val="60000"/>
-                    <a:lumOff val="40000"/>
-                  </a:schemeClr>
-                </a:solidFill>
-                <a:latin typeface="Helvetica" pitchFamily="2" charset="0"/>
-                <a:ea typeface="Open Sans" panose="020B0606030504020204" pitchFamily="34" charset="0"/>
-                <a:cs typeface="Open Sans" panose="020B0606030504020204" pitchFamily="34" charset="0"/>
-              </a:rPr>
-              <a:t> </a:t>
-            </a:r>
-            <a:r>
-              <a:rPr lang="nl-NL" sz="2000" dirty="0" err="1">
-                <a:solidFill>
-                  <a:schemeClr val="accent2">
-                    <a:lumMod val="60000"/>
-                    <a:lumOff val="40000"/>
-                  </a:schemeClr>
-                </a:solidFill>
-                <a:latin typeface="Helvetica" pitchFamily="2" charset="0"/>
-                <a:ea typeface="Open Sans" panose="020B0606030504020204" pitchFamily="34" charset="0"/>
-                <a:cs typeface="Open Sans" panose="020B0606030504020204" pitchFamily="34" charset="0"/>
-              </a:rPr>
-              <a:t>session</a:t>
-            </a:r>
-            <a:r>
-              <a:rPr lang="nl-NL" sz="2000" dirty="0">
-                <a:solidFill>
-                  <a:schemeClr val="accent2">
-                    <a:lumMod val="60000"/>
-                    <a:lumOff val="40000"/>
-                  </a:schemeClr>
-                </a:solidFill>
-                <a:latin typeface="Helvetica" pitchFamily="2" charset="0"/>
-                <a:ea typeface="Open Sans" panose="020B0606030504020204" pitchFamily="34" charset="0"/>
-                <a:cs typeface="Open Sans" panose="020B0606030504020204" pitchFamily="34" charset="0"/>
-              </a:rPr>
-              <a:t> </a:t>
-            </a:r>
-            <a:r>
-              <a:rPr lang="nl-NL" sz="2000" dirty="0" err="1">
-                <a:solidFill>
-                  <a:schemeClr val="accent2">
-                    <a:lumMod val="60000"/>
-                    <a:lumOff val="40000"/>
-                  </a:schemeClr>
-                </a:solidFill>
-                <a:latin typeface="Helvetica" pitchFamily="2" charset="0"/>
-                <a:ea typeface="Open Sans" panose="020B0606030504020204" pitchFamily="34" charset="0"/>
-                <a:cs typeface="Open Sans" panose="020B0606030504020204" pitchFamily="34" charset="0"/>
-              </a:rPr>
-              <a:t>become</a:t>
-            </a:r>
-            <a:r>
-              <a:rPr lang="nl-NL" sz="2000" dirty="0">
-                <a:solidFill>
-                  <a:schemeClr val="accent2">
-                    <a:lumMod val="60000"/>
-                    <a:lumOff val="40000"/>
-                  </a:schemeClr>
-                </a:solidFill>
-                <a:latin typeface="Helvetica" pitchFamily="2" charset="0"/>
-                <a:ea typeface="Open Sans" panose="020B0606030504020204" pitchFamily="34" charset="0"/>
-                <a:cs typeface="Open Sans" panose="020B0606030504020204" pitchFamily="34" charset="0"/>
-              </a:rPr>
-              <a:t> </a:t>
-            </a:r>
-            <a:r>
-              <a:rPr lang="nl-NL" sz="2000" dirty="0" err="1">
-                <a:solidFill>
-                  <a:schemeClr val="accent2">
-                    <a:lumMod val="60000"/>
-                    <a:lumOff val="40000"/>
-                  </a:schemeClr>
-                </a:solidFill>
-                <a:latin typeface="Helvetica" pitchFamily="2" charset="0"/>
-                <a:ea typeface="Open Sans" panose="020B0606030504020204" pitchFamily="34" charset="0"/>
-                <a:cs typeface="Open Sans" panose="020B0606030504020204" pitchFamily="34" charset="0"/>
-              </a:rPr>
-              <a:t>the</a:t>
-            </a:r>
-            <a:r>
-              <a:rPr lang="nl-NL" sz="2000" dirty="0">
-                <a:solidFill>
-                  <a:schemeClr val="accent2">
-                    <a:lumMod val="60000"/>
-                    <a:lumOff val="40000"/>
-                  </a:schemeClr>
-                </a:solidFill>
-                <a:latin typeface="Helvetica" pitchFamily="2" charset="0"/>
-                <a:ea typeface="Open Sans" panose="020B0606030504020204" pitchFamily="34" charset="0"/>
-                <a:cs typeface="Open Sans" panose="020B0606030504020204" pitchFamily="34" charset="0"/>
-              </a:rPr>
-              <a:t> Best of MIE 2024?</a:t>
-            </a:r>
-          </a:p>
-          <a:p>
-            <a:pPr marL="0" indent="0">
-              <a:buFont typeface="Arial" panose="020B0604020202020204" pitchFamily="34" charset="0"/>
-              <a:buNone/>
-            </a:pPr>
-            <a:endParaRPr lang="nl-NL" sz="2000" dirty="0">
-              <a:solidFill>
-                <a:schemeClr val="bg1"/>
-              </a:solidFill>
-              <a:latin typeface="Helvetica" pitchFamily="2" charset="0"/>
-              <a:ea typeface="Open Sans" panose="020B0606030504020204" pitchFamily="34" charset="0"/>
-              <a:cs typeface="Open Sans" panose="020B0606030504020204" pitchFamily="34" charset="0"/>
-            </a:endParaRPr>
-          </a:p>
-          <a:p>
-            <a:pPr marL="0" indent="0">
-              <a:buFont typeface="Arial" panose="020B0604020202020204" pitchFamily="34" charset="0"/>
-              <a:buNone/>
-            </a:pPr>
-            <a:r>
-              <a:rPr lang="nl-NL" sz="2000" dirty="0">
-                <a:solidFill>
-                  <a:schemeClr val="bg1"/>
-                </a:solidFill>
-                <a:latin typeface="Helvetica" pitchFamily="2" charset="0"/>
-                <a:ea typeface="Open Sans" panose="020B0606030504020204" pitchFamily="34" charset="0"/>
-                <a:cs typeface="Open Sans" panose="020B0606030504020204" pitchFamily="34" charset="0"/>
-              </a:rPr>
-              <a:t>Have </a:t>
-            </a:r>
-            <a:r>
-              <a:rPr lang="nl-NL" sz="2000" dirty="0" err="1">
-                <a:solidFill>
-                  <a:schemeClr val="bg1"/>
-                </a:solidFill>
-                <a:latin typeface="Helvetica" pitchFamily="2" charset="0"/>
-                <a:ea typeface="Open Sans" panose="020B0606030504020204" pitchFamily="34" charset="0"/>
-                <a:cs typeface="Open Sans" panose="020B0606030504020204" pitchFamily="34" charset="0"/>
-              </a:rPr>
-              <a:t>fun</a:t>
-            </a:r>
-            <a:r>
-              <a:rPr lang="nl-NL" sz="2000" dirty="0">
-                <a:solidFill>
-                  <a:schemeClr val="bg1"/>
-                </a:solidFill>
-                <a:latin typeface="Helvetica" pitchFamily="2" charset="0"/>
-                <a:ea typeface="Open Sans" panose="020B0606030504020204" pitchFamily="34" charset="0"/>
-                <a:cs typeface="Open Sans" panose="020B0606030504020204" pitchFamily="34" charset="0"/>
-              </a:rPr>
-              <a:t> </a:t>
-            </a:r>
-            <a:r>
-              <a:rPr lang="nl-NL" sz="2000" dirty="0" err="1">
-                <a:solidFill>
-                  <a:schemeClr val="bg1"/>
-                </a:solidFill>
-                <a:latin typeface="Helvetica" pitchFamily="2" charset="0"/>
-                <a:ea typeface="Open Sans" panose="020B0606030504020204" pitchFamily="34" charset="0"/>
-                <a:cs typeface="Open Sans" panose="020B0606030504020204" pitchFamily="34" charset="0"/>
-              </a:rPr>
-              <a:t>and</a:t>
-            </a:r>
-            <a:r>
-              <a:rPr lang="nl-NL" sz="2000" dirty="0">
-                <a:solidFill>
-                  <a:schemeClr val="bg1"/>
-                </a:solidFill>
-                <a:latin typeface="Helvetica" pitchFamily="2" charset="0"/>
-                <a:ea typeface="Open Sans" panose="020B0606030504020204" pitchFamily="34" charset="0"/>
-                <a:cs typeface="Open Sans" panose="020B0606030504020204" pitchFamily="34" charset="0"/>
-              </a:rPr>
-              <a:t> </a:t>
-            </a:r>
-            <a:r>
-              <a:rPr lang="nl-NL" sz="2000" dirty="0" err="1">
-                <a:solidFill>
-                  <a:schemeClr val="bg1"/>
-                </a:solidFill>
-                <a:latin typeface="Helvetica" pitchFamily="2" charset="0"/>
-                <a:ea typeface="Open Sans" panose="020B0606030504020204" pitchFamily="34" charset="0"/>
-                <a:cs typeface="Open Sans" panose="020B0606030504020204" pitchFamily="34" charset="0"/>
-              </a:rPr>
-              <a:t>vote</a:t>
-            </a:r>
-            <a:r>
-              <a:rPr lang="nl-NL" sz="2000" dirty="0">
-                <a:solidFill>
-                  <a:schemeClr val="bg1"/>
-                </a:solidFill>
-                <a:latin typeface="Helvetica" pitchFamily="2" charset="0"/>
-                <a:ea typeface="Open Sans" panose="020B0606030504020204" pitchFamily="34" charset="0"/>
-                <a:cs typeface="Open Sans" panose="020B0606030504020204" pitchFamily="34" charset="0"/>
-              </a:rPr>
-              <a:t>!</a:t>
-            </a:r>
-          </a:p>
-          <a:p>
-            <a:pPr marL="0" indent="0">
-              <a:buFont typeface="Arial" panose="020B0604020202020204" pitchFamily="34" charset="0"/>
-              <a:buNone/>
-            </a:pPr>
-            <a:endParaRPr lang="nl-NL" sz="2000" dirty="0">
-              <a:solidFill>
-                <a:schemeClr val="bg1"/>
-              </a:solidFill>
-              <a:latin typeface="Helvetica" pitchFamily="2" charset="0"/>
-              <a:ea typeface="Open Sans" panose="020B0606030504020204" pitchFamily="34" charset="0"/>
-              <a:cs typeface="Open Sans" panose="020B0606030504020204" pitchFamily="34" charset="0"/>
-            </a:endParaRPr>
-          </a:p>
-          <a:p>
-            <a:pPr marL="0" indent="0">
-              <a:buFont typeface="Arial" panose="020B0604020202020204" pitchFamily="34" charset="0"/>
-              <a:buNone/>
-            </a:pPr>
-            <a:endParaRPr lang="nl-NL" sz="2000" dirty="0">
-              <a:solidFill>
-                <a:schemeClr val="bg1"/>
-              </a:solidFill>
-              <a:latin typeface="Helvetica" pitchFamily="2" charset="0"/>
-              <a:ea typeface="Open Sans" panose="020B0606030504020204" pitchFamily="34" charset="0"/>
-              <a:cs typeface="Open Sans" panose="020B0606030504020204" pitchFamily="34" charset="0"/>
-            </a:endParaRPr>
-          </a:p>
-        </p:txBody>
-      </p:sp>
-      <p:sp>
-        <p:nvSpPr>
-          <p:cNvPr id="9" name="Titel 1">
-            <a:extLst>
-              <a:ext uri="{FF2B5EF4-FFF2-40B4-BE49-F238E27FC236}">
-                <a16:creationId xmlns:a16="http://schemas.microsoft.com/office/drawing/2014/main" id="{A962D885-EA3F-7E07-1018-6847CEDA78F7}"/>
-              </a:ext>
-            </a:extLst>
-          </p:cNvPr>
-          <p:cNvSpPr txBox="1">
-            <a:spLocks/>
-          </p:cNvSpPr>
-          <p:nvPr/>
-        </p:nvSpPr>
-        <p:spPr>
-          <a:xfrm>
-            <a:off x="3504282" y="1130579"/>
-            <a:ext cx="5913400" cy="993775"/>
-          </a:xfrm>
-          <a:prstGeom prst="rect">
-            <a:avLst/>
-          </a:prstGeom>
-        </p:spPr>
-        <p:txBody>
-          <a:bodyPr>
-            <a:noAutofit/>
-          </a:bodyPr>
-          <a:lstStyle>
-            <a:lvl1pPr algn="l" defTabSz="914400" rtl="0" eaLnBrk="1" latinLnBrk="0" hangingPunct="1">
-              <a:lnSpc>
-                <a:spcPct val="90000"/>
-              </a:lnSpc>
-              <a:spcBef>
-                <a:spcPct val="0"/>
-              </a:spcBef>
-              <a:buNone/>
-              <a:defRPr sz="4400" kern="1200">
-                <a:solidFill>
-                  <a:schemeClr val="tx1"/>
-                </a:solidFill>
-                <a:latin typeface="+mj-lt"/>
-                <a:ea typeface="+mj-ea"/>
-                <a:cs typeface="+mj-cs"/>
-              </a:defRPr>
-            </a:lvl1pPr>
-          </a:lstStyle>
-          <a:p>
-            <a:pPr>
-              <a:lnSpc>
-                <a:spcPct val="120000"/>
-              </a:lnSpc>
-            </a:pPr>
-            <a:r>
-              <a:rPr lang="nl-NL" sz="2400" dirty="0">
-                <a:solidFill>
-                  <a:schemeClr val="bg1"/>
-                </a:solidFill>
-                <a:latin typeface="Helvetica" pitchFamily="2" charset="0"/>
-                <a:ea typeface="Open Sans" panose="020B0606030504020204" pitchFamily="34" charset="0"/>
-                <a:cs typeface="Open Sans" panose="020B0606030504020204" pitchFamily="34" charset="0"/>
-              </a:rPr>
-              <a:t>RATE THIS LECTURE VIA </a:t>
-            </a:r>
-            <a:r>
-              <a:rPr lang="nl-NL" sz="2400" b="1" dirty="0">
-                <a:solidFill>
-                  <a:schemeClr val="accent2">
-                    <a:lumMod val="60000"/>
-                    <a:lumOff val="40000"/>
-                  </a:schemeClr>
-                </a:solidFill>
-                <a:latin typeface="Helvetica" pitchFamily="2" charset="0"/>
-                <a:ea typeface="Open Sans" panose="020B0606030504020204" pitchFamily="34" charset="0"/>
-                <a:cs typeface="Open Sans" panose="020B0606030504020204" pitchFamily="34" charset="0"/>
-              </a:rPr>
-              <a:t>MIE’24-APP!</a:t>
-            </a:r>
-            <a:br>
-              <a:rPr lang="nl-NL" sz="2400" b="1" dirty="0">
-                <a:latin typeface="Helvetica" pitchFamily="2" charset="0"/>
-                <a:ea typeface="Open Sans" panose="020B0606030504020204" pitchFamily="34" charset="0"/>
-                <a:cs typeface="Open Sans" panose="020B0606030504020204" pitchFamily="34" charset="0"/>
-              </a:rPr>
-            </a:br>
-            <a:endParaRPr lang="nl-NL" sz="2400" dirty="0">
-              <a:latin typeface="Helvetica" pitchFamily="2" charset="0"/>
-              <a:ea typeface="Open Sans" panose="020B0606030504020204" pitchFamily="34" charset="0"/>
-              <a:cs typeface="Open Sans" panose="020B0606030504020204" pitchFamily="34" charset="0"/>
-            </a:endParaRPr>
-          </a:p>
-        </p:txBody>
-      </p:sp>
-    </p:spTree>
-    <p:extLst>
-      <p:ext uri="{BB962C8B-B14F-4D97-AF65-F5344CB8AC3E}">
-        <p14:creationId xmlns:p14="http://schemas.microsoft.com/office/powerpoint/2010/main" val="3576803570"/>
-      </p:ext>
-    </p:extLst>
-  </p:cSld>
-  <p:clrMapOvr>
-    <a:masterClrMapping/>
-  </p:clrMapOvr>
-</p:sld>
-</file>
-
-<file path=ppt/slides/slide48.xml><?xml version="1.0" encoding="utf-8"?>
-<p:sld xmlns:a="http://schemas.openxmlformats.org/drawingml/2006/main" xmlns:r="http://schemas.openxmlformats.org/officeDocument/2006/relationships" xmlns:p="http://schemas.openxmlformats.org/presentationml/2006/main">
-  <p:cSld>
-    <p:bg>
-      <p:bgPr>
-        <a:blipFill dpi="0" rotWithShape="1">
-          <a:blip r:embed="rId2">
-            <a:lum/>
-          </a:blip>
-          <a:srcRect/>
-          <a:stretch>
-            <a:fillRect/>
-          </a:stretch>
-        </a:blipFill>
-        <a:effectLst/>
-      </p:bgPr>
-    </p:bg>
-    <p:spTree>
-      <p:nvGrpSpPr>
-        <p:cNvPr id="1" name="">
-          <a:extLst>
-            <a:ext uri="{FF2B5EF4-FFF2-40B4-BE49-F238E27FC236}">
-              <a16:creationId xmlns:a16="http://schemas.microsoft.com/office/drawing/2014/main" id="{EE9162FC-7EB9-94BE-330E-FD9D2B3CF395}"/>
-            </a:ext>
-          </a:extLst>
-        </p:cNvPr>
-        <p:cNvGrpSpPr/>
-        <p:nvPr/>
-      </p:nvGrpSpPr>
-      <p:grpSpPr>
-        <a:xfrm>
-          <a:off x="0" y="0"/>
-          <a:ext cx="0" cy="0"/>
-          <a:chOff x="0" y="0"/>
-          <a:chExt cx="0" cy="0"/>
-        </a:xfrm>
-      </p:grpSpPr>
-      <p:sp>
-        <p:nvSpPr>
-          <p:cNvPr id="8" name="Tijdelijke aanduiding voor inhoud 2">
-            <a:extLst>
-              <a:ext uri="{FF2B5EF4-FFF2-40B4-BE49-F238E27FC236}">
-                <a16:creationId xmlns:a16="http://schemas.microsoft.com/office/drawing/2014/main" id="{22CF351A-122F-8D72-4B17-609BA3C2DC37}"/>
-              </a:ext>
-            </a:extLst>
-          </p:cNvPr>
-          <p:cNvSpPr txBox="1">
-            <a:spLocks/>
-          </p:cNvSpPr>
-          <p:nvPr/>
-        </p:nvSpPr>
-        <p:spPr>
-          <a:xfrm>
-            <a:off x="3504282" y="2470251"/>
-            <a:ext cx="8116217" cy="4184168"/>
-          </a:xfrm>
-          <a:prstGeom prst="rect">
-            <a:avLst/>
-          </a:prstGeom>
-        </p:spPr>
-        <p:txBody>
-          <a:bodyPr vert="horz" lIns="91440" tIns="45720" rIns="91440" bIns="45720" rtlCol="0">
-            <a:noAutofit/>
-          </a:bodyPr>
-          <a:lstStyle>
-            <a:lvl1pPr marL="228600" indent="-228600" algn="l" defTabSz="914400" rtl="0" eaLnBrk="1" latinLnBrk="0" hangingPunct="1">
-              <a:lnSpc>
-                <a:spcPct val="90000"/>
-              </a:lnSpc>
-              <a:spcBef>
-                <a:spcPts val="1000"/>
-              </a:spcBef>
-              <a:buFont typeface="Arial" panose="020B0604020202020204" pitchFamily="34" charset="0"/>
-              <a:buChar char="•"/>
-              <a:defRPr sz="2800" kern="1200">
-                <a:solidFill>
-                  <a:schemeClr val="tx1"/>
-                </a:solidFill>
-                <a:latin typeface="+mn-lt"/>
-                <a:ea typeface="+mn-ea"/>
-                <a:cs typeface="+mn-cs"/>
-              </a:defRPr>
-            </a:lvl1pPr>
-            <a:lvl2pPr marL="685800" indent="-228600" algn="l" defTabSz="914400" rtl="0" eaLnBrk="1" latinLnBrk="0" hangingPunct="1">
-              <a:lnSpc>
-                <a:spcPct val="90000"/>
-              </a:lnSpc>
-              <a:spcBef>
-                <a:spcPts val="500"/>
-              </a:spcBef>
-              <a:buFont typeface="Arial" panose="020B0604020202020204" pitchFamily="34" charset="0"/>
-              <a:buChar char="•"/>
-              <a:defRPr sz="2400" kern="1200">
-                <a:solidFill>
-                  <a:schemeClr val="tx1"/>
-                </a:solidFill>
-                <a:latin typeface="+mn-lt"/>
-                <a:ea typeface="+mn-ea"/>
-                <a:cs typeface="+mn-cs"/>
-              </a:defRPr>
-            </a:lvl2pPr>
-            <a:lvl3pPr marL="1143000" indent="-228600" algn="l" defTabSz="914400" rtl="0" eaLnBrk="1" latinLnBrk="0" hangingPunct="1">
-              <a:lnSpc>
-                <a:spcPct val="90000"/>
-              </a:lnSpc>
-              <a:spcBef>
-                <a:spcPts val="500"/>
-              </a:spcBef>
-              <a:buFont typeface="Arial" panose="020B0604020202020204" pitchFamily="34" charset="0"/>
-              <a:buChar char="•"/>
-              <a:defRPr sz="2000" kern="1200">
-                <a:solidFill>
-                  <a:schemeClr val="tx1"/>
-                </a:solidFill>
-                <a:latin typeface="+mn-lt"/>
-                <a:ea typeface="+mn-ea"/>
-                <a:cs typeface="+mn-cs"/>
-              </a:defRPr>
-            </a:lvl3pPr>
-            <a:lvl4pPr marL="1600200" indent="-228600" algn="l" defTabSz="914400" rtl="0" eaLnBrk="1" latinLnBrk="0" hangingPunct="1">
-              <a:lnSpc>
-                <a:spcPct val="90000"/>
-              </a:lnSpc>
-              <a:spcBef>
-                <a:spcPts val="500"/>
-              </a:spcBef>
-              <a:buFont typeface="Arial" panose="020B0604020202020204" pitchFamily="34" charset="0"/>
-              <a:buChar char="•"/>
-              <a:defRPr sz="1800" kern="1200">
-                <a:solidFill>
-                  <a:schemeClr val="tx1"/>
-                </a:solidFill>
-                <a:latin typeface="+mn-lt"/>
-                <a:ea typeface="+mn-ea"/>
-                <a:cs typeface="+mn-cs"/>
-              </a:defRPr>
-            </a:lvl4pPr>
-            <a:lvl5pPr marL="2057400" indent="-228600" algn="l" defTabSz="914400" rtl="0" eaLnBrk="1" latinLnBrk="0" hangingPunct="1">
-              <a:lnSpc>
-                <a:spcPct val="90000"/>
-              </a:lnSpc>
-              <a:spcBef>
-                <a:spcPts val="500"/>
-              </a:spcBef>
-              <a:buFont typeface="Arial" panose="020B0604020202020204" pitchFamily="34" charset="0"/>
-              <a:buChar char="•"/>
-              <a:defRPr sz="1800" kern="1200">
-                <a:solidFill>
-                  <a:schemeClr val="tx1"/>
-                </a:solidFill>
-                <a:latin typeface="+mn-lt"/>
-                <a:ea typeface="+mn-ea"/>
-                <a:cs typeface="+mn-cs"/>
-              </a:defRPr>
-            </a:lvl5pPr>
-            <a:lvl6pPr marL="2514600" indent="-228600" algn="l" defTabSz="914400" rtl="0" eaLnBrk="1" latinLnBrk="0" hangingPunct="1">
-              <a:lnSpc>
-                <a:spcPct val="90000"/>
-              </a:lnSpc>
-              <a:spcBef>
-                <a:spcPts val="500"/>
-              </a:spcBef>
-              <a:buFont typeface="Arial" panose="020B0604020202020204" pitchFamily="34" charset="0"/>
-              <a:buChar char="•"/>
-              <a:defRPr sz="1800" kern="1200">
-                <a:solidFill>
-                  <a:schemeClr val="tx1"/>
-                </a:solidFill>
-                <a:latin typeface="+mn-lt"/>
-                <a:ea typeface="+mn-ea"/>
-                <a:cs typeface="+mn-cs"/>
-              </a:defRPr>
-            </a:lvl6pPr>
-            <a:lvl7pPr marL="2971800" indent="-228600" algn="l" defTabSz="914400" rtl="0" eaLnBrk="1" latinLnBrk="0" hangingPunct="1">
-              <a:lnSpc>
-                <a:spcPct val="90000"/>
-              </a:lnSpc>
-              <a:spcBef>
-                <a:spcPts val="500"/>
-              </a:spcBef>
-              <a:buFont typeface="Arial" panose="020B0604020202020204" pitchFamily="34" charset="0"/>
-              <a:buChar char="•"/>
-              <a:defRPr sz="1800" kern="1200">
-                <a:solidFill>
-                  <a:schemeClr val="tx1"/>
-                </a:solidFill>
-                <a:latin typeface="+mn-lt"/>
-                <a:ea typeface="+mn-ea"/>
-                <a:cs typeface="+mn-cs"/>
-              </a:defRPr>
-            </a:lvl7pPr>
-            <a:lvl8pPr marL="3429000" indent="-228600" algn="l" defTabSz="914400" rtl="0" eaLnBrk="1" latinLnBrk="0" hangingPunct="1">
-              <a:lnSpc>
-                <a:spcPct val="90000"/>
-              </a:lnSpc>
-              <a:spcBef>
-                <a:spcPts val="500"/>
-              </a:spcBef>
-              <a:buFont typeface="Arial" panose="020B0604020202020204" pitchFamily="34" charset="0"/>
-              <a:buChar char="•"/>
-              <a:defRPr sz="1800" kern="1200">
-                <a:solidFill>
-                  <a:schemeClr val="tx1"/>
-                </a:solidFill>
-                <a:latin typeface="+mn-lt"/>
-                <a:ea typeface="+mn-ea"/>
-                <a:cs typeface="+mn-cs"/>
-              </a:defRPr>
-            </a:lvl8pPr>
-            <a:lvl9pPr marL="3886200" indent="-228600" algn="l" defTabSz="914400" rtl="0" eaLnBrk="1" latinLnBrk="0" hangingPunct="1">
-              <a:lnSpc>
-                <a:spcPct val="90000"/>
-              </a:lnSpc>
-              <a:spcBef>
-                <a:spcPts val="500"/>
-              </a:spcBef>
-              <a:buFont typeface="Arial" panose="020B0604020202020204" pitchFamily="34" charset="0"/>
-              <a:buChar char="•"/>
-              <a:defRPr sz="1800" kern="1200">
-                <a:solidFill>
-                  <a:schemeClr val="tx1"/>
-                </a:solidFill>
-                <a:latin typeface="+mn-lt"/>
-                <a:ea typeface="+mn-ea"/>
-                <a:cs typeface="+mn-cs"/>
-              </a:defRPr>
-            </a:lvl9pPr>
-          </a:lstStyle>
-          <a:p>
-            <a:pPr marL="0" indent="0">
-              <a:buFont typeface="Arial" panose="020B0604020202020204" pitchFamily="34" charset="0"/>
-              <a:buNone/>
-            </a:pPr>
-            <a:r>
-              <a:rPr lang="nl-NL" sz="2000" dirty="0" err="1">
-                <a:solidFill>
-                  <a:schemeClr val="bg1"/>
-                </a:solidFill>
-                <a:latin typeface="Helvetica" pitchFamily="2" charset="0"/>
-                <a:ea typeface="Open Sans" panose="020B0606030504020204" pitchFamily="34" charset="0"/>
-                <a:cs typeface="Open Sans" panose="020B0606030504020204" pitchFamily="34" charset="0"/>
-              </a:rPr>
-              <a:t>This</a:t>
-            </a:r>
-            <a:r>
-              <a:rPr lang="nl-NL" sz="2000" dirty="0">
-                <a:solidFill>
-                  <a:schemeClr val="bg1"/>
-                </a:solidFill>
-                <a:latin typeface="Helvetica" pitchFamily="2" charset="0"/>
-                <a:ea typeface="Open Sans" panose="020B0606030504020204" pitchFamily="34" charset="0"/>
-                <a:cs typeface="Open Sans" panose="020B0606030504020204" pitchFamily="34" charset="0"/>
-              </a:rPr>
-              <a:t> is </a:t>
-            </a:r>
-            <a:r>
-              <a:rPr lang="nl-NL" sz="2000" dirty="0" err="1">
-                <a:solidFill>
-                  <a:schemeClr val="bg1"/>
-                </a:solidFill>
-                <a:latin typeface="Helvetica" pitchFamily="2" charset="0"/>
-                <a:ea typeface="Open Sans" panose="020B0606030504020204" pitchFamily="34" charset="0"/>
-                <a:cs typeface="Open Sans" panose="020B0606030504020204" pitchFamily="34" charset="0"/>
-              </a:rPr>
-              <a:t>the</a:t>
-            </a:r>
-            <a:r>
-              <a:rPr lang="nl-NL" sz="2000" dirty="0">
-                <a:solidFill>
-                  <a:schemeClr val="bg1"/>
-                </a:solidFill>
-                <a:latin typeface="Helvetica" pitchFamily="2" charset="0"/>
-                <a:ea typeface="Open Sans" panose="020B0606030504020204" pitchFamily="34" charset="0"/>
-                <a:cs typeface="Open Sans" panose="020B0606030504020204" pitchFamily="34" charset="0"/>
-              </a:rPr>
-              <a:t> end of </a:t>
-            </a:r>
-            <a:r>
-              <a:rPr lang="nl-NL" sz="2000" dirty="0" err="1">
-                <a:solidFill>
-                  <a:schemeClr val="bg1"/>
-                </a:solidFill>
-                <a:latin typeface="Helvetica" pitchFamily="2" charset="0"/>
-                <a:ea typeface="Open Sans" panose="020B0606030504020204" pitchFamily="34" charset="0"/>
-                <a:cs typeface="Open Sans" panose="020B0606030504020204" pitchFamily="34" charset="0"/>
-              </a:rPr>
-              <a:t>the</a:t>
-            </a:r>
-            <a:r>
-              <a:rPr lang="nl-NL" sz="2000" dirty="0">
-                <a:solidFill>
-                  <a:schemeClr val="bg1"/>
-                </a:solidFill>
-                <a:latin typeface="Helvetica" pitchFamily="2" charset="0"/>
-                <a:ea typeface="Open Sans" panose="020B0606030504020204" pitchFamily="34" charset="0"/>
-                <a:cs typeface="Open Sans" panose="020B0606030504020204" pitchFamily="34" charset="0"/>
-              </a:rPr>
-              <a:t> </a:t>
-            </a:r>
-            <a:r>
-              <a:rPr lang="nl-NL" sz="2000" dirty="0" err="1">
-                <a:solidFill>
-                  <a:schemeClr val="bg1"/>
-                </a:solidFill>
-                <a:latin typeface="Helvetica" pitchFamily="2" charset="0"/>
-                <a:ea typeface="Open Sans" panose="020B0606030504020204" pitchFamily="34" charset="0"/>
-                <a:cs typeface="Open Sans" panose="020B0606030504020204" pitchFamily="34" charset="0"/>
-              </a:rPr>
-              <a:t>session</a:t>
-            </a:r>
-            <a:r>
-              <a:rPr lang="nl-NL" sz="2000" dirty="0">
-                <a:solidFill>
-                  <a:schemeClr val="bg1"/>
-                </a:solidFill>
-                <a:latin typeface="Helvetica" pitchFamily="2" charset="0"/>
-                <a:ea typeface="Open Sans" panose="020B0606030504020204" pitchFamily="34" charset="0"/>
-                <a:cs typeface="Open Sans" panose="020B0606030504020204" pitchFamily="34" charset="0"/>
-              </a:rPr>
-              <a:t> </a:t>
-            </a:r>
-            <a:r>
-              <a:rPr lang="nl-NL" sz="2000" dirty="0" err="1">
-                <a:solidFill>
-                  <a:schemeClr val="bg1"/>
-                </a:solidFill>
-                <a:latin typeface="Helvetica" pitchFamily="2" charset="0"/>
-                <a:ea typeface="Open Sans" panose="020B0606030504020204" pitchFamily="34" charset="0"/>
-                <a:cs typeface="Open Sans" panose="020B0606030504020204" pitchFamily="34" charset="0"/>
-              </a:rPr>
-              <a:t>and</a:t>
-            </a:r>
-            <a:r>
-              <a:rPr lang="nl-NL" sz="2000" dirty="0">
-                <a:solidFill>
-                  <a:schemeClr val="bg1"/>
-                </a:solidFill>
-                <a:latin typeface="Helvetica" pitchFamily="2" charset="0"/>
-                <a:ea typeface="Open Sans" panose="020B0606030504020204" pitchFamily="34" charset="0"/>
-                <a:cs typeface="Open Sans" panose="020B0606030504020204" pitchFamily="34" charset="0"/>
-              </a:rPr>
-              <a:t> are </a:t>
-            </a:r>
-            <a:r>
-              <a:rPr lang="nl-NL" sz="2000" dirty="0" err="1">
-                <a:solidFill>
-                  <a:schemeClr val="bg1"/>
-                </a:solidFill>
-                <a:latin typeface="Helvetica" pitchFamily="2" charset="0"/>
-                <a:ea typeface="Open Sans" panose="020B0606030504020204" pitchFamily="34" charset="0"/>
-                <a:cs typeface="Open Sans" panose="020B0606030504020204" pitchFamily="34" charset="0"/>
-              </a:rPr>
-              <a:t>there</a:t>
-            </a:r>
-            <a:r>
-              <a:rPr lang="nl-NL" sz="2000" dirty="0">
-                <a:solidFill>
-                  <a:schemeClr val="bg1"/>
-                </a:solidFill>
-                <a:latin typeface="Helvetica" pitchFamily="2" charset="0"/>
-                <a:ea typeface="Open Sans" panose="020B0606030504020204" pitchFamily="34" charset="0"/>
-                <a:cs typeface="Open Sans" panose="020B0606030504020204" pitchFamily="34" charset="0"/>
-              </a:rPr>
-              <a:t> </a:t>
-            </a:r>
-            <a:r>
-              <a:rPr lang="nl-NL" sz="2000" dirty="0" err="1">
-                <a:solidFill>
-                  <a:schemeClr val="bg1"/>
-                </a:solidFill>
-                <a:latin typeface="Helvetica" pitchFamily="2" charset="0"/>
-                <a:ea typeface="Open Sans" panose="020B0606030504020204" pitchFamily="34" charset="0"/>
-                <a:cs typeface="Open Sans" panose="020B0606030504020204" pitchFamily="34" charset="0"/>
-              </a:rPr>
-              <a:t>any</a:t>
-            </a:r>
-            <a:r>
-              <a:rPr lang="nl-NL" sz="2000" dirty="0">
-                <a:solidFill>
-                  <a:schemeClr val="bg1"/>
-                </a:solidFill>
-                <a:latin typeface="Helvetica" pitchFamily="2" charset="0"/>
-                <a:ea typeface="Open Sans" panose="020B0606030504020204" pitchFamily="34" charset="0"/>
-                <a:cs typeface="Open Sans" panose="020B0606030504020204" pitchFamily="34" charset="0"/>
-              </a:rPr>
-              <a:t> </a:t>
-            </a:r>
-            <a:r>
-              <a:rPr lang="nl-NL" sz="2000" dirty="0" err="1">
-                <a:solidFill>
-                  <a:schemeClr val="bg1"/>
-                </a:solidFill>
-                <a:latin typeface="Helvetica" pitchFamily="2" charset="0"/>
-                <a:ea typeface="Open Sans" panose="020B0606030504020204" pitchFamily="34" charset="0"/>
-                <a:cs typeface="Open Sans" panose="020B0606030504020204" pitchFamily="34" charset="0"/>
-              </a:rPr>
-              <a:t>questions</a:t>
-            </a:r>
-            <a:r>
-              <a:rPr lang="nl-NL" sz="2000" dirty="0">
-                <a:solidFill>
-                  <a:schemeClr val="bg1"/>
-                </a:solidFill>
-                <a:latin typeface="Helvetica" pitchFamily="2" charset="0"/>
-                <a:ea typeface="Open Sans" panose="020B0606030504020204" pitchFamily="34" charset="0"/>
-                <a:cs typeface="Open Sans" panose="020B0606030504020204" pitchFamily="34" charset="0"/>
-              </a:rPr>
-              <a:t>?</a:t>
-            </a:r>
-            <a:br>
-              <a:rPr lang="nl-NL" sz="2000" dirty="0">
-                <a:latin typeface="Helvetica" pitchFamily="2" charset="0"/>
-                <a:ea typeface="Open Sans" panose="020B0606030504020204" pitchFamily="34" charset="0"/>
-                <a:cs typeface="Open Sans" panose="020B0606030504020204" pitchFamily="34" charset="0"/>
-              </a:rPr>
-            </a:br>
-            <a:endParaRPr lang="nl-NL" sz="2000" dirty="0">
-              <a:latin typeface="Helvetica" pitchFamily="2" charset="0"/>
-              <a:ea typeface="Open Sans" panose="020B0606030504020204" pitchFamily="34" charset="0"/>
-              <a:cs typeface="Open Sans" panose="020B0606030504020204" pitchFamily="34" charset="0"/>
-            </a:endParaRPr>
-          </a:p>
-          <a:p>
-            <a:pPr marL="0" indent="0">
-              <a:buNone/>
-            </a:pPr>
-            <a:br>
-              <a:rPr lang="nl-NL" sz="2000" b="1" dirty="0">
-                <a:solidFill>
-                  <a:schemeClr val="accent2">
-                    <a:lumMod val="60000"/>
-                    <a:lumOff val="40000"/>
-                  </a:schemeClr>
-                </a:solidFill>
-                <a:latin typeface="Helvetica" pitchFamily="2" charset="0"/>
-                <a:ea typeface="Open Sans" panose="020B0606030504020204" pitchFamily="34" charset="0"/>
-                <a:cs typeface="Open Sans" panose="020B0606030504020204" pitchFamily="34" charset="0"/>
-              </a:rPr>
-            </a:br>
-            <a:r>
-              <a:rPr lang="nl-NL" sz="2000" b="1" dirty="0" err="1">
-                <a:solidFill>
-                  <a:schemeClr val="accent2">
-                    <a:lumMod val="60000"/>
-                    <a:lumOff val="40000"/>
-                  </a:schemeClr>
-                </a:solidFill>
-                <a:latin typeface="Helvetica" pitchFamily="2" charset="0"/>
-                <a:ea typeface="Open Sans" panose="020B0606030504020204" pitchFamily="34" charset="0"/>
-                <a:cs typeface="Open Sans" panose="020B0606030504020204" pitchFamily="34" charset="0"/>
-              </a:rPr>
-              <a:t>Thanks</a:t>
-            </a:r>
-            <a:r>
-              <a:rPr lang="nl-NL" sz="2000" b="1" dirty="0">
-                <a:solidFill>
-                  <a:schemeClr val="accent2">
-                    <a:lumMod val="60000"/>
-                    <a:lumOff val="40000"/>
-                  </a:schemeClr>
-                </a:solidFill>
-                <a:latin typeface="Helvetica" pitchFamily="2" charset="0"/>
-                <a:ea typeface="Open Sans" panose="020B0606030504020204" pitchFamily="34" charset="0"/>
-                <a:cs typeface="Open Sans" panose="020B0606030504020204" pitchFamily="34" charset="0"/>
-              </a:rPr>
-              <a:t> </a:t>
-            </a:r>
-            <a:r>
-              <a:rPr lang="nl-NL" sz="2000" b="1" dirty="0" err="1">
-                <a:solidFill>
-                  <a:schemeClr val="accent2">
-                    <a:lumMod val="60000"/>
-                    <a:lumOff val="40000"/>
-                  </a:schemeClr>
-                </a:solidFill>
-                <a:latin typeface="Helvetica" pitchFamily="2" charset="0"/>
-                <a:ea typeface="Open Sans" panose="020B0606030504020204" pitchFamily="34" charset="0"/>
-                <a:cs typeface="Open Sans" panose="020B0606030504020204" pitchFamily="34" charset="0"/>
-              </a:rPr>
-              <a:t>for</a:t>
-            </a:r>
-            <a:r>
-              <a:rPr lang="nl-NL" sz="2000" b="1" dirty="0">
-                <a:solidFill>
-                  <a:schemeClr val="accent2">
-                    <a:lumMod val="60000"/>
-                    <a:lumOff val="40000"/>
-                  </a:schemeClr>
-                </a:solidFill>
-                <a:latin typeface="Helvetica" pitchFamily="2" charset="0"/>
-                <a:ea typeface="Open Sans" panose="020B0606030504020204" pitchFamily="34" charset="0"/>
-                <a:cs typeface="Open Sans" panose="020B0606030504020204" pitchFamily="34" charset="0"/>
-              </a:rPr>
-              <a:t> </a:t>
-            </a:r>
-            <a:r>
-              <a:rPr lang="nl-NL" sz="2000" b="1" dirty="0" err="1">
-                <a:solidFill>
-                  <a:schemeClr val="accent2">
-                    <a:lumMod val="60000"/>
-                    <a:lumOff val="40000"/>
-                  </a:schemeClr>
-                </a:solidFill>
-                <a:latin typeface="Helvetica" pitchFamily="2" charset="0"/>
-                <a:ea typeface="Open Sans" panose="020B0606030504020204" pitchFamily="34" charset="0"/>
-                <a:cs typeface="Open Sans" panose="020B0606030504020204" pitchFamily="34" charset="0"/>
-              </a:rPr>
-              <a:t>your</a:t>
-            </a:r>
-            <a:r>
-              <a:rPr lang="nl-NL" sz="2000" b="1" dirty="0">
-                <a:solidFill>
-                  <a:schemeClr val="accent2">
-                    <a:lumMod val="60000"/>
-                    <a:lumOff val="40000"/>
-                  </a:schemeClr>
-                </a:solidFill>
-                <a:latin typeface="Helvetica" pitchFamily="2" charset="0"/>
-                <a:ea typeface="Open Sans" panose="020B0606030504020204" pitchFamily="34" charset="0"/>
-                <a:cs typeface="Open Sans" panose="020B0606030504020204" pitchFamily="34" charset="0"/>
-              </a:rPr>
-              <a:t> review </a:t>
-            </a:r>
-            <a:r>
-              <a:rPr lang="nl-NL" sz="2000" b="1" dirty="0" err="1">
-                <a:solidFill>
-                  <a:schemeClr val="accent2">
-                    <a:lumMod val="60000"/>
-                    <a:lumOff val="40000"/>
-                  </a:schemeClr>
-                </a:solidFill>
-                <a:latin typeface="Helvetica" pitchFamily="2" charset="0"/>
-                <a:ea typeface="Open Sans" panose="020B0606030504020204" pitchFamily="34" charset="0"/>
-                <a:cs typeface="Open Sans" panose="020B0606030504020204" pitchFamily="34" charset="0"/>
-              </a:rPr>
-              <a:t>and</a:t>
-            </a:r>
-            <a:r>
-              <a:rPr lang="nl-NL" sz="2000" b="1" dirty="0">
-                <a:solidFill>
-                  <a:schemeClr val="accent2">
-                    <a:lumMod val="60000"/>
-                    <a:lumOff val="40000"/>
-                  </a:schemeClr>
-                </a:solidFill>
-                <a:latin typeface="Helvetica" pitchFamily="2" charset="0"/>
-                <a:ea typeface="Open Sans" panose="020B0606030504020204" pitchFamily="34" charset="0"/>
-                <a:cs typeface="Open Sans" panose="020B0606030504020204" pitchFamily="34" charset="0"/>
-              </a:rPr>
-              <a:t> </a:t>
-            </a:r>
-            <a:r>
-              <a:rPr lang="nl-NL" sz="2000" b="1" dirty="0" err="1">
-                <a:solidFill>
-                  <a:schemeClr val="accent2">
-                    <a:lumMod val="60000"/>
-                    <a:lumOff val="40000"/>
-                  </a:schemeClr>
-                </a:solidFill>
-                <a:latin typeface="Helvetica" pitchFamily="2" charset="0"/>
-                <a:ea typeface="Open Sans" panose="020B0606030504020204" pitchFamily="34" charset="0"/>
-                <a:cs typeface="Open Sans" panose="020B0606030504020204" pitchFamily="34" charset="0"/>
-              </a:rPr>
-              <a:t>attendance</a:t>
-            </a:r>
-            <a:r>
-              <a:rPr lang="nl-NL" sz="2000" b="1" dirty="0">
-                <a:solidFill>
-                  <a:schemeClr val="accent2">
-                    <a:lumMod val="60000"/>
-                    <a:lumOff val="40000"/>
-                  </a:schemeClr>
-                </a:solidFill>
-                <a:latin typeface="Helvetica" pitchFamily="2" charset="0"/>
-                <a:ea typeface="Open Sans" panose="020B0606030504020204" pitchFamily="34" charset="0"/>
-                <a:cs typeface="Open Sans" panose="020B0606030504020204" pitchFamily="34" charset="0"/>
-              </a:rPr>
-              <a:t>!</a:t>
-            </a:r>
-          </a:p>
-        </p:txBody>
-      </p:sp>
-      <p:sp>
-        <p:nvSpPr>
-          <p:cNvPr id="9" name="Titel 1">
-            <a:extLst>
-              <a:ext uri="{FF2B5EF4-FFF2-40B4-BE49-F238E27FC236}">
-                <a16:creationId xmlns:a16="http://schemas.microsoft.com/office/drawing/2014/main" id="{6DE3216A-FF02-799B-FA28-B57FE7E1DD4A}"/>
-              </a:ext>
-            </a:extLst>
-          </p:cNvPr>
-          <p:cNvSpPr txBox="1">
-            <a:spLocks/>
-          </p:cNvSpPr>
-          <p:nvPr/>
-        </p:nvSpPr>
-        <p:spPr>
-          <a:xfrm>
-            <a:off x="3504282" y="1130579"/>
-            <a:ext cx="5913400" cy="993775"/>
-          </a:xfrm>
-          <a:prstGeom prst="rect">
-            <a:avLst/>
-          </a:prstGeom>
-        </p:spPr>
-        <p:txBody>
-          <a:bodyPr>
-            <a:noAutofit/>
-          </a:bodyPr>
-          <a:lstStyle>
-            <a:lvl1pPr algn="l" defTabSz="914400" rtl="0" eaLnBrk="1" latinLnBrk="0" hangingPunct="1">
-              <a:lnSpc>
-                <a:spcPct val="90000"/>
-              </a:lnSpc>
-              <a:spcBef>
-                <a:spcPct val="0"/>
-              </a:spcBef>
-              <a:buNone/>
-              <a:defRPr sz="4400" kern="1200">
-                <a:solidFill>
-                  <a:schemeClr val="tx1"/>
-                </a:solidFill>
-                <a:latin typeface="+mj-lt"/>
-                <a:ea typeface="+mj-ea"/>
-                <a:cs typeface="+mj-cs"/>
-              </a:defRPr>
-            </a:lvl1pPr>
-          </a:lstStyle>
-          <a:p>
-            <a:pPr>
-              <a:lnSpc>
-                <a:spcPct val="120000"/>
-              </a:lnSpc>
-            </a:pPr>
-            <a:r>
-              <a:rPr lang="nl-NL" sz="2400" dirty="0" err="1">
-                <a:solidFill>
-                  <a:schemeClr val="bg1"/>
-                </a:solidFill>
-                <a:latin typeface="Helvetica" pitchFamily="2" charset="0"/>
-                <a:ea typeface="Open Sans" panose="020B0606030504020204" pitchFamily="34" charset="0"/>
-                <a:cs typeface="Open Sans" panose="020B0606030504020204" pitchFamily="34" charset="0"/>
-              </a:rPr>
-              <a:t>Closure</a:t>
-            </a:r>
-            <a:br>
-              <a:rPr lang="nl-NL" sz="2400" b="1" dirty="0">
-                <a:latin typeface="Helvetica" pitchFamily="2" charset="0"/>
-                <a:ea typeface="Open Sans" panose="020B0606030504020204" pitchFamily="34" charset="0"/>
-                <a:cs typeface="Open Sans" panose="020B0606030504020204" pitchFamily="34" charset="0"/>
-              </a:rPr>
-            </a:br>
-            <a:endParaRPr lang="nl-NL" sz="2400" dirty="0">
-              <a:latin typeface="Helvetica" pitchFamily="2" charset="0"/>
-              <a:ea typeface="Open Sans" panose="020B0606030504020204" pitchFamily="34" charset="0"/>
-              <a:cs typeface="Open Sans" panose="020B0606030504020204" pitchFamily="34" charset="0"/>
-            </a:endParaRPr>
-          </a:p>
-        </p:txBody>
-      </p:sp>
-    </p:spTree>
-    <p:extLst>
-      <p:ext uri="{BB962C8B-B14F-4D97-AF65-F5344CB8AC3E}">
-        <p14:creationId xmlns:p14="http://schemas.microsoft.com/office/powerpoint/2010/main" val="4208032397"/>
       </p:ext>
     </p:extLst>
   </p:cSld>
@@ -50567,15 +47411,6 @@
 </file>
 
 <file path=customXml/item1.xml><?xml version="1.0" encoding="utf-8"?>
-<?mso-contentType ?>
-<FormTemplates xmlns="http://schemas.microsoft.com/sharepoint/v3/contenttype/forms">
-  <Display>DocumentLibraryForm</Display>
-  <Edit>DocumentLibraryForm</Edit>
-  <New>DocumentLibraryForm</New>
-</FormTemplates>
-</file>
-
-<file path=customXml/item2.xml><?xml version="1.0" encoding="utf-8"?>
 <ct:contentTypeSchema xmlns:ct="http://schemas.microsoft.com/office/2006/metadata/contentType" xmlns:ma="http://schemas.microsoft.com/office/2006/metadata/properties/metaAttributes" ct:_="" ma:_="" ma:contentTypeName="Document" ma:contentTypeID="0x0101007F0237082AB0944A9FC216E2DA5620D5" ma:contentTypeVersion="18" ma:contentTypeDescription="Een nieuw document maken." ma:contentTypeScope="" ma:versionID="4f1caa9287d9488e20316eb0fee938e9">
   <xsd:schema xmlns:xsd="http://www.w3.org/2001/XMLSchema" xmlns:xs="http://www.w3.org/2001/XMLSchema" xmlns:p="http://schemas.microsoft.com/office/2006/metadata/properties" xmlns:ns2="9c5a206d-b938-4884-b132-8a290c966188" xmlns:ns3="9b1463cd-8617-4935-ac0c-8d0310cc0c27" targetNamespace="http://schemas.microsoft.com/office/2006/metadata/properties" ma:root="true" ma:fieldsID="aaa2e803268428d24b688eb9cf6a5a07" ns2:_="" ns3:_="">
     <xsd:import namespace="9c5a206d-b938-4884-b132-8a290c966188"/>
@@ -50830,7 +47665,7 @@
 </ct:contentTypeSchema>
 </file>
 
-<file path=customXml/item3.xml><?xml version="1.0" encoding="utf-8"?>
+<file path=customXml/item2.xml><?xml version="1.0" encoding="utf-8"?>
 <p:properties xmlns:p="http://schemas.microsoft.com/office/2006/metadata/properties" xmlns:xsi="http://www.w3.org/2001/XMLSchema-instance" xmlns:pc="http://schemas.microsoft.com/office/infopath/2007/PartnerControls">
   <documentManagement>
     <lcf76f155ced4ddcb4097134ff3c332f xmlns="9c5a206d-b938-4884-b132-8a290c966188">
@@ -50841,15 +47676,16 @@
 </p:properties>
 </file>
 
-<file path=customXml/itemProps1.xml><?xml version="1.0" encoding="utf-8"?>
-<ds:datastoreItem xmlns:ds="http://schemas.openxmlformats.org/officeDocument/2006/customXml" ds:itemID="{BA48266C-CCCF-48F1-80D3-1F408859C50D}">
-  <ds:schemaRefs>
-    <ds:schemaRef ds:uri="http://schemas.microsoft.com/sharepoint/v3/contenttype/forms"/>
-  </ds:schemaRefs>
-</ds:datastoreItem>
+<file path=customXml/item3.xml><?xml version="1.0" encoding="utf-8"?>
+<?mso-contentType ?>
+<FormTemplates xmlns="http://schemas.microsoft.com/sharepoint/v3/contenttype/forms">
+  <Display>DocumentLibraryForm</Display>
+  <Edit>DocumentLibraryForm</Edit>
+  <New>DocumentLibraryForm</New>
+</FormTemplates>
 </file>
 
-<file path=customXml/itemProps2.xml><?xml version="1.0" encoding="utf-8"?>
+<file path=customXml/itemProps1.xml><?xml version="1.0" encoding="utf-8"?>
 <ds:datastoreItem xmlns:ds="http://schemas.openxmlformats.org/officeDocument/2006/customXml" ds:itemID="{B71804E9-FB14-4B03-AE64-B68AF3220F70}">
   <ds:schemaRefs>
     <ds:schemaRef ds:uri="http://schemas.microsoft.com/office/2006/metadata/contentType"/>
@@ -50868,7 +47704,7 @@
 </ds:datastoreItem>
 </file>
 
-<file path=customXml/itemProps3.xml><?xml version="1.0" encoding="utf-8"?>
+<file path=customXml/itemProps2.xml><?xml version="1.0" encoding="utf-8"?>
 <ds:datastoreItem xmlns:ds="http://schemas.openxmlformats.org/officeDocument/2006/customXml" ds:itemID="{14998129-EF39-4E22-9AD7-F42BFEDA1730}">
   <ds:schemaRefs>
     <ds:schemaRef ds:uri="http://schemas.microsoft.com/office/2006/documentManagement/types"/>
@@ -50883,4 +47719,12 @@
     <ds:schemaRef ds:uri="9c5a206d-b938-4884-b132-8a290c966188"/>
   </ds:schemaRefs>
 </ds:datastoreItem>
+</file>
+
+<file path=customXml/itemProps3.xml><?xml version="1.0" encoding="utf-8"?>
+<ds:datastoreItem xmlns:ds="http://schemas.openxmlformats.org/officeDocument/2006/customXml" ds:itemID="{BA48266C-CCCF-48F1-80D3-1F408859C50D}">
+  <ds:schemaRefs>
+    <ds:schemaRef ds:uri="http://schemas.microsoft.com/sharepoint/v3/contenttype/forms"/>
+  </ds:schemaRefs>
+</ds:datastoreItem>
 </file>